--- a/Aulas/Gestao de Projetos/PPT/Aula 09/Aula 09.pptx
+++ b/Aulas/Gestao de Projetos/PPT/Aula 09/Aula 09.pptx
@@ -6,17 +6,16 @@
   </p:sldMasterIdLst>
   <p:sldIdLst>
     <p:sldId id="256" r:id="rId2"/>
-    <p:sldId id="257" r:id="rId3"/>
-    <p:sldId id="258" r:id="rId4"/>
-    <p:sldId id="259" r:id="rId5"/>
-    <p:sldId id="260" r:id="rId6"/>
-    <p:sldId id="261" r:id="rId7"/>
-    <p:sldId id="262" r:id="rId8"/>
-    <p:sldId id="263" r:id="rId9"/>
-    <p:sldId id="264" r:id="rId10"/>
-    <p:sldId id="265" r:id="rId11"/>
-    <p:sldId id="266" r:id="rId12"/>
-    <p:sldId id="267" r:id="rId13"/>
+    <p:sldId id="266" r:id="rId3"/>
+    <p:sldId id="267" r:id="rId4"/>
+    <p:sldId id="268" r:id="rId5"/>
+    <p:sldId id="269" r:id="rId6"/>
+    <p:sldId id="270" r:id="rId7"/>
+    <p:sldId id="271" r:id="rId8"/>
+    <p:sldId id="272" r:id="rId9"/>
+    <p:sldId id="273" r:id="rId10"/>
+    <p:sldId id="274" r:id="rId11"/>
+    <p:sldId id="275" r:id="rId12"/>
   </p:sldIdLst>
   <p:sldSz cx="12192000" cy="6858000"/>
   <p:notesSz cx="6858000" cy="9144000"/>
@@ -274,7 +273,7 @@
           <a:p>
             <a:fld id="{8C28A28C-4C6A-46EA-90C0-4EE0B89CC5C7}" type="datetimeFigureOut">
               <a:rPr lang="en-US" smtClean="0"/>
-              <a:t>1/9/2024</a:t>
+              <a:t>1/4/2024</a:t>
             </a:fld>
             <a:endParaRPr lang="en-US" dirty="0"/>
           </a:p>
@@ -472,7 +471,7 @@
           <a:p>
             <a:fld id="{8C28A28C-4C6A-46EA-90C0-4EE0B89CC5C7}" type="datetimeFigureOut">
               <a:rPr lang="en-US" smtClean="0"/>
-              <a:t>1/9/2024</a:t>
+              <a:t>1/4/2024</a:t>
             </a:fld>
             <a:endParaRPr lang="en-US"/>
           </a:p>
@@ -680,7 +679,7 @@
           <a:p>
             <a:fld id="{8C28A28C-4C6A-46EA-90C0-4EE0B89CC5C7}" type="datetimeFigureOut">
               <a:rPr lang="en-US" smtClean="0"/>
-              <a:t>1/9/2024</a:t>
+              <a:t>1/4/2024</a:t>
             </a:fld>
             <a:endParaRPr lang="en-US"/>
           </a:p>
@@ -878,7 +877,7 @@
           <a:p>
             <a:fld id="{8C28A28C-4C6A-46EA-90C0-4EE0B89CC5C7}" type="datetimeFigureOut">
               <a:rPr lang="en-US" smtClean="0"/>
-              <a:t>1/9/2024</a:t>
+              <a:t>1/4/2024</a:t>
             </a:fld>
             <a:endParaRPr lang="en-US"/>
           </a:p>
@@ -1155,7 +1154,7 @@
           <a:p>
             <a:fld id="{8C28A28C-4C6A-46EA-90C0-4EE0B89CC5C7}" type="datetimeFigureOut">
               <a:rPr lang="en-US" smtClean="0"/>
-              <a:t>1/9/2024</a:t>
+              <a:t>1/4/2024</a:t>
             </a:fld>
             <a:endParaRPr lang="en-US"/>
           </a:p>
@@ -1420,7 +1419,7 @@
           <a:p>
             <a:fld id="{8C28A28C-4C6A-46EA-90C0-4EE0B89CC5C7}" type="datetimeFigureOut">
               <a:rPr lang="en-US" smtClean="0"/>
-              <a:t>1/9/2024</a:t>
+              <a:t>1/4/2024</a:t>
             </a:fld>
             <a:endParaRPr lang="en-US"/>
           </a:p>
@@ -1832,7 +1831,7 @@
           <a:p>
             <a:fld id="{8C28A28C-4C6A-46EA-90C0-4EE0B89CC5C7}" type="datetimeFigureOut">
               <a:rPr lang="en-US" smtClean="0"/>
-              <a:t>1/9/2024</a:t>
+              <a:t>1/4/2024</a:t>
             </a:fld>
             <a:endParaRPr lang="en-US"/>
           </a:p>
@@ -1973,7 +1972,7 @@
           <a:p>
             <a:fld id="{8C28A28C-4C6A-46EA-90C0-4EE0B89CC5C7}" type="datetimeFigureOut">
               <a:rPr lang="en-US" smtClean="0"/>
-              <a:t>1/9/2024</a:t>
+              <a:t>1/4/2024</a:t>
             </a:fld>
             <a:endParaRPr lang="en-US"/>
           </a:p>
@@ -2086,7 +2085,7 @@
           <a:p>
             <a:fld id="{8C28A28C-4C6A-46EA-90C0-4EE0B89CC5C7}" type="datetimeFigureOut">
               <a:rPr lang="en-US" smtClean="0"/>
-              <a:t>1/9/2024</a:t>
+              <a:t>1/4/2024</a:t>
             </a:fld>
             <a:endParaRPr lang="en-US"/>
           </a:p>
@@ -2399,7 +2398,7 @@
           <a:p>
             <a:fld id="{8C28A28C-4C6A-46EA-90C0-4EE0B89CC5C7}" type="datetimeFigureOut">
               <a:rPr lang="en-US" smtClean="0"/>
-              <a:t>1/9/2024</a:t>
+              <a:t>1/4/2024</a:t>
             </a:fld>
             <a:endParaRPr lang="en-US"/>
           </a:p>
@@ -2687,7 +2686,7 @@
           <a:p>
             <a:fld id="{8C28A28C-4C6A-46EA-90C0-4EE0B89CC5C7}" type="datetimeFigureOut">
               <a:rPr lang="en-US" smtClean="0"/>
-              <a:t>1/9/2024</a:t>
+              <a:t>1/4/2024</a:t>
             </a:fld>
             <a:endParaRPr lang="en-US"/>
           </a:p>
@@ -3042,7 +3041,7 @@
             <a:fld id="{8C28A28C-4C6A-46EA-90C0-4EE0B89CC5C7}" type="datetimeFigureOut">
               <a:rPr lang="en-US" smtClean="0"/>
               <a:pPr/>
-              <a:t>1/9/2024</a:t>
+              <a:t>1/4/2024</a:t>
             </a:fld>
             <a:endParaRPr lang="en-US" dirty="0"/>
           </a:p>
@@ -3606,7 +3605,7 @@
           <a:p>
             <a:r>
               <a:rPr lang="pt-BR" dirty="0"/>
-              <a:t>Gestão dos Custos</a:t>
+              <a:t>Partes Interessadas: Poder vs. Influência</a:t>
             </a:r>
           </a:p>
         </p:txBody>
@@ -4092,38 +4091,10 @@
       </p:grpSpPr>
       <p:sp>
         <p:nvSpPr>
-          <p:cNvPr id="2" name="Título 1">
-            <a:extLst>
-              <a:ext uri="{FF2B5EF4-FFF2-40B4-BE49-F238E27FC236}">
-                <a16:creationId xmlns:a16="http://schemas.microsoft.com/office/drawing/2014/main" id="{9607353C-C075-7C4B-E676-445D5D3CDB69}"/>
-              </a:ext>
-            </a:extLst>
-          </p:cNvPr>
-          <p:cNvSpPr>
-            <a:spLocks noGrp="1"/>
-          </p:cNvSpPr>
-          <p:nvPr>
-            <p:ph type="title"/>
-          </p:nvPr>
-        </p:nvSpPr>
-        <p:spPr/>
-        <p:txBody>
-          <a:bodyPr/>
-          <a:lstStyle/>
-          <a:p>
-            <a:r>
-              <a:rPr lang="pt-BR" dirty="0"/>
-              <a:t>Estratégias Práticas</a:t>
-            </a:r>
-          </a:p>
-        </p:txBody>
-      </p:sp>
-      <p:sp>
-        <p:nvSpPr>
-          <p:cNvPr id="4" name="Retângulo: Cantos Arredondados 3">
-            <a:extLst>
-              <a:ext uri="{FF2B5EF4-FFF2-40B4-BE49-F238E27FC236}">
-                <a16:creationId xmlns:a16="http://schemas.microsoft.com/office/drawing/2014/main" id="{CD3504C6-A233-A42F-2AE2-48CB43ED0753}"/>
+          <p:cNvPr id="2" name="Retângulo: Cantos Arredondados 1">
+            <a:extLst>
+              <a:ext uri="{FF2B5EF4-FFF2-40B4-BE49-F238E27FC236}">
+                <a16:creationId xmlns:a16="http://schemas.microsoft.com/office/drawing/2014/main" id="{7530B101-4FD6-43D7-8D3B-423D11E542AA}"/>
               </a:ext>
             </a:extLst>
           </p:cNvPr>
@@ -4132,74 +4103,14 @@
         </p:nvSpPr>
         <p:spPr>
           <a:xfrm>
-            <a:off x="-2763089" y="3189352"/>
-            <a:ext cx="2130295" cy="2130295"/>
+            <a:off x="941034" y="630315"/>
+            <a:ext cx="4625266" cy="852256"/>
           </a:xfrm>
           <a:prstGeom prst="roundRect">
-            <a:avLst>
-              <a:gd name="adj" fmla="val 50000"/>
-            </a:avLst>
-          </a:prstGeom>
-          <a:ln>
-            <a:noFill/>
-          </a:ln>
-        </p:spPr>
-        <p:style>
-          <a:lnRef idx="2">
-            <a:schemeClr val="accent1">
-              <a:shade val="15000"/>
-            </a:schemeClr>
-          </a:lnRef>
-          <a:fillRef idx="1">
-            <a:schemeClr val="accent1"/>
-          </a:fillRef>
-          <a:effectRef idx="0">
-            <a:schemeClr val="accent1"/>
-          </a:effectRef>
-          <a:fontRef idx="minor">
-            <a:schemeClr val="lt1"/>
-          </a:fontRef>
-        </p:style>
-        <p:txBody>
-          <a:bodyPr rtlCol="0" anchor="ctr"/>
-          <a:lstStyle/>
-          <a:p>
-            <a:pPr algn="ctr"/>
-            <a:r>
-              <a:rPr lang="pt-BR" b="1" i="0" dirty="0">
-                <a:effectLst/>
-                <a:latin typeface="Söhne"/>
-              </a:rPr>
-              <a:t>Planejamento de Custos:</a:t>
-            </a:r>
-            <a:endParaRPr lang="pt-BR" dirty="0"/>
-          </a:p>
-        </p:txBody>
-      </p:sp>
-      <p:sp>
-        <p:nvSpPr>
-          <p:cNvPr id="5" name="Retângulo: Cantos Arredondados 4">
-            <a:extLst>
-              <a:ext uri="{FF2B5EF4-FFF2-40B4-BE49-F238E27FC236}">
-                <a16:creationId xmlns:a16="http://schemas.microsoft.com/office/drawing/2014/main" id="{7B2504EE-1407-5D7C-694B-6E8D7A5A5AB6}"/>
-              </a:ext>
-            </a:extLst>
-          </p:cNvPr>
-          <p:cNvSpPr/>
-          <p:nvPr/>
-        </p:nvSpPr>
-        <p:spPr>
-          <a:xfrm>
-            <a:off x="3945777" y="-2830448"/>
-            <a:ext cx="2130295" cy="2130295"/>
-          </a:xfrm>
-          <a:prstGeom prst="roundRect">
-            <a:avLst>
-              <a:gd name="adj" fmla="val 50000"/>
-            </a:avLst>
+            <a:avLst/>
           </a:prstGeom>
           <a:solidFill>
-            <a:schemeClr val="accent2"/>
+            <a:schemeClr val="tx2"/>
           </a:solidFill>
           <a:ln>
             <a:noFill/>
@@ -4227,22 +4138,143 @@
           <a:p>
             <a:pPr algn="ctr"/>
             <a:r>
-              <a:rPr lang="pt-BR" b="1" i="0" dirty="0">
+              <a:rPr lang="pt-BR" sz="3600" b="1" i="0" dirty="0">
                 <a:effectLst/>
                 <a:latin typeface="Söhne"/>
               </a:rPr>
-              <a:t>Estimativa de Custos:</a:t>
-            </a:r>
-            <a:endParaRPr lang="pt-BR" dirty="0"/>
-          </a:p>
-        </p:txBody>
-      </p:sp>
-      <p:sp>
-        <p:nvSpPr>
-          <p:cNvPr id="9" name="Retângulo: Cantos Arredondados 8">
-            <a:extLst>
-              <a:ext uri="{FF2B5EF4-FFF2-40B4-BE49-F238E27FC236}">
-                <a16:creationId xmlns:a16="http://schemas.microsoft.com/office/drawing/2014/main" id="{F7319605-EA5B-E903-6319-EE2B9993FA06}"/>
+              <a:t>  </a:t>
+            </a:r>
+            <a:r>
+              <a:rPr lang="pt-BR" sz="2400" b="1" i="0" dirty="0">
+                <a:effectLst/>
+                <a:latin typeface="Söhne"/>
+              </a:rPr>
+              <a:t>Adaptação ao Longo do Ciclo de Vida do Projeto</a:t>
+            </a:r>
+          </a:p>
+        </p:txBody>
+      </p:sp>
+      <p:sp>
+        <p:nvSpPr>
+          <p:cNvPr id="4" name="CaixaDeTexto 3">
+            <a:extLst>
+              <a:ext uri="{FF2B5EF4-FFF2-40B4-BE49-F238E27FC236}">
+                <a16:creationId xmlns:a16="http://schemas.microsoft.com/office/drawing/2014/main" id="{257A9F9A-AB97-0D1F-06A0-8C8BAFD0A9BB}"/>
+              </a:ext>
+            </a:extLst>
+          </p:cNvPr>
+          <p:cNvSpPr txBox="1"/>
+          <p:nvPr/>
+        </p:nvSpPr>
+        <p:spPr>
+          <a:xfrm>
+            <a:off x="941034" y="1932785"/>
+            <a:ext cx="10457279" cy="3108543"/>
+          </a:xfrm>
+          <a:prstGeom prst="rect">
+            <a:avLst/>
+          </a:prstGeom>
+          <a:noFill/>
+        </p:spPr>
+        <p:txBody>
+          <a:bodyPr wrap="square" rtlCol="0">
+            <a:spAutoFit/>
+          </a:bodyPr>
+          <a:lstStyle/>
+          <a:p>
+            <a:pPr marL="457200" indent="-457200">
+              <a:buFont typeface="Arial" panose="020B0604020202020204" pitchFamily="34" charset="0"/>
+              <a:buChar char="•"/>
+            </a:pPr>
+            <a:r>
+              <a:rPr lang="pt-BR" sz="2800" dirty="0"/>
+              <a:t>Exemplos de Ajustes:</a:t>
+            </a:r>
+          </a:p>
+          <a:p>
+            <a:pPr marL="457200" indent="-457200">
+              <a:buFont typeface="Arial" panose="020B0604020202020204" pitchFamily="34" charset="0"/>
+              <a:buChar char="•"/>
+            </a:pPr>
+            <a:endParaRPr lang="pt-BR" sz="2800" dirty="0"/>
+          </a:p>
+          <a:p>
+            <a:pPr marL="914400" lvl="1" indent="-457200">
+              <a:buFont typeface="Arial" panose="020B0604020202020204" pitchFamily="34" charset="0"/>
+              <a:buChar char="•"/>
+            </a:pPr>
+            <a:r>
+              <a:rPr lang="pt-BR" sz="2800" dirty="0"/>
+              <a:t>Reavaliação das estratégias com base em feedback contínuo e avaliações de desempenho.</a:t>
+            </a:r>
+          </a:p>
+          <a:p>
+            <a:pPr marL="914400" lvl="1" indent="-457200">
+              <a:buFont typeface="Arial" panose="020B0604020202020204" pitchFamily="34" charset="0"/>
+              <a:buChar char="•"/>
+            </a:pPr>
+            <a:endParaRPr lang="pt-BR" sz="2800" dirty="0"/>
+          </a:p>
+          <a:p>
+            <a:pPr marL="914400" lvl="1" indent="-457200">
+              <a:buFont typeface="Arial" panose="020B0604020202020204" pitchFamily="34" charset="0"/>
+              <a:buChar char="•"/>
+            </a:pPr>
+            <a:r>
+              <a:rPr lang="pt-BR" sz="2800" dirty="0"/>
+              <a:t>Adaptação de abordagens à medida que novas informações e circunstâncias surgem.</a:t>
+            </a:r>
+          </a:p>
+        </p:txBody>
+      </p:sp>
+    </p:spTree>
+    <p:extLst>
+      <p:ext uri="{BB962C8B-B14F-4D97-AF65-F5344CB8AC3E}">
+        <p14:creationId xmlns:p14="http://schemas.microsoft.com/office/powerpoint/2010/main" val="727540291"/>
+      </p:ext>
+    </p:extLst>
+  </p:cSld>
+  <p:clrMapOvr>
+    <a:masterClrMapping/>
+  </p:clrMapOvr>
+  <mc:AlternateContent xmlns:mc="http://schemas.openxmlformats.org/markup-compatibility/2006" xmlns:p159="http://schemas.microsoft.com/office/powerpoint/2015/09/main">
+    <mc:Choice Requires="p159">
+      <p:transition xmlns:p14="http://schemas.microsoft.com/office/powerpoint/2010/main" spd="slow" p14:dur="2000">
+        <p159:morph option="byObject"/>
+      </p:transition>
+    </mc:Choice>
+    <mc:Fallback xmlns="">
+      <p:transition spd="slow">
+        <p:fade/>
+      </p:transition>
+    </mc:Fallback>
+  </mc:AlternateContent>
+</p:sld>
+</file>
+
+<file path=ppt/slides/slide11.xml><?xml version="1.0" encoding="utf-8"?>
+<p:sld xmlns:a="http://schemas.openxmlformats.org/drawingml/2006/main" xmlns:r="http://schemas.openxmlformats.org/officeDocument/2006/relationships" xmlns:p="http://schemas.openxmlformats.org/presentationml/2006/main">
+  <p:cSld>
+    <p:spTree>
+      <p:nvGrpSpPr>
+        <p:cNvPr id="1" name=""/>
+        <p:cNvGrpSpPr/>
+        <p:nvPr/>
+      </p:nvGrpSpPr>
+      <p:grpSpPr>
+        <a:xfrm>
+          <a:off x="0" y="0"/>
+          <a:ext cx="0" cy="0"/>
+          <a:chOff x="0" y="0"/>
+          <a:chExt cx="0" cy="0"/>
+        </a:xfrm>
+      </p:grpSpPr>
+      <p:sp>
+        <p:nvSpPr>
+          <p:cNvPr id="2" name="Retângulo: Cantos Arredondados 1">
+            <a:extLst>
+              <a:ext uri="{FF2B5EF4-FFF2-40B4-BE49-F238E27FC236}">
+                <a16:creationId xmlns:a16="http://schemas.microsoft.com/office/drawing/2014/main" id="{7530B101-4FD6-43D7-8D3B-423D11E542AA}"/>
               </a:ext>
             </a:extLst>
           </p:cNvPr>
@@ -4251,16 +4283,14 @@
         </p:nvSpPr>
         <p:spPr>
           <a:xfrm>
-            <a:off x="6273143" y="7659752"/>
-            <a:ext cx="2130295" cy="2130295"/>
+            <a:off x="941034" y="630315"/>
+            <a:ext cx="4625266" cy="852256"/>
           </a:xfrm>
           <a:prstGeom prst="roundRect">
-            <a:avLst>
-              <a:gd name="adj" fmla="val 50000"/>
-            </a:avLst>
+            <a:avLst/>
           </a:prstGeom>
           <a:solidFill>
-            <a:schemeClr val="accent3"/>
+            <a:schemeClr val="tx2"/>
           </a:solidFill>
           <a:ln>
             <a:noFill/>
@@ -4288,83 +4318,144 @@
           <a:p>
             <a:pPr algn="ctr"/>
             <a:r>
-              <a:rPr lang="pt-BR" b="1" i="0" dirty="0">
+              <a:rPr lang="pt-BR" sz="3600" b="1" i="0" dirty="0">
                 <a:effectLst/>
                 <a:latin typeface="Söhne"/>
               </a:rPr>
-              <a:t>Controle de Custos:</a:t>
-            </a:r>
-            <a:endParaRPr lang="pt-BR" dirty="0"/>
-          </a:p>
-        </p:txBody>
-      </p:sp>
-      <p:sp>
-        <p:nvSpPr>
-          <p:cNvPr id="10" name="Retângulo: Cantos Arredondados 9">
-            <a:extLst>
-              <a:ext uri="{FF2B5EF4-FFF2-40B4-BE49-F238E27FC236}">
-                <a16:creationId xmlns:a16="http://schemas.microsoft.com/office/drawing/2014/main" id="{00B4B4CE-FE93-85BC-ECBB-C028DAE14A75}"/>
-              </a:ext>
-            </a:extLst>
-          </p:cNvPr>
-          <p:cNvSpPr/>
-          <p:nvPr/>
-        </p:nvSpPr>
-        <p:spPr>
-          <a:xfrm>
-            <a:off x="13032809" y="3189352"/>
-            <a:ext cx="2130295" cy="2130295"/>
-          </a:xfrm>
-          <a:prstGeom prst="roundRect">
-            <a:avLst>
-              <a:gd name="adj" fmla="val 50000"/>
-            </a:avLst>
-          </a:prstGeom>
-          <a:solidFill>
-            <a:schemeClr val="accent4"/>
-          </a:solidFill>
-          <a:ln>
-            <a:noFill/>
-          </a:ln>
-        </p:spPr>
-        <p:style>
-          <a:lnRef idx="2">
-            <a:schemeClr val="accent1">
-              <a:shade val="15000"/>
-            </a:schemeClr>
-          </a:lnRef>
-          <a:fillRef idx="1">
-            <a:schemeClr val="accent1"/>
-          </a:fillRef>
-          <a:effectRef idx="0">
-            <a:schemeClr val="accent1"/>
-          </a:effectRef>
-          <a:fontRef idx="minor">
-            <a:schemeClr val="lt1"/>
-          </a:fontRef>
-        </p:style>
-        <p:txBody>
-          <a:bodyPr rtlCol="0" anchor="ctr"/>
-          <a:lstStyle/>
-          <a:p>
-            <a:pPr algn="ctr"/>
-            <a:r>
-              <a:rPr lang="pt-BR" b="1" i="0" dirty="0">
+              <a:t>  </a:t>
+            </a:r>
+            <a:r>
+              <a:rPr lang="pt-BR" sz="2400" b="1" i="0" dirty="0">
                 <a:effectLst/>
                 <a:latin typeface="Söhne"/>
               </a:rPr>
-              <a:t>Relatórios Financeiros:</a:t>
-            </a:r>
-            <a:endParaRPr lang="pt-BR" dirty="0"/>
-          </a:p>
-        </p:txBody>
-      </p:sp>
-      <p:sp>
-        <p:nvSpPr>
-          <p:cNvPr id="3" name="Retângulo: Cantos Arredondados 2">
-            <a:extLst>
-              <a:ext uri="{FF2B5EF4-FFF2-40B4-BE49-F238E27FC236}">
-                <a16:creationId xmlns:a16="http://schemas.microsoft.com/office/drawing/2014/main" id="{C72B719D-8317-DB55-BCC0-47C51E3FB960}"/>
+              <a:t>Adaptação ao Longo do Ciclo de Vida do Projeto</a:t>
+            </a:r>
+          </a:p>
+        </p:txBody>
+      </p:sp>
+      <p:pic>
+        <p:nvPicPr>
+          <p:cNvPr id="5" name="Imagem 4" descr="Imagem em preto e branco">
+            <a:extLst>
+              <a:ext uri="{FF2B5EF4-FFF2-40B4-BE49-F238E27FC236}">
+                <a16:creationId xmlns:a16="http://schemas.microsoft.com/office/drawing/2014/main" id="{37547013-F0FF-CB1A-F552-8E086BE82D4E}"/>
+              </a:ext>
+            </a:extLst>
+          </p:cNvPr>
+          <p:cNvPicPr>
+            <a:picLocks noChangeAspect="1"/>
+          </p:cNvPicPr>
+          <p:nvPr/>
+        </p:nvPicPr>
+        <p:blipFill>
+          <a:blip r:embed="rId2">
+            <a:extLst>
+              <a:ext uri="{28A0092B-C50C-407E-A947-70E740481C1C}">
+                <a14:useLocalDpi xmlns:a14="http://schemas.microsoft.com/office/drawing/2010/main" val="0"/>
+              </a:ext>
+            </a:extLst>
+          </a:blip>
+          <a:stretch>
+            <a:fillRect/>
+          </a:stretch>
+        </p:blipFill>
+        <p:spPr>
+          <a:xfrm>
+            <a:off x="1085838" y="1322149"/>
+            <a:ext cx="6096012" cy="6096012"/>
+          </a:xfrm>
+          <a:prstGeom prst="rect">
+            <a:avLst/>
+          </a:prstGeom>
+        </p:spPr>
+      </p:pic>
+      <p:sp>
+        <p:nvSpPr>
+          <p:cNvPr id="6" name="CaixaDeTexto 5">
+            <a:extLst>
+              <a:ext uri="{FF2B5EF4-FFF2-40B4-BE49-F238E27FC236}">
+                <a16:creationId xmlns:a16="http://schemas.microsoft.com/office/drawing/2014/main" id="{9447D324-6AB4-99A4-14CF-A5F8445B37B4}"/>
+              </a:ext>
+            </a:extLst>
+          </p:cNvPr>
+          <p:cNvSpPr txBox="1"/>
+          <p:nvPr/>
+        </p:nvSpPr>
+        <p:spPr>
+          <a:xfrm rot="21292923">
+            <a:off x="5703445" y="2808077"/>
+            <a:ext cx="3471655" cy="1077218"/>
+          </a:xfrm>
+          <a:prstGeom prst="rect">
+            <a:avLst/>
+          </a:prstGeom>
+          <a:noFill/>
+        </p:spPr>
+        <p:txBody>
+          <a:bodyPr wrap="square" rtlCol="0">
+            <a:spAutoFit/>
+          </a:bodyPr>
+          <a:lstStyle/>
+          <a:p>
+            <a:pPr algn="ctr"/>
+            <a:r>
+              <a:rPr lang="pt-BR" sz="3200" dirty="0">
+                <a:latin typeface="Gill Sans ExtraBoldDisplay" panose="020B0400000000000000" pitchFamily="34" charset="0"/>
+              </a:rPr>
+              <a:t>Está na hora de brincar!</a:t>
+            </a:r>
+          </a:p>
+        </p:txBody>
+      </p:sp>
+    </p:spTree>
+    <p:extLst>
+      <p:ext uri="{BB962C8B-B14F-4D97-AF65-F5344CB8AC3E}">
+        <p14:creationId xmlns:p14="http://schemas.microsoft.com/office/powerpoint/2010/main" val="1390494692"/>
+      </p:ext>
+    </p:extLst>
+  </p:cSld>
+  <p:clrMapOvr>
+    <a:masterClrMapping/>
+  </p:clrMapOvr>
+  <mc:AlternateContent xmlns:mc="http://schemas.openxmlformats.org/markup-compatibility/2006" xmlns:p159="http://schemas.microsoft.com/office/powerpoint/2015/09/main">
+    <mc:Choice Requires="p159">
+      <p:transition xmlns:p14="http://schemas.microsoft.com/office/powerpoint/2010/main" spd="slow" p14:dur="2000">
+        <p159:morph option="byObject"/>
+      </p:transition>
+    </mc:Choice>
+    <mc:Fallback xmlns="">
+      <p:transition spd="slow">
+        <p:fade/>
+      </p:transition>
+    </mc:Fallback>
+  </mc:AlternateContent>
+</p:sld>
+</file>
+
+<file path=ppt/slides/slide2.xml><?xml version="1.0" encoding="utf-8"?>
+<p:sld xmlns:a="http://schemas.openxmlformats.org/drawingml/2006/main" xmlns:r="http://schemas.openxmlformats.org/officeDocument/2006/relationships" xmlns:p="http://schemas.openxmlformats.org/presentationml/2006/main">
+  <p:cSld>
+    <p:spTree>
+      <p:nvGrpSpPr>
+        <p:cNvPr id="1" name=""/>
+        <p:cNvGrpSpPr/>
+        <p:nvPr/>
+      </p:nvGrpSpPr>
+      <p:grpSpPr>
+        <a:xfrm>
+          <a:off x="0" y="0"/>
+          <a:ext cx="0" cy="0"/>
+          <a:chOff x="0" y="0"/>
+          <a:chExt cx="0" cy="0"/>
+        </a:xfrm>
+      </p:grpSpPr>
+      <p:sp>
+        <p:nvSpPr>
+          <p:cNvPr id="2" name="Retângulo: Cantos Arredondados 1">
+            <a:extLst>
+              <a:ext uri="{FF2B5EF4-FFF2-40B4-BE49-F238E27FC236}">
+                <a16:creationId xmlns:a16="http://schemas.microsoft.com/office/drawing/2014/main" id="{7530B101-4FD6-43D7-8D3B-423D11E542AA}"/>
               </a:ext>
             </a:extLst>
           </p:cNvPr>
@@ -4373,8 +4464,8 @@
         </p:nvSpPr>
         <p:spPr>
           <a:xfrm>
-            <a:off x="-6827089" y="2690748"/>
-            <a:ext cx="4064000" cy="649352"/>
+            <a:off x="941034" y="630315"/>
+            <a:ext cx="4625266" cy="852256"/>
           </a:xfrm>
           <a:prstGeom prst="roundRect">
             <a:avLst/>
@@ -4408,19 +4499,163 @@
           <a:p>
             <a:pPr algn="ctr"/>
             <a:r>
-              <a:rPr lang="pt-BR"/>
-              <a:t>Definição Realista de Orçamento.</a:t>
-            </a:r>
-            <a:endParaRPr lang="pt-BR" dirty="0"/>
-          </a:p>
-        </p:txBody>
-      </p:sp>
-      <p:sp>
-        <p:nvSpPr>
-          <p:cNvPr id="6" name="Retângulo: Cantos Arredondados 5">
-            <a:extLst>
-              <a:ext uri="{FF2B5EF4-FFF2-40B4-BE49-F238E27FC236}">
-                <a16:creationId xmlns:a16="http://schemas.microsoft.com/office/drawing/2014/main" id="{96760AB3-A47F-C8A0-42EA-0DBF6C695032}"/>
+              <a:rPr lang="pt-BR" sz="4000" b="1" i="0" dirty="0">
+                <a:effectLst/>
+                <a:latin typeface="Söhne"/>
+              </a:rPr>
+              <a:t> Poder vs. Influência</a:t>
+            </a:r>
+            <a:endParaRPr lang="pt-BR" sz="2800" b="1" i="0" dirty="0">
+              <a:effectLst/>
+              <a:latin typeface="Söhne"/>
+            </a:endParaRPr>
+          </a:p>
+        </p:txBody>
+      </p:sp>
+      <p:sp>
+        <p:nvSpPr>
+          <p:cNvPr id="3" name="CaixaDeTexto 2">
+            <a:extLst>
+              <a:ext uri="{FF2B5EF4-FFF2-40B4-BE49-F238E27FC236}">
+                <a16:creationId xmlns:a16="http://schemas.microsoft.com/office/drawing/2014/main" id="{9F3174A1-9767-5004-794B-69F8484E69E8}"/>
+              </a:ext>
+            </a:extLst>
+          </p:cNvPr>
+          <p:cNvSpPr txBox="1"/>
+          <p:nvPr/>
+        </p:nvSpPr>
+        <p:spPr>
+          <a:xfrm>
+            <a:off x="941034" y="1932785"/>
+            <a:ext cx="10457279" cy="2246769"/>
+          </a:xfrm>
+          <a:prstGeom prst="rect">
+            <a:avLst/>
+          </a:prstGeom>
+          <a:noFill/>
+        </p:spPr>
+        <p:txBody>
+          <a:bodyPr wrap="square" rtlCol="0">
+            <a:spAutoFit/>
+          </a:bodyPr>
+          <a:lstStyle/>
+          <a:p>
+            <a:pPr marL="457200" indent="-457200">
+              <a:buFont typeface="Arial" panose="020B0604020202020204" pitchFamily="34" charset="0"/>
+              <a:buChar char="•"/>
+            </a:pPr>
+            <a:r>
+              <a:rPr lang="pt-BR" sz="2800" dirty="0"/>
+              <a:t>No gerenciamento de projetos, entender as partes interessadas é crucial.</a:t>
+            </a:r>
+          </a:p>
+          <a:p>
+            <a:pPr marL="457200" indent="-457200">
+              <a:buFont typeface="Arial" panose="020B0604020202020204" pitchFamily="34" charset="0"/>
+              <a:buChar char="•"/>
+            </a:pPr>
+            <a:endParaRPr lang="pt-BR" sz="2800" dirty="0"/>
+          </a:p>
+          <a:p>
+            <a:pPr marL="457200" indent="-457200">
+              <a:buFont typeface="Arial" panose="020B0604020202020204" pitchFamily="34" charset="0"/>
+              <a:buChar char="•"/>
+            </a:pPr>
+            <a:r>
+              <a:rPr lang="pt-BR" sz="2800" dirty="0"/>
+              <a:t>Abordaremos as dinâmicas de poder e influência entre as partes interessadas.</a:t>
+            </a:r>
+          </a:p>
+        </p:txBody>
+      </p:sp>
+      <p:sp>
+        <p:nvSpPr>
+          <p:cNvPr id="6" name="CaixaDeTexto 5">
+            <a:extLst>
+              <a:ext uri="{FF2B5EF4-FFF2-40B4-BE49-F238E27FC236}">
+                <a16:creationId xmlns:a16="http://schemas.microsoft.com/office/drawing/2014/main" id="{1ADF658D-D816-F231-2EED-87ABE9FB5B15}"/>
+              </a:ext>
+            </a:extLst>
+          </p:cNvPr>
+          <p:cNvSpPr txBox="1"/>
+          <p:nvPr/>
+        </p:nvSpPr>
+        <p:spPr>
+          <a:xfrm>
+            <a:off x="-4177480" y="1765869"/>
+            <a:ext cx="2620491" cy="707886"/>
+          </a:xfrm>
+          <a:prstGeom prst="rect">
+            <a:avLst/>
+          </a:prstGeom>
+          <a:noFill/>
+        </p:spPr>
+        <p:txBody>
+          <a:bodyPr wrap="square" rtlCol="0">
+            <a:spAutoFit/>
+          </a:bodyPr>
+          <a:lstStyle/>
+          <a:p>
+            <a:pPr algn="ctr"/>
+            <a:r>
+              <a:rPr lang="pt-BR" sz="4000" b="1" dirty="0">
+                <a:solidFill>
+                  <a:schemeClr val="bg1"/>
+                </a:solidFill>
+                <a:latin typeface="Gill Sans Nova Cond Ultra Bold" panose="020F0502020204030204" pitchFamily="34" charset="0"/>
+              </a:rPr>
+              <a:t>PODER</a:t>
+            </a:r>
+          </a:p>
+        </p:txBody>
+      </p:sp>
+      <p:sp>
+        <p:nvSpPr>
+          <p:cNvPr id="7" name="CaixaDeTexto 6">
+            <a:extLst>
+              <a:ext uri="{FF2B5EF4-FFF2-40B4-BE49-F238E27FC236}">
+                <a16:creationId xmlns:a16="http://schemas.microsoft.com/office/drawing/2014/main" id="{6D6ADDF7-0CB3-0C40-AF39-B77C032DD44C}"/>
+              </a:ext>
+            </a:extLst>
+          </p:cNvPr>
+          <p:cNvSpPr txBox="1"/>
+          <p:nvPr/>
+        </p:nvSpPr>
+        <p:spPr>
+          <a:xfrm>
+            <a:off x="14156929" y="1765869"/>
+            <a:ext cx="2620491" cy="707886"/>
+          </a:xfrm>
+          <a:prstGeom prst="rect">
+            <a:avLst/>
+          </a:prstGeom>
+          <a:noFill/>
+        </p:spPr>
+        <p:txBody>
+          <a:bodyPr wrap="square" rtlCol="0">
+            <a:spAutoFit/>
+          </a:bodyPr>
+          <a:lstStyle/>
+          <a:p>
+            <a:pPr algn="ctr"/>
+            <a:r>
+              <a:rPr lang="pt-BR" sz="4000" b="1" dirty="0">
+                <a:solidFill>
+                  <a:schemeClr val="bg1"/>
+                </a:solidFill>
+                <a:latin typeface="Gill Sans Nova Cond Ultra Bold" panose="020F0502020204030204" pitchFamily="34" charset="0"/>
+              </a:rPr>
+              <a:t>Influência</a:t>
+            </a:r>
+          </a:p>
+        </p:txBody>
+      </p:sp>
+      <p:sp>
+        <p:nvSpPr>
+          <p:cNvPr id="8" name="Retângulo: Cantos Arredondados 7">
+            <a:extLst>
+              <a:ext uri="{FF2B5EF4-FFF2-40B4-BE49-F238E27FC236}">
+                <a16:creationId xmlns:a16="http://schemas.microsoft.com/office/drawing/2014/main" id="{D95B039A-DDEB-D667-BFEA-0F6E1CA0FB31}"/>
               </a:ext>
             </a:extLst>
           </p:cNvPr>
@@ -4428,9 +4663,255 @@
           <p:nvPr/>
         </p:nvSpPr>
         <p:spPr>
+          <a:xfrm flipH="1">
+            <a:off x="12964911" y="1596570"/>
+            <a:ext cx="5004526" cy="5116286"/>
+          </a:xfrm>
+          <a:prstGeom prst="roundRect">
+            <a:avLst>
+              <a:gd name="adj" fmla="val 4486"/>
+            </a:avLst>
+          </a:prstGeom>
+          <a:solidFill>
+            <a:srgbClr val="A471C7"/>
+          </a:solidFill>
+          <a:ln>
+            <a:noFill/>
+          </a:ln>
+        </p:spPr>
+        <p:style>
+          <a:lnRef idx="2">
+            <a:schemeClr val="accent1">
+              <a:shade val="15000"/>
+            </a:schemeClr>
+          </a:lnRef>
+          <a:fillRef idx="1">
+            <a:schemeClr val="accent1"/>
+          </a:fillRef>
+          <a:effectRef idx="0">
+            <a:schemeClr val="accent1"/>
+          </a:effectRef>
+          <a:fontRef idx="minor">
+            <a:schemeClr val="lt1"/>
+          </a:fontRef>
+        </p:style>
+        <p:txBody>
+          <a:bodyPr rtlCol="0" anchor="ctr"/>
+          <a:lstStyle/>
+          <a:p>
+            <a:pPr algn="ctr"/>
+            <a:endParaRPr lang="pt-BR"/>
+          </a:p>
+        </p:txBody>
+      </p:sp>
+      <p:sp>
+        <p:nvSpPr>
+          <p:cNvPr id="9" name="Retângulo: Cantos Arredondados 8">
+            <a:extLst>
+              <a:ext uri="{FF2B5EF4-FFF2-40B4-BE49-F238E27FC236}">
+                <a16:creationId xmlns:a16="http://schemas.microsoft.com/office/drawing/2014/main" id="{92A8A4B5-D165-C710-C934-7607DAEFDCF7}"/>
+              </a:ext>
+            </a:extLst>
+          </p:cNvPr>
+          <p:cNvSpPr/>
+          <p:nvPr/>
+        </p:nvSpPr>
+        <p:spPr>
+          <a:xfrm flipH="1">
+            <a:off x="-5630091" y="1596572"/>
+            <a:ext cx="5004526" cy="5116286"/>
+          </a:xfrm>
+          <a:prstGeom prst="roundRect">
+            <a:avLst>
+              <a:gd name="adj" fmla="val 4486"/>
+            </a:avLst>
+          </a:prstGeom>
+          <a:solidFill>
+            <a:srgbClr val="A471C7"/>
+          </a:solidFill>
+          <a:ln>
+            <a:noFill/>
+          </a:ln>
+        </p:spPr>
+        <p:style>
+          <a:lnRef idx="2">
+            <a:schemeClr val="accent1">
+              <a:shade val="15000"/>
+            </a:schemeClr>
+          </a:lnRef>
+          <a:fillRef idx="1">
+            <a:schemeClr val="accent1"/>
+          </a:fillRef>
+          <a:effectRef idx="0">
+            <a:schemeClr val="accent1"/>
+          </a:effectRef>
+          <a:fontRef idx="minor">
+            <a:schemeClr val="lt1"/>
+          </a:fontRef>
+        </p:style>
+        <p:txBody>
+          <a:bodyPr rtlCol="0" anchor="ctr"/>
+          <a:lstStyle/>
+          <a:p>
+            <a:pPr algn="ctr"/>
+            <a:endParaRPr lang="pt-BR"/>
+          </a:p>
+        </p:txBody>
+      </p:sp>
+    </p:spTree>
+    <p:extLst>
+      <p:ext uri="{BB962C8B-B14F-4D97-AF65-F5344CB8AC3E}">
+        <p14:creationId xmlns:p14="http://schemas.microsoft.com/office/powerpoint/2010/main" val="1806275063"/>
+      </p:ext>
+    </p:extLst>
+  </p:cSld>
+  <p:clrMapOvr>
+    <a:masterClrMapping/>
+  </p:clrMapOvr>
+</p:sld>
+</file>
+
+<file path=ppt/slides/slide3.xml><?xml version="1.0" encoding="utf-8"?>
+<p:sld xmlns:a="http://schemas.openxmlformats.org/drawingml/2006/main" xmlns:r="http://schemas.openxmlformats.org/officeDocument/2006/relationships" xmlns:p="http://schemas.openxmlformats.org/presentationml/2006/main">
+  <p:cSld>
+    <p:spTree>
+      <p:nvGrpSpPr>
+        <p:cNvPr id="1" name=""/>
+        <p:cNvGrpSpPr/>
+        <p:nvPr/>
+      </p:nvGrpSpPr>
+      <p:grpSpPr>
+        <a:xfrm>
+          <a:off x="0" y="0"/>
+          <a:ext cx="0" cy="0"/>
+          <a:chOff x="0" y="0"/>
+          <a:chExt cx="0" cy="0"/>
+        </a:xfrm>
+      </p:grpSpPr>
+      <p:sp>
+        <p:nvSpPr>
+          <p:cNvPr id="11" name="Retângulo: Cantos Arredondados 10">
+            <a:extLst>
+              <a:ext uri="{FF2B5EF4-FFF2-40B4-BE49-F238E27FC236}">
+                <a16:creationId xmlns:a16="http://schemas.microsoft.com/office/drawing/2014/main" id="{F4F5635C-8260-C454-71D1-5FD336D610AB}"/>
+              </a:ext>
+            </a:extLst>
+          </p:cNvPr>
+          <p:cNvSpPr/>
+          <p:nvPr/>
+        </p:nvSpPr>
+        <p:spPr>
           <a:xfrm>
-            <a:off x="14407237" y="3429000"/>
-            <a:ext cx="4064000" cy="649352"/>
+            <a:off x="6689793" y="1596570"/>
+            <a:ext cx="5004526" cy="5116286"/>
+          </a:xfrm>
+          <a:prstGeom prst="roundRect">
+            <a:avLst>
+              <a:gd name="adj" fmla="val 4486"/>
+            </a:avLst>
+          </a:prstGeom>
+          <a:solidFill>
+            <a:srgbClr val="A471C7"/>
+          </a:solidFill>
+          <a:ln>
+            <a:noFill/>
+          </a:ln>
+        </p:spPr>
+        <p:style>
+          <a:lnRef idx="2">
+            <a:schemeClr val="accent1">
+              <a:shade val="15000"/>
+            </a:schemeClr>
+          </a:lnRef>
+          <a:fillRef idx="1">
+            <a:schemeClr val="accent1"/>
+          </a:fillRef>
+          <a:effectRef idx="0">
+            <a:schemeClr val="accent1"/>
+          </a:effectRef>
+          <a:fontRef idx="minor">
+            <a:schemeClr val="lt1"/>
+          </a:fontRef>
+        </p:style>
+        <p:txBody>
+          <a:bodyPr rtlCol="0" anchor="ctr"/>
+          <a:lstStyle/>
+          <a:p>
+            <a:pPr algn="ctr"/>
+            <a:endParaRPr lang="pt-BR"/>
+          </a:p>
+        </p:txBody>
+      </p:sp>
+      <p:sp>
+        <p:nvSpPr>
+          <p:cNvPr id="10" name="Retângulo: Cantos Arredondados 9">
+            <a:extLst>
+              <a:ext uri="{FF2B5EF4-FFF2-40B4-BE49-F238E27FC236}">
+                <a16:creationId xmlns:a16="http://schemas.microsoft.com/office/drawing/2014/main" id="{E66D3F69-A5E7-5410-7B46-73E9C0E97CB6}"/>
+              </a:ext>
+            </a:extLst>
+          </p:cNvPr>
+          <p:cNvSpPr/>
+          <p:nvPr/>
+        </p:nvSpPr>
+        <p:spPr>
+          <a:xfrm>
+            <a:off x="948724" y="1596572"/>
+            <a:ext cx="5004526" cy="5116286"/>
+          </a:xfrm>
+          <a:prstGeom prst="roundRect">
+            <a:avLst>
+              <a:gd name="adj" fmla="val 4486"/>
+            </a:avLst>
+          </a:prstGeom>
+          <a:solidFill>
+            <a:srgbClr val="A471C7"/>
+          </a:solidFill>
+          <a:ln>
+            <a:noFill/>
+          </a:ln>
+        </p:spPr>
+        <p:style>
+          <a:lnRef idx="2">
+            <a:schemeClr val="accent1">
+              <a:shade val="15000"/>
+            </a:schemeClr>
+          </a:lnRef>
+          <a:fillRef idx="1">
+            <a:schemeClr val="accent1"/>
+          </a:fillRef>
+          <a:effectRef idx="0">
+            <a:schemeClr val="accent1"/>
+          </a:effectRef>
+          <a:fontRef idx="minor">
+            <a:schemeClr val="lt1"/>
+          </a:fontRef>
+        </p:style>
+        <p:txBody>
+          <a:bodyPr rtlCol="0" anchor="ctr"/>
+          <a:lstStyle/>
+          <a:p>
+            <a:pPr algn="ctr"/>
+            <a:endParaRPr lang="pt-BR"/>
+          </a:p>
+        </p:txBody>
+      </p:sp>
+      <p:sp>
+        <p:nvSpPr>
+          <p:cNvPr id="2" name="Retângulo: Cantos Arredondados 1">
+            <a:extLst>
+              <a:ext uri="{FF2B5EF4-FFF2-40B4-BE49-F238E27FC236}">
+                <a16:creationId xmlns:a16="http://schemas.microsoft.com/office/drawing/2014/main" id="{7530B101-4FD6-43D7-8D3B-423D11E542AA}"/>
+              </a:ext>
+            </a:extLst>
+          </p:cNvPr>
+          <p:cNvSpPr/>
+          <p:nvPr/>
+        </p:nvSpPr>
+        <p:spPr>
+          <a:xfrm>
+            <a:off x="941034" y="630315"/>
+            <a:ext cx="4625266" cy="852256"/>
           </a:xfrm>
           <a:prstGeom prst="roundRect">
             <a:avLst/>
@@ -4464,18 +4945,229 @@
           <a:p>
             <a:pPr algn="ctr"/>
             <a:r>
-              <a:rPr lang="pt-BR" dirty="0"/>
-              <a:t>Priorização de Recursos.</a:t>
-            </a:r>
-          </a:p>
-        </p:txBody>
-      </p:sp>
+              <a:rPr lang="pt-BR" sz="4000" b="1" i="0" dirty="0">
+                <a:effectLst/>
+                <a:latin typeface="Söhne"/>
+              </a:rPr>
+              <a:t> Uma Distinção</a:t>
+            </a:r>
+            <a:endParaRPr lang="pt-BR" sz="2800" b="1" i="0" dirty="0">
+              <a:effectLst/>
+              <a:latin typeface="Söhne"/>
+            </a:endParaRPr>
+          </a:p>
+        </p:txBody>
+      </p:sp>
+      <p:sp>
+        <p:nvSpPr>
+          <p:cNvPr id="3" name="CaixaDeTexto 2">
+            <a:extLst>
+              <a:ext uri="{FF2B5EF4-FFF2-40B4-BE49-F238E27FC236}">
+                <a16:creationId xmlns:a16="http://schemas.microsoft.com/office/drawing/2014/main" id="{9F3174A1-9767-5004-794B-69F8484E69E8}"/>
+              </a:ext>
+            </a:extLst>
+          </p:cNvPr>
+          <p:cNvSpPr txBox="1"/>
+          <p:nvPr/>
+        </p:nvSpPr>
+        <p:spPr>
+          <a:xfrm>
+            <a:off x="1268141" y="2877441"/>
+            <a:ext cx="4095423" cy="2554545"/>
+          </a:xfrm>
+          <a:prstGeom prst="rect">
+            <a:avLst/>
+          </a:prstGeom>
+          <a:noFill/>
+        </p:spPr>
+        <p:txBody>
+          <a:bodyPr wrap="square" rtlCol="0">
+            <a:spAutoFit/>
+          </a:bodyPr>
+          <a:lstStyle/>
+          <a:p>
+            <a:pPr algn="just"/>
+            <a:r>
+              <a:rPr lang="pt-BR" sz="3200" dirty="0">
+                <a:solidFill>
+                  <a:schemeClr val="bg1"/>
+                </a:solidFill>
+              </a:rPr>
+              <a:t>Capacidade de impor vontade; origens como posição hierárquica, controle de recursos.</a:t>
+            </a:r>
+          </a:p>
+        </p:txBody>
+      </p:sp>
+      <p:sp>
+        <p:nvSpPr>
+          <p:cNvPr id="6" name="CaixaDeTexto 5">
+            <a:extLst>
+              <a:ext uri="{FF2B5EF4-FFF2-40B4-BE49-F238E27FC236}">
+                <a16:creationId xmlns:a16="http://schemas.microsoft.com/office/drawing/2014/main" id="{533E648D-E519-12B0-1315-FFEBB9586B20}"/>
+              </a:ext>
+            </a:extLst>
+          </p:cNvPr>
+          <p:cNvSpPr txBox="1"/>
+          <p:nvPr/>
+        </p:nvSpPr>
+        <p:spPr>
+          <a:xfrm>
+            <a:off x="7144346" y="2891955"/>
+            <a:ext cx="4095423" cy="2062103"/>
+          </a:xfrm>
+          <a:prstGeom prst="rect">
+            <a:avLst/>
+          </a:prstGeom>
+          <a:noFill/>
+        </p:spPr>
+        <p:txBody>
+          <a:bodyPr wrap="square" rtlCol="0">
+            <a:spAutoFit/>
+          </a:bodyPr>
+          <a:lstStyle/>
+          <a:p>
+            <a:pPr algn="just"/>
+            <a:r>
+              <a:rPr lang="pt-BR" sz="3200" dirty="0">
+                <a:solidFill>
+                  <a:schemeClr val="bg1"/>
+                </a:solidFill>
+              </a:rPr>
+              <a:t>Habilidade de afetar opiniões e decisões sem autoridade formal.</a:t>
+            </a:r>
+          </a:p>
+        </p:txBody>
+      </p:sp>
+      <p:sp>
+        <p:nvSpPr>
+          <p:cNvPr id="7" name="CaixaDeTexto 6">
+            <a:extLst>
+              <a:ext uri="{FF2B5EF4-FFF2-40B4-BE49-F238E27FC236}">
+                <a16:creationId xmlns:a16="http://schemas.microsoft.com/office/drawing/2014/main" id="{3162D13A-4041-3260-DFA8-2C8A46D7C0A0}"/>
+              </a:ext>
+            </a:extLst>
+          </p:cNvPr>
+          <p:cNvSpPr txBox="1"/>
+          <p:nvPr/>
+        </p:nvSpPr>
+        <p:spPr>
+          <a:xfrm>
+            <a:off x="2005606" y="1751355"/>
+            <a:ext cx="2620491" cy="707886"/>
+          </a:xfrm>
+          <a:prstGeom prst="rect">
+            <a:avLst/>
+          </a:prstGeom>
+          <a:noFill/>
+        </p:spPr>
+        <p:txBody>
+          <a:bodyPr wrap="square" rtlCol="0">
+            <a:spAutoFit/>
+          </a:bodyPr>
+          <a:lstStyle/>
+          <a:p>
+            <a:pPr algn="ctr"/>
+            <a:r>
+              <a:rPr lang="pt-BR" sz="4000" b="1" dirty="0">
+                <a:solidFill>
+                  <a:schemeClr val="bg1"/>
+                </a:solidFill>
+                <a:latin typeface="Gill Sans Nova Cond Ultra Bold" panose="020F0502020204030204" pitchFamily="34" charset="0"/>
+              </a:rPr>
+              <a:t>PODER</a:t>
+            </a:r>
+          </a:p>
+        </p:txBody>
+      </p:sp>
+      <p:sp>
+        <p:nvSpPr>
+          <p:cNvPr id="8" name="CaixaDeTexto 7">
+            <a:extLst>
+              <a:ext uri="{FF2B5EF4-FFF2-40B4-BE49-F238E27FC236}">
+                <a16:creationId xmlns:a16="http://schemas.microsoft.com/office/drawing/2014/main" id="{5526C13C-9F23-56A4-F7DA-CD5018FD5EF6}"/>
+              </a:ext>
+            </a:extLst>
+          </p:cNvPr>
+          <p:cNvSpPr txBox="1"/>
+          <p:nvPr/>
+        </p:nvSpPr>
+        <p:spPr>
+          <a:xfrm>
+            <a:off x="7881811" y="1765869"/>
+            <a:ext cx="2620491" cy="707886"/>
+          </a:xfrm>
+          <a:prstGeom prst="rect">
+            <a:avLst/>
+          </a:prstGeom>
+          <a:noFill/>
+        </p:spPr>
+        <p:txBody>
+          <a:bodyPr wrap="square" rtlCol="0">
+            <a:spAutoFit/>
+          </a:bodyPr>
+          <a:lstStyle/>
+          <a:p>
+            <a:pPr algn="ctr"/>
+            <a:r>
+              <a:rPr lang="pt-BR" sz="4000" b="1" dirty="0">
+                <a:solidFill>
+                  <a:schemeClr val="bg1"/>
+                </a:solidFill>
+                <a:latin typeface="Gill Sans Nova Cond Ultra Bold" panose="020F0502020204030204" pitchFamily="34" charset="0"/>
+              </a:rPr>
+              <a:t>Influência</a:t>
+            </a:r>
+          </a:p>
+        </p:txBody>
+      </p:sp>
+    </p:spTree>
+    <p:extLst>
+      <p:ext uri="{BB962C8B-B14F-4D97-AF65-F5344CB8AC3E}">
+        <p14:creationId xmlns:p14="http://schemas.microsoft.com/office/powerpoint/2010/main" val="1613186185"/>
+      </p:ext>
+    </p:extLst>
+  </p:cSld>
+  <p:clrMapOvr>
+    <a:masterClrMapping/>
+  </p:clrMapOvr>
+  <mc:AlternateContent xmlns:mc="http://schemas.openxmlformats.org/markup-compatibility/2006" xmlns:p159="http://schemas.microsoft.com/office/powerpoint/2015/09/main">
+    <mc:Choice Requires="p159">
+      <p:transition xmlns:p14="http://schemas.microsoft.com/office/powerpoint/2010/main" spd="slow" p14:dur="2000">
+        <p159:morph option="byObject"/>
+      </p:transition>
+    </mc:Choice>
+    <mc:Fallback xmlns="">
+      <p:transition spd="slow">
+        <p:fade/>
+      </p:transition>
+    </mc:Fallback>
+  </mc:AlternateContent>
+</p:sld>
+</file>
+
+<file path=ppt/slides/slide4.xml><?xml version="1.0" encoding="utf-8"?>
+<p:sld xmlns:a="http://schemas.openxmlformats.org/drawingml/2006/main" xmlns:r="http://schemas.openxmlformats.org/officeDocument/2006/relationships" xmlns:p="http://schemas.openxmlformats.org/presentationml/2006/main">
+  <p:cSld>
+    <p:spTree>
+      <p:nvGrpSpPr>
+        <p:cNvPr id="1" name=""/>
+        <p:cNvGrpSpPr/>
+        <p:nvPr/>
+      </p:nvGrpSpPr>
+      <p:grpSpPr>
+        <a:xfrm>
+          <a:off x="0" y="0"/>
+          <a:ext cx="0" cy="0"/>
+          <a:chOff x="0" y="0"/>
+          <a:chExt cx="0" cy="0"/>
+        </a:xfrm>
+      </p:grpSpPr>
       <p:sp>
         <p:nvSpPr>
           <p:cNvPr id="11" name="Retângulo: Cantos Arredondados 10">
             <a:extLst>
               <a:ext uri="{FF2B5EF4-FFF2-40B4-BE49-F238E27FC236}">
-                <a16:creationId xmlns:a16="http://schemas.microsoft.com/office/drawing/2014/main" id="{BFA322DC-37F9-9A76-2513-638BC71ECD93}"/>
+                <a16:creationId xmlns:a16="http://schemas.microsoft.com/office/drawing/2014/main" id="{F4F5635C-8260-C454-71D1-5FD336D610AB}"/>
               </a:ext>
             </a:extLst>
           </p:cNvPr>
@@ -4484,8 +5176,116 @@
         </p:nvSpPr>
         <p:spPr>
           <a:xfrm>
-            <a:off x="-4408427" y="4167252"/>
-            <a:ext cx="4064000" cy="649352"/>
+            <a:off x="6689793" y="1596570"/>
+            <a:ext cx="5004526" cy="5116286"/>
+          </a:xfrm>
+          <a:prstGeom prst="roundRect">
+            <a:avLst>
+              <a:gd name="adj" fmla="val 4486"/>
+            </a:avLst>
+          </a:prstGeom>
+          <a:solidFill>
+            <a:schemeClr val="accent3"/>
+          </a:solidFill>
+          <a:ln>
+            <a:noFill/>
+          </a:ln>
+        </p:spPr>
+        <p:style>
+          <a:lnRef idx="2">
+            <a:schemeClr val="accent1">
+              <a:shade val="15000"/>
+            </a:schemeClr>
+          </a:lnRef>
+          <a:fillRef idx="1">
+            <a:schemeClr val="accent1"/>
+          </a:fillRef>
+          <a:effectRef idx="0">
+            <a:schemeClr val="accent1"/>
+          </a:effectRef>
+          <a:fontRef idx="minor">
+            <a:schemeClr val="lt1"/>
+          </a:fontRef>
+        </p:style>
+        <p:txBody>
+          <a:bodyPr rtlCol="0" anchor="ctr"/>
+          <a:lstStyle/>
+          <a:p>
+            <a:pPr algn="ctr"/>
+            <a:endParaRPr lang="pt-BR"/>
+          </a:p>
+        </p:txBody>
+      </p:sp>
+      <p:sp>
+        <p:nvSpPr>
+          <p:cNvPr id="10" name="Retângulo: Cantos Arredondados 9">
+            <a:extLst>
+              <a:ext uri="{FF2B5EF4-FFF2-40B4-BE49-F238E27FC236}">
+                <a16:creationId xmlns:a16="http://schemas.microsoft.com/office/drawing/2014/main" id="{E66D3F69-A5E7-5410-7B46-73E9C0E97CB6}"/>
+              </a:ext>
+            </a:extLst>
+          </p:cNvPr>
+          <p:cNvSpPr/>
+          <p:nvPr/>
+        </p:nvSpPr>
+        <p:spPr>
+          <a:xfrm>
+            <a:off x="948724" y="1596572"/>
+            <a:ext cx="5004526" cy="5116286"/>
+          </a:xfrm>
+          <a:prstGeom prst="roundRect">
+            <a:avLst>
+              <a:gd name="adj" fmla="val 4486"/>
+            </a:avLst>
+          </a:prstGeom>
+          <a:solidFill>
+            <a:schemeClr val="accent3"/>
+          </a:solidFill>
+          <a:ln>
+            <a:noFill/>
+          </a:ln>
+        </p:spPr>
+        <p:style>
+          <a:lnRef idx="2">
+            <a:schemeClr val="accent1">
+              <a:shade val="15000"/>
+            </a:schemeClr>
+          </a:lnRef>
+          <a:fillRef idx="1">
+            <a:schemeClr val="accent1"/>
+          </a:fillRef>
+          <a:effectRef idx="0">
+            <a:schemeClr val="accent1"/>
+          </a:effectRef>
+          <a:fontRef idx="minor">
+            <a:schemeClr val="lt1"/>
+          </a:fontRef>
+        </p:style>
+        <p:txBody>
+          <a:bodyPr rtlCol="0" anchor="ctr"/>
+          <a:lstStyle/>
+          <a:p>
+            <a:pPr algn="ctr"/>
+            <a:endParaRPr lang="pt-BR"/>
+          </a:p>
+        </p:txBody>
+      </p:sp>
+      <p:sp>
+        <p:nvSpPr>
+          <p:cNvPr id="2" name="Retângulo: Cantos Arredondados 1">
+            <a:extLst>
+              <a:ext uri="{FF2B5EF4-FFF2-40B4-BE49-F238E27FC236}">
+                <a16:creationId xmlns:a16="http://schemas.microsoft.com/office/drawing/2014/main" id="{7530B101-4FD6-43D7-8D3B-423D11E542AA}"/>
+              </a:ext>
+            </a:extLst>
+          </p:cNvPr>
+          <p:cNvSpPr/>
+          <p:nvPr/>
+        </p:nvSpPr>
+        <p:spPr>
+          <a:xfrm>
+            <a:off x="941034" y="630315"/>
+            <a:ext cx="4625266" cy="852256"/>
           </a:xfrm>
           <a:prstGeom prst="roundRect">
             <a:avLst/>
@@ -4519,18 +5319,147 @@
           <a:p>
             <a:pPr algn="ctr"/>
             <a:r>
-              <a:rPr lang="pt-BR" dirty="0"/>
-              <a:t>Reservas de Contingência.</a:t>
-            </a:r>
-          </a:p>
-        </p:txBody>
-      </p:sp>
-      <p:sp>
-        <p:nvSpPr>
-          <p:cNvPr id="12" name="Retângulo: Cantos Arredondados 11">
-            <a:extLst>
-              <a:ext uri="{FF2B5EF4-FFF2-40B4-BE49-F238E27FC236}">
-                <a16:creationId xmlns:a16="http://schemas.microsoft.com/office/drawing/2014/main" id="{4CA5CADD-DA0C-B46D-28CE-94A194C5505A}"/>
+              <a:rPr lang="pt-BR" sz="3600" b="1" i="0" dirty="0">
+                <a:effectLst/>
+                <a:latin typeface="Söhne"/>
+              </a:rPr>
+              <a:t>  Interseção Complexa</a:t>
+            </a:r>
+            <a:endParaRPr lang="pt-BR" sz="2400" b="1" i="0" dirty="0">
+              <a:effectLst/>
+              <a:latin typeface="Söhne"/>
+            </a:endParaRPr>
+          </a:p>
+        </p:txBody>
+      </p:sp>
+      <p:sp>
+        <p:nvSpPr>
+          <p:cNvPr id="3" name="CaixaDeTexto 2">
+            <a:extLst>
+              <a:ext uri="{FF2B5EF4-FFF2-40B4-BE49-F238E27FC236}">
+                <a16:creationId xmlns:a16="http://schemas.microsoft.com/office/drawing/2014/main" id="{9F3174A1-9767-5004-794B-69F8484E69E8}"/>
+              </a:ext>
+            </a:extLst>
+          </p:cNvPr>
+          <p:cNvSpPr txBox="1"/>
+          <p:nvPr/>
+        </p:nvSpPr>
+        <p:spPr>
+          <a:xfrm>
+            <a:off x="1268141" y="2877441"/>
+            <a:ext cx="4095423" cy="2062103"/>
+          </a:xfrm>
+          <a:prstGeom prst="rect">
+            <a:avLst/>
+          </a:prstGeom>
+          <a:noFill/>
+        </p:spPr>
+        <p:txBody>
+          <a:bodyPr wrap="square" rtlCol="0">
+            <a:spAutoFit/>
+          </a:bodyPr>
+          <a:lstStyle/>
+          <a:p>
+            <a:pPr algn="ctr"/>
+            <a:r>
+              <a:rPr lang="pt-BR" sz="3200" dirty="0">
+                <a:solidFill>
+                  <a:schemeClr val="bg1"/>
+                </a:solidFill>
+              </a:rPr>
+              <a:t>Interseção entre poder e influência é complexa e dinâmica.</a:t>
+            </a:r>
+          </a:p>
+        </p:txBody>
+      </p:sp>
+      <p:sp>
+        <p:nvSpPr>
+          <p:cNvPr id="6" name="CaixaDeTexto 5">
+            <a:extLst>
+              <a:ext uri="{FF2B5EF4-FFF2-40B4-BE49-F238E27FC236}">
+                <a16:creationId xmlns:a16="http://schemas.microsoft.com/office/drawing/2014/main" id="{533E648D-E519-12B0-1315-FFEBB9586B20}"/>
+              </a:ext>
+            </a:extLst>
+          </p:cNvPr>
+          <p:cNvSpPr txBox="1"/>
+          <p:nvPr/>
+        </p:nvSpPr>
+        <p:spPr>
+          <a:xfrm>
+            <a:off x="7144346" y="2891955"/>
+            <a:ext cx="4095423" cy="2062103"/>
+          </a:xfrm>
+          <a:prstGeom prst="rect">
+            <a:avLst/>
+          </a:prstGeom>
+          <a:noFill/>
+        </p:spPr>
+        <p:txBody>
+          <a:bodyPr wrap="square" rtlCol="0">
+            <a:spAutoFit/>
+          </a:bodyPr>
+          <a:lstStyle/>
+          <a:p>
+            <a:pPr algn="ctr"/>
+            <a:r>
+              <a:rPr lang="pt-BR" sz="3200" dirty="0">
+                <a:solidFill>
+                  <a:schemeClr val="bg1"/>
+                </a:solidFill>
+              </a:rPr>
+              <a:t>Poder formal nem sempre implica influência e vice-versa.</a:t>
+            </a:r>
+          </a:p>
+        </p:txBody>
+      </p:sp>
+    </p:spTree>
+    <p:extLst>
+      <p:ext uri="{BB962C8B-B14F-4D97-AF65-F5344CB8AC3E}">
+        <p14:creationId xmlns:p14="http://schemas.microsoft.com/office/powerpoint/2010/main" val="936307471"/>
+      </p:ext>
+    </p:extLst>
+  </p:cSld>
+  <p:clrMapOvr>
+    <a:masterClrMapping/>
+  </p:clrMapOvr>
+  <mc:AlternateContent xmlns:mc="http://schemas.openxmlformats.org/markup-compatibility/2006" xmlns:p159="http://schemas.microsoft.com/office/powerpoint/2015/09/main">
+    <mc:Choice Requires="p159">
+      <p:transition xmlns:p14="http://schemas.microsoft.com/office/powerpoint/2010/main" spd="slow" p14:dur="2000">
+        <p159:morph option="byObject"/>
+      </p:transition>
+    </mc:Choice>
+    <mc:Fallback xmlns="">
+      <p:transition spd="slow">
+        <p:fade/>
+      </p:transition>
+    </mc:Fallback>
+  </mc:AlternateContent>
+</p:sld>
+</file>
+
+<file path=ppt/slides/slide5.xml><?xml version="1.0" encoding="utf-8"?>
+<p:sld xmlns:a="http://schemas.openxmlformats.org/drawingml/2006/main" xmlns:r="http://schemas.openxmlformats.org/officeDocument/2006/relationships" xmlns:p="http://schemas.openxmlformats.org/presentationml/2006/main">
+  <p:cSld>
+    <p:spTree>
+      <p:nvGrpSpPr>
+        <p:cNvPr id="1" name=""/>
+        <p:cNvGrpSpPr/>
+        <p:nvPr/>
+      </p:nvGrpSpPr>
+      <p:grpSpPr>
+        <a:xfrm>
+          <a:off x="0" y="0"/>
+          <a:ext cx="0" cy="0"/>
+          <a:chOff x="0" y="0"/>
+          <a:chExt cx="0" cy="0"/>
+        </a:xfrm>
+      </p:grpSpPr>
+      <p:sp>
+        <p:nvSpPr>
+          <p:cNvPr id="11" name="Retângulo: Cantos Arredondados 10">
+            <a:extLst>
+              <a:ext uri="{FF2B5EF4-FFF2-40B4-BE49-F238E27FC236}">
+                <a16:creationId xmlns:a16="http://schemas.microsoft.com/office/drawing/2014/main" id="{F4F5635C-8260-C454-71D1-5FD336D610AB}"/>
               </a:ext>
             </a:extLst>
           </p:cNvPr>
@@ -4539,8 +5468,116 @@
         </p:nvSpPr>
         <p:spPr>
           <a:xfrm>
-            <a:off x="12696424" y="4905504"/>
-            <a:ext cx="4064000" cy="649352"/>
+            <a:off x="13281093" y="1596570"/>
+            <a:ext cx="5004526" cy="5116286"/>
+          </a:xfrm>
+          <a:prstGeom prst="roundRect">
+            <a:avLst>
+              <a:gd name="adj" fmla="val 4486"/>
+            </a:avLst>
+          </a:prstGeom>
+          <a:solidFill>
+            <a:schemeClr val="accent3"/>
+          </a:solidFill>
+          <a:ln>
+            <a:noFill/>
+          </a:ln>
+        </p:spPr>
+        <p:style>
+          <a:lnRef idx="2">
+            <a:schemeClr val="accent1">
+              <a:shade val="15000"/>
+            </a:schemeClr>
+          </a:lnRef>
+          <a:fillRef idx="1">
+            <a:schemeClr val="accent1"/>
+          </a:fillRef>
+          <a:effectRef idx="0">
+            <a:schemeClr val="accent1"/>
+          </a:effectRef>
+          <a:fontRef idx="minor">
+            <a:schemeClr val="lt1"/>
+          </a:fontRef>
+        </p:style>
+        <p:txBody>
+          <a:bodyPr rtlCol="0" anchor="ctr"/>
+          <a:lstStyle/>
+          <a:p>
+            <a:pPr algn="ctr"/>
+            <a:endParaRPr lang="pt-BR"/>
+          </a:p>
+        </p:txBody>
+      </p:sp>
+      <p:sp>
+        <p:nvSpPr>
+          <p:cNvPr id="10" name="Retângulo: Cantos Arredondados 9">
+            <a:extLst>
+              <a:ext uri="{FF2B5EF4-FFF2-40B4-BE49-F238E27FC236}">
+                <a16:creationId xmlns:a16="http://schemas.microsoft.com/office/drawing/2014/main" id="{E66D3F69-A5E7-5410-7B46-73E9C0E97CB6}"/>
+              </a:ext>
+            </a:extLst>
+          </p:cNvPr>
+          <p:cNvSpPr/>
+          <p:nvPr/>
+        </p:nvSpPr>
+        <p:spPr>
+          <a:xfrm>
+            <a:off x="-6518876" y="1596572"/>
+            <a:ext cx="5004526" cy="5116286"/>
+          </a:xfrm>
+          <a:prstGeom prst="roundRect">
+            <a:avLst>
+              <a:gd name="adj" fmla="val 4486"/>
+            </a:avLst>
+          </a:prstGeom>
+          <a:solidFill>
+            <a:schemeClr val="accent3"/>
+          </a:solidFill>
+          <a:ln>
+            <a:noFill/>
+          </a:ln>
+        </p:spPr>
+        <p:style>
+          <a:lnRef idx="2">
+            <a:schemeClr val="accent1">
+              <a:shade val="15000"/>
+            </a:schemeClr>
+          </a:lnRef>
+          <a:fillRef idx="1">
+            <a:schemeClr val="accent1"/>
+          </a:fillRef>
+          <a:effectRef idx="0">
+            <a:schemeClr val="accent1"/>
+          </a:effectRef>
+          <a:fontRef idx="minor">
+            <a:schemeClr val="lt1"/>
+          </a:fontRef>
+        </p:style>
+        <p:txBody>
+          <a:bodyPr rtlCol="0" anchor="ctr"/>
+          <a:lstStyle/>
+          <a:p>
+            <a:pPr algn="ctr"/>
+            <a:endParaRPr lang="pt-BR"/>
+          </a:p>
+        </p:txBody>
+      </p:sp>
+      <p:sp>
+        <p:nvSpPr>
+          <p:cNvPr id="2" name="Retângulo: Cantos Arredondados 1">
+            <a:extLst>
+              <a:ext uri="{FF2B5EF4-FFF2-40B4-BE49-F238E27FC236}">
+                <a16:creationId xmlns:a16="http://schemas.microsoft.com/office/drawing/2014/main" id="{7530B101-4FD6-43D7-8D3B-423D11E542AA}"/>
+              </a:ext>
+            </a:extLst>
+          </p:cNvPr>
+          <p:cNvSpPr/>
+          <p:nvPr/>
+        </p:nvSpPr>
+        <p:spPr>
+          <a:xfrm>
+            <a:off x="941034" y="630315"/>
+            <a:ext cx="4625266" cy="852256"/>
           </a:xfrm>
           <a:prstGeom prst="roundRect">
             <a:avLst/>
@@ -4574,18 +5611,199 @@
           <a:p>
             <a:pPr algn="ctr"/>
             <a:r>
-              <a:rPr lang="pt-BR" dirty="0"/>
-              <a:t>Negociação de Contratos.</a:t>
-            </a:r>
-          </a:p>
-        </p:txBody>
-      </p:sp>
-      <p:sp>
-        <p:nvSpPr>
-          <p:cNvPr id="13" name="Retângulo: Cantos Arredondados 12">
-            <a:extLst>
-              <a:ext uri="{FF2B5EF4-FFF2-40B4-BE49-F238E27FC236}">
-                <a16:creationId xmlns:a16="http://schemas.microsoft.com/office/drawing/2014/main" id="{87FA6E24-D429-32B3-4C8C-764C4FB2FEC5}"/>
+              <a:rPr lang="pt-BR" sz="3600" b="1" i="0" dirty="0">
+                <a:effectLst/>
+                <a:latin typeface="Söhne"/>
+              </a:rPr>
+              <a:t>  </a:t>
+            </a:r>
+            <a:r>
+              <a:rPr lang="pt-BR" sz="2800" b="1" i="0" dirty="0">
+                <a:effectLst/>
+                <a:latin typeface="Söhne"/>
+              </a:rPr>
+              <a:t>Variabilidade de Poder e Influência</a:t>
+            </a:r>
+            <a:endParaRPr lang="pt-BR" sz="2400" b="1" i="0" dirty="0">
+              <a:effectLst/>
+              <a:latin typeface="Söhne"/>
+            </a:endParaRPr>
+          </a:p>
+        </p:txBody>
+      </p:sp>
+      <p:sp>
+        <p:nvSpPr>
+          <p:cNvPr id="3" name="CaixaDeTexto 2">
+            <a:extLst>
+              <a:ext uri="{FF2B5EF4-FFF2-40B4-BE49-F238E27FC236}">
+                <a16:creationId xmlns:a16="http://schemas.microsoft.com/office/drawing/2014/main" id="{9F3174A1-9767-5004-794B-69F8484E69E8}"/>
+              </a:ext>
+            </a:extLst>
+          </p:cNvPr>
+          <p:cNvSpPr txBox="1"/>
+          <p:nvPr/>
+        </p:nvSpPr>
+        <p:spPr>
+          <a:xfrm>
+            <a:off x="-6199459" y="2877441"/>
+            <a:ext cx="4095423" cy="2062103"/>
+          </a:xfrm>
+          <a:prstGeom prst="rect">
+            <a:avLst/>
+          </a:prstGeom>
+          <a:noFill/>
+        </p:spPr>
+        <p:txBody>
+          <a:bodyPr wrap="square" rtlCol="0">
+            <a:spAutoFit/>
+          </a:bodyPr>
+          <a:lstStyle/>
+          <a:p>
+            <a:pPr algn="ctr"/>
+            <a:r>
+              <a:rPr lang="pt-BR" sz="3200" dirty="0">
+                <a:solidFill>
+                  <a:schemeClr val="bg1"/>
+                </a:solidFill>
+              </a:rPr>
+              <a:t>Interseção entre poder e influência é complexa e dinâmica.</a:t>
+            </a:r>
+          </a:p>
+        </p:txBody>
+      </p:sp>
+      <p:sp>
+        <p:nvSpPr>
+          <p:cNvPr id="6" name="CaixaDeTexto 5">
+            <a:extLst>
+              <a:ext uri="{FF2B5EF4-FFF2-40B4-BE49-F238E27FC236}">
+                <a16:creationId xmlns:a16="http://schemas.microsoft.com/office/drawing/2014/main" id="{533E648D-E519-12B0-1315-FFEBB9586B20}"/>
+              </a:ext>
+            </a:extLst>
+          </p:cNvPr>
+          <p:cNvSpPr txBox="1"/>
+          <p:nvPr/>
+        </p:nvSpPr>
+        <p:spPr>
+          <a:xfrm>
+            <a:off x="13735646" y="2891955"/>
+            <a:ext cx="4095423" cy="2062103"/>
+          </a:xfrm>
+          <a:prstGeom prst="rect">
+            <a:avLst/>
+          </a:prstGeom>
+          <a:noFill/>
+        </p:spPr>
+        <p:txBody>
+          <a:bodyPr wrap="square" rtlCol="0">
+            <a:spAutoFit/>
+          </a:bodyPr>
+          <a:lstStyle/>
+          <a:p>
+            <a:pPr algn="ctr"/>
+            <a:r>
+              <a:rPr lang="pt-BR" sz="3200" dirty="0">
+                <a:solidFill>
+                  <a:schemeClr val="bg1"/>
+                </a:solidFill>
+              </a:rPr>
+              <a:t>Poder formal nem sempre implica influência e vice-versa.</a:t>
+            </a:r>
+          </a:p>
+        </p:txBody>
+      </p:sp>
+      <p:sp>
+        <p:nvSpPr>
+          <p:cNvPr id="4" name="CaixaDeTexto 3">
+            <a:extLst>
+              <a:ext uri="{FF2B5EF4-FFF2-40B4-BE49-F238E27FC236}">
+                <a16:creationId xmlns:a16="http://schemas.microsoft.com/office/drawing/2014/main" id="{257A9F9A-AB97-0D1F-06A0-8C8BAFD0A9BB}"/>
+              </a:ext>
+            </a:extLst>
+          </p:cNvPr>
+          <p:cNvSpPr txBox="1"/>
+          <p:nvPr/>
+        </p:nvSpPr>
+        <p:spPr>
+          <a:xfrm>
+            <a:off x="941034" y="1932785"/>
+            <a:ext cx="10457279" cy="4401205"/>
+          </a:xfrm>
+          <a:prstGeom prst="rect">
+            <a:avLst/>
+          </a:prstGeom>
+          <a:noFill/>
+        </p:spPr>
+        <p:txBody>
+          <a:bodyPr wrap="square" rtlCol="0">
+            <a:spAutoFit/>
+          </a:bodyPr>
+          <a:lstStyle/>
+          <a:p>
+            <a:pPr marL="457200" indent="-457200">
+              <a:buFont typeface="Arial" panose="020B0604020202020204" pitchFamily="34" charset="0"/>
+              <a:buChar char="•"/>
+            </a:pPr>
+            <a:r>
+              <a:rPr lang="pt-BR" sz="2800" dirty="0"/>
+              <a:t>Dinâmica variável ao longo do tempo e fases do projeto.</a:t>
+            </a:r>
+          </a:p>
+          <a:p>
+            <a:pPr marL="457200" indent="-457200">
+              <a:buFont typeface="Arial" panose="020B0604020202020204" pitchFamily="34" charset="0"/>
+              <a:buChar char="•"/>
+            </a:pPr>
+            <a:endParaRPr lang="pt-BR" sz="2800" dirty="0"/>
+          </a:p>
+          <a:p>
+            <a:pPr marL="457200" indent="-457200">
+              <a:buFont typeface="Arial" panose="020B0604020202020204" pitchFamily="34" charset="0"/>
+              <a:buChar char="•"/>
+            </a:pPr>
+            <a:r>
+              <a:rPr lang="pt-BR" sz="2800" dirty="0"/>
+              <a:t>Exemplos de como as variáveis podem se modificar.</a:t>
+            </a:r>
+          </a:p>
+          <a:p>
+            <a:pPr marL="457200" indent="-457200">
+              <a:buFont typeface="Arial" panose="020B0604020202020204" pitchFamily="34" charset="0"/>
+              <a:buChar char="•"/>
+            </a:pPr>
+            <a:endParaRPr lang="pt-BR" sz="2800" dirty="0"/>
+          </a:p>
+          <a:p>
+            <a:pPr marL="914400" lvl="1" indent="-457200">
+              <a:buFont typeface="Arial" panose="020B0604020202020204" pitchFamily="34" charset="0"/>
+              <a:buChar char="•"/>
+            </a:pPr>
+            <a:r>
+              <a:rPr lang="pt-BR" sz="2800" b="1" dirty="0"/>
+              <a:t>Promoção ou Mudança de Cargo</a:t>
+            </a:r>
+            <a:r>
+              <a:rPr lang="pt-BR" sz="2800" dirty="0"/>
+              <a:t>:</a:t>
+            </a:r>
+          </a:p>
+          <a:p>
+            <a:pPr marL="1371600" lvl="2" indent="-457200">
+              <a:buFont typeface="Arial" panose="020B0604020202020204" pitchFamily="34" charset="0"/>
+              <a:buChar char="•"/>
+            </a:pPr>
+            <a:r>
+              <a:rPr lang="pt-BR" sz="2800" dirty="0"/>
+              <a:t>Exemplo: Um stakeholder que tinha uma posição de poder significativa em uma fase inicial do projeto pode ser promovido ou mudar de cargo. Isso pode resultar em uma redistribuição de poder e influência, exigindo uma reavaliação das estratégias de envolvimento.</a:t>
+            </a:r>
+          </a:p>
+        </p:txBody>
+      </p:sp>
+      <p:sp>
+        <p:nvSpPr>
+          <p:cNvPr id="5" name="Retângulo: Cantos Arredondados 4">
+            <a:extLst>
+              <a:ext uri="{FF2B5EF4-FFF2-40B4-BE49-F238E27FC236}">
+                <a16:creationId xmlns:a16="http://schemas.microsoft.com/office/drawing/2014/main" id="{92C0A5BF-F648-4102-2D03-4E5010F26C44}"/>
               </a:ext>
             </a:extLst>
           </p:cNvPr>
@@ -4593,9 +5811,718 @@
           <p:nvPr/>
         </p:nvSpPr>
         <p:spPr>
+          <a:xfrm flipH="1">
+            <a:off x="1202291" y="7344228"/>
+            <a:ext cx="3064909" cy="4876800"/>
+          </a:xfrm>
+          <a:prstGeom prst="roundRect">
+            <a:avLst>
+              <a:gd name="adj" fmla="val 4828"/>
+            </a:avLst>
+          </a:prstGeom>
+          <a:solidFill>
+            <a:srgbClr val="7186C7"/>
+          </a:solidFill>
+          <a:ln>
+            <a:noFill/>
+          </a:ln>
+        </p:spPr>
+        <p:style>
+          <a:lnRef idx="2">
+            <a:schemeClr val="accent1">
+              <a:shade val="15000"/>
+            </a:schemeClr>
+          </a:lnRef>
+          <a:fillRef idx="1">
+            <a:schemeClr val="accent1"/>
+          </a:fillRef>
+          <a:effectRef idx="0">
+            <a:schemeClr val="accent1"/>
+          </a:effectRef>
+          <a:fontRef idx="minor">
+            <a:schemeClr val="lt1"/>
+          </a:fontRef>
+        </p:style>
+        <p:txBody>
+          <a:bodyPr rtlCol="0" anchor="ctr"/>
+          <a:lstStyle/>
+          <a:p>
+            <a:pPr algn="ctr"/>
+            <a:r>
+              <a:rPr lang="pt-BR" dirty="0"/>
+              <a:t>U</a:t>
+            </a:r>
+          </a:p>
+          <a:p>
+            <a:pPr algn="ctr"/>
+            <a:endParaRPr lang="pt-BR" dirty="0"/>
+          </a:p>
+          <a:p>
+            <a:pPr algn="ctr"/>
+            <a:endParaRPr lang="pt-BR" dirty="0"/>
+          </a:p>
+          <a:p>
+            <a:pPr algn="ctr"/>
+            <a:endParaRPr lang="pt-BR" dirty="0"/>
+          </a:p>
+          <a:p>
+            <a:pPr algn="ctr"/>
+            <a:endParaRPr lang="pt-BR" dirty="0"/>
+          </a:p>
+          <a:p>
+            <a:pPr algn="ctr"/>
+            <a:r>
+              <a:rPr lang="pt-BR" dirty="0"/>
+              <a:t>Utilização de ferramentas como a Matriz de Poder e Interesse para visualizar as relações de poder e interesse.</a:t>
+            </a:r>
+          </a:p>
+          <a:p>
+            <a:pPr algn="ctr"/>
+            <a:endParaRPr lang="pt-BR" dirty="0"/>
+          </a:p>
+          <a:p>
+            <a:pPr algn="ctr"/>
+            <a:r>
+              <a:rPr lang="pt-BR" dirty="0"/>
+              <a:t>Identificação das partes interessadas cruciais e compreensão de suas expectativas.</a:t>
+            </a:r>
+          </a:p>
+        </p:txBody>
+      </p:sp>
+      <p:sp>
+        <p:nvSpPr>
+          <p:cNvPr id="7" name="Forma Livre: Forma 6">
+            <a:extLst>
+              <a:ext uri="{FF2B5EF4-FFF2-40B4-BE49-F238E27FC236}">
+                <a16:creationId xmlns:a16="http://schemas.microsoft.com/office/drawing/2014/main" id="{4F99D335-8D14-ADCE-3A9B-F713EC0F7FF8}"/>
+              </a:ext>
+            </a:extLst>
+          </p:cNvPr>
+          <p:cNvSpPr/>
+          <p:nvPr/>
+        </p:nvSpPr>
+        <p:spPr>
+          <a:xfrm flipH="1">
+            <a:off x="1202290" y="7344228"/>
+            <a:ext cx="3064909" cy="1611086"/>
+          </a:xfrm>
+          <a:custGeom>
+            <a:avLst/>
+            <a:gdLst>
+              <a:gd name="connsiteX0" fmla="*/ 147974 w 3064909"/>
+              <a:gd name="connsiteY0" fmla="*/ 0 h 1611086"/>
+              <a:gd name="connsiteX1" fmla="*/ 2916935 w 3064909"/>
+              <a:gd name="connsiteY1" fmla="*/ 0 h 1611086"/>
+              <a:gd name="connsiteX2" fmla="*/ 3064909 w 3064909"/>
+              <a:gd name="connsiteY2" fmla="*/ 147974 h 1611086"/>
+              <a:gd name="connsiteX3" fmla="*/ 3064909 w 3064909"/>
+              <a:gd name="connsiteY3" fmla="*/ 1611086 h 1611086"/>
+              <a:gd name="connsiteX4" fmla="*/ 0 w 3064909"/>
+              <a:gd name="connsiteY4" fmla="*/ 1611086 h 1611086"/>
+              <a:gd name="connsiteX5" fmla="*/ 0 w 3064909"/>
+              <a:gd name="connsiteY5" fmla="*/ 147974 h 1611086"/>
+              <a:gd name="connsiteX6" fmla="*/ 147974 w 3064909"/>
+              <a:gd name="connsiteY6" fmla="*/ 0 h 1611086"/>
+            </a:gdLst>
+            <a:ahLst/>
+            <a:cxnLst>
+              <a:cxn ang="0">
+                <a:pos x="connsiteX0" y="connsiteY0"/>
+              </a:cxn>
+              <a:cxn ang="0">
+                <a:pos x="connsiteX1" y="connsiteY1"/>
+              </a:cxn>
+              <a:cxn ang="0">
+                <a:pos x="connsiteX2" y="connsiteY2"/>
+              </a:cxn>
+              <a:cxn ang="0">
+                <a:pos x="connsiteX3" y="connsiteY3"/>
+              </a:cxn>
+              <a:cxn ang="0">
+                <a:pos x="connsiteX4" y="connsiteY4"/>
+              </a:cxn>
+              <a:cxn ang="0">
+                <a:pos x="connsiteX5" y="connsiteY5"/>
+              </a:cxn>
+              <a:cxn ang="0">
+                <a:pos x="connsiteX6" y="connsiteY6"/>
+              </a:cxn>
+            </a:cxnLst>
+            <a:rect l="l" t="t" r="r" b="b"/>
+            <a:pathLst>
+              <a:path w="3064909" h="1611086">
+                <a:moveTo>
+                  <a:pt x="147974" y="0"/>
+                </a:moveTo>
+                <a:lnTo>
+                  <a:pt x="2916935" y="0"/>
+                </a:lnTo>
+                <a:cubicBezTo>
+                  <a:pt x="2998659" y="0"/>
+                  <a:pt x="3064909" y="66250"/>
+                  <a:pt x="3064909" y="147974"/>
+                </a:cubicBezTo>
+                <a:lnTo>
+                  <a:pt x="3064909" y="1611086"/>
+                </a:lnTo>
+                <a:lnTo>
+                  <a:pt x="0" y="1611086"/>
+                </a:lnTo>
+                <a:lnTo>
+                  <a:pt x="0" y="147974"/>
+                </a:lnTo>
+                <a:cubicBezTo>
+                  <a:pt x="0" y="66250"/>
+                  <a:pt x="66250" y="0"/>
+                  <a:pt x="147974" y="0"/>
+                </a:cubicBezTo>
+                <a:close/>
+              </a:path>
+            </a:pathLst>
+          </a:custGeom>
+          <a:solidFill>
+            <a:schemeClr val="accent4">
+              <a:lumMod val="75000"/>
+            </a:schemeClr>
+          </a:solidFill>
+          <a:ln>
+            <a:noFill/>
+          </a:ln>
+        </p:spPr>
+        <p:style>
+          <a:lnRef idx="2">
+            <a:schemeClr val="accent1">
+              <a:shade val="15000"/>
+            </a:schemeClr>
+          </a:lnRef>
+          <a:fillRef idx="1">
+            <a:schemeClr val="accent1"/>
+          </a:fillRef>
+          <a:effectRef idx="0">
+            <a:schemeClr val="accent1"/>
+          </a:effectRef>
+          <a:fontRef idx="minor">
+            <a:schemeClr val="lt1"/>
+          </a:fontRef>
+        </p:style>
+        <p:txBody>
+          <a:bodyPr wrap="square" rtlCol="0" anchor="ctr">
+            <a:noAutofit/>
+          </a:bodyPr>
+          <a:lstStyle/>
+          <a:p>
+            <a:pPr algn="ctr"/>
+            <a:r>
+              <a:rPr lang="pt-BR" sz="2400" b="1" dirty="0"/>
+              <a:t>Identificação e Mapeamento:</a:t>
+            </a:r>
+          </a:p>
+        </p:txBody>
+      </p:sp>
+      <p:sp>
+        <p:nvSpPr>
+          <p:cNvPr id="8" name="Retângulo: Cantos Arredondados 7">
+            <a:extLst>
+              <a:ext uri="{FF2B5EF4-FFF2-40B4-BE49-F238E27FC236}">
+                <a16:creationId xmlns:a16="http://schemas.microsoft.com/office/drawing/2014/main" id="{3251F9A6-D576-4B52-4978-519E5F03EC62}"/>
+              </a:ext>
+            </a:extLst>
+          </p:cNvPr>
+          <p:cNvSpPr/>
+          <p:nvPr/>
+        </p:nvSpPr>
+        <p:spPr>
+          <a:xfrm flipH="1">
+            <a:off x="4489776" y="7344228"/>
+            <a:ext cx="3064909" cy="4876800"/>
+          </a:xfrm>
+          <a:prstGeom prst="roundRect">
+            <a:avLst>
+              <a:gd name="adj" fmla="val 4828"/>
+            </a:avLst>
+          </a:prstGeom>
+          <a:solidFill>
+            <a:srgbClr val="7186C7"/>
+          </a:solidFill>
+          <a:ln>
+            <a:noFill/>
+          </a:ln>
+        </p:spPr>
+        <p:style>
+          <a:lnRef idx="2">
+            <a:schemeClr val="accent1">
+              <a:shade val="15000"/>
+            </a:schemeClr>
+          </a:lnRef>
+          <a:fillRef idx="1">
+            <a:schemeClr val="accent1"/>
+          </a:fillRef>
+          <a:effectRef idx="0">
+            <a:schemeClr val="accent1"/>
+          </a:effectRef>
+          <a:fontRef idx="minor">
+            <a:schemeClr val="lt1"/>
+          </a:fontRef>
+        </p:style>
+        <p:txBody>
+          <a:bodyPr rtlCol="0" anchor="ctr"/>
+          <a:lstStyle/>
+          <a:p>
+            <a:pPr algn="ctr"/>
+            <a:r>
+              <a:rPr lang="pt-BR" dirty="0"/>
+              <a:t>U</a:t>
+            </a:r>
+          </a:p>
+          <a:p>
+            <a:pPr algn="ctr"/>
+            <a:endParaRPr lang="pt-BR" dirty="0"/>
+          </a:p>
+          <a:p>
+            <a:pPr algn="ctr"/>
+            <a:endParaRPr lang="pt-BR" dirty="0"/>
+          </a:p>
+          <a:p>
+            <a:pPr algn="ctr"/>
+            <a:endParaRPr lang="pt-BR" dirty="0"/>
+          </a:p>
+          <a:p>
+            <a:pPr algn="ctr"/>
+            <a:endParaRPr lang="pt-BR" dirty="0"/>
+          </a:p>
+          <a:p>
+            <a:pPr algn="ctr"/>
+            <a:endParaRPr lang="pt-BR" dirty="0"/>
+          </a:p>
+          <a:p>
+            <a:pPr algn="ctr"/>
+            <a:r>
+              <a:rPr lang="pt-BR" dirty="0"/>
+              <a:t>Adaptação das abordagens com base em uma análise aprofundada das dinâmicas de poder e influência.</a:t>
+            </a:r>
+          </a:p>
+          <a:p>
+            <a:pPr algn="ctr"/>
+            <a:endParaRPr lang="pt-BR" dirty="0"/>
+          </a:p>
+          <a:p>
+            <a:pPr algn="ctr"/>
+            <a:r>
+              <a:rPr lang="pt-BR" dirty="0"/>
+              <a:t>Reconhecimento da singularidade de cada parte interessada e ajuste das estratégias de engajamento.</a:t>
+            </a:r>
+          </a:p>
+        </p:txBody>
+      </p:sp>
+      <p:sp>
+        <p:nvSpPr>
+          <p:cNvPr id="9" name="Forma Livre: Forma 8">
+            <a:extLst>
+              <a:ext uri="{FF2B5EF4-FFF2-40B4-BE49-F238E27FC236}">
+                <a16:creationId xmlns:a16="http://schemas.microsoft.com/office/drawing/2014/main" id="{0E8A4DE0-8128-E7E8-3B3D-629261D802A8}"/>
+              </a:ext>
+            </a:extLst>
+          </p:cNvPr>
+          <p:cNvSpPr/>
+          <p:nvPr/>
+        </p:nvSpPr>
+        <p:spPr>
+          <a:xfrm flipH="1">
+            <a:off x="4489775" y="7344228"/>
+            <a:ext cx="3064909" cy="1611086"/>
+          </a:xfrm>
+          <a:custGeom>
+            <a:avLst/>
+            <a:gdLst>
+              <a:gd name="connsiteX0" fmla="*/ 147974 w 3064909"/>
+              <a:gd name="connsiteY0" fmla="*/ 0 h 1611086"/>
+              <a:gd name="connsiteX1" fmla="*/ 2916935 w 3064909"/>
+              <a:gd name="connsiteY1" fmla="*/ 0 h 1611086"/>
+              <a:gd name="connsiteX2" fmla="*/ 3064909 w 3064909"/>
+              <a:gd name="connsiteY2" fmla="*/ 147974 h 1611086"/>
+              <a:gd name="connsiteX3" fmla="*/ 3064909 w 3064909"/>
+              <a:gd name="connsiteY3" fmla="*/ 1611086 h 1611086"/>
+              <a:gd name="connsiteX4" fmla="*/ 0 w 3064909"/>
+              <a:gd name="connsiteY4" fmla="*/ 1611086 h 1611086"/>
+              <a:gd name="connsiteX5" fmla="*/ 0 w 3064909"/>
+              <a:gd name="connsiteY5" fmla="*/ 147974 h 1611086"/>
+              <a:gd name="connsiteX6" fmla="*/ 147974 w 3064909"/>
+              <a:gd name="connsiteY6" fmla="*/ 0 h 1611086"/>
+            </a:gdLst>
+            <a:ahLst/>
+            <a:cxnLst>
+              <a:cxn ang="0">
+                <a:pos x="connsiteX0" y="connsiteY0"/>
+              </a:cxn>
+              <a:cxn ang="0">
+                <a:pos x="connsiteX1" y="connsiteY1"/>
+              </a:cxn>
+              <a:cxn ang="0">
+                <a:pos x="connsiteX2" y="connsiteY2"/>
+              </a:cxn>
+              <a:cxn ang="0">
+                <a:pos x="connsiteX3" y="connsiteY3"/>
+              </a:cxn>
+              <a:cxn ang="0">
+                <a:pos x="connsiteX4" y="connsiteY4"/>
+              </a:cxn>
+              <a:cxn ang="0">
+                <a:pos x="connsiteX5" y="connsiteY5"/>
+              </a:cxn>
+              <a:cxn ang="0">
+                <a:pos x="connsiteX6" y="connsiteY6"/>
+              </a:cxn>
+            </a:cxnLst>
+            <a:rect l="l" t="t" r="r" b="b"/>
+            <a:pathLst>
+              <a:path w="3064909" h="1611086">
+                <a:moveTo>
+                  <a:pt x="147974" y="0"/>
+                </a:moveTo>
+                <a:lnTo>
+                  <a:pt x="2916935" y="0"/>
+                </a:lnTo>
+                <a:cubicBezTo>
+                  <a:pt x="2998659" y="0"/>
+                  <a:pt x="3064909" y="66250"/>
+                  <a:pt x="3064909" y="147974"/>
+                </a:cubicBezTo>
+                <a:lnTo>
+                  <a:pt x="3064909" y="1611086"/>
+                </a:lnTo>
+                <a:lnTo>
+                  <a:pt x="0" y="1611086"/>
+                </a:lnTo>
+                <a:lnTo>
+                  <a:pt x="0" y="147974"/>
+                </a:lnTo>
+                <a:cubicBezTo>
+                  <a:pt x="0" y="66250"/>
+                  <a:pt x="66250" y="0"/>
+                  <a:pt x="147974" y="0"/>
+                </a:cubicBezTo>
+                <a:close/>
+              </a:path>
+            </a:pathLst>
+          </a:custGeom>
+          <a:solidFill>
+            <a:schemeClr val="accent4">
+              <a:lumMod val="75000"/>
+            </a:schemeClr>
+          </a:solidFill>
+          <a:ln>
+            <a:noFill/>
+          </a:ln>
+        </p:spPr>
+        <p:style>
+          <a:lnRef idx="2">
+            <a:schemeClr val="accent1">
+              <a:shade val="15000"/>
+            </a:schemeClr>
+          </a:lnRef>
+          <a:fillRef idx="1">
+            <a:schemeClr val="accent1"/>
+          </a:fillRef>
+          <a:effectRef idx="0">
+            <a:schemeClr val="accent1"/>
+          </a:effectRef>
+          <a:fontRef idx="minor">
+            <a:schemeClr val="lt1"/>
+          </a:fontRef>
+        </p:style>
+        <p:txBody>
+          <a:bodyPr wrap="square" rtlCol="0" anchor="ctr">
+            <a:noAutofit/>
+          </a:bodyPr>
+          <a:lstStyle/>
+          <a:p>
+            <a:pPr algn="ctr"/>
+            <a:r>
+              <a:rPr lang="pt-BR" sz="2400" b="1" dirty="0"/>
+              <a:t>Estratégias Personalizadas:</a:t>
+            </a:r>
+          </a:p>
+        </p:txBody>
+      </p:sp>
+      <p:sp>
+        <p:nvSpPr>
+          <p:cNvPr id="12" name="Retângulo: Cantos Arredondados 11">
+            <a:extLst>
+              <a:ext uri="{FF2B5EF4-FFF2-40B4-BE49-F238E27FC236}">
+                <a16:creationId xmlns:a16="http://schemas.microsoft.com/office/drawing/2014/main" id="{A7B484A8-EBDE-3E35-799E-95855CE529EA}"/>
+              </a:ext>
+            </a:extLst>
+          </p:cNvPr>
+          <p:cNvSpPr/>
+          <p:nvPr/>
+        </p:nvSpPr>
+        <p:spPr>
+          <a:xfrm flipH="1">
+            <a:off x="7777260" y="7344228"/>
+            <a:ext cx="3064909" cy="4876800"/>
+          </a:xfrm>
+          <a:prstGeom prst="roundRect">
+            <a:avLst>
+              <a:gd name="adj" fmla="val 4828"/>
+            </a:avLst>
+          </a:prstGeom>
+          <a:solidFill>
+            <a:srgbClr val="7186C7"/>
+          </a:solidFill>
+          <a:ln>
+            <a:noFill/>
+          </a:ln>
+        </p:spPr>
+        <p:style>
+          <a:lnRef idx="2">
+            <a:schemeClr val="accent1">
+              <a:shade val="15000"/>
+            </a:schemeClr>
+          </a:lnRef>
+          <a:fillRef idx="1">
+            <a:schemeClr val="accent1"/>
+          </a:fillRef>
+          <a:effectRef idx="0">
+            <a:schemeClr val="accent1"/>
+          </a:effectRef>
+          <a:fontRef idx="minor">
+            <a:schemeClr val="lt1"/>
+          </a:fontRef>
+        </p:style>
+        <p:txBody>
+          <a:bodyPr rtlCol="0" anchor="ctr"/>
+          <a:lstStyle/>
+          <a:p>
+            <a:pPr algn="ctr"/>
+            <a:r>
+              <a:rPr lang="pt-BR" dirty="0"/>
+              <a:t>U</a:t>
+            </a:r>
+          </a:p>
+          <a:p>
+            <a:pPr algn="ctr"/>
+            <a:endParaRPr lang="pt-BR" dirty="0"/>
+          </a:p>
+          <a:p>
+            <a:pPr algn="ctr"/>
+            <a:endParaRPr lang="pt-BR" dirty="0"/>
+          </a:p>
+          <a:p>
+            <a:pPr algn="ctr"/>
+            <a:endParaRPr lang="pt-BR" dirty="0"/>
+          </a:p>
+          <a:p>
+            <a:pPr algn="ctr"/>
+            <a:endParaRPr lang="pt-BR" dirty="0"/>
+          </a:p>
+          <a:p>
+            <a:pPr algn="ctr"/>
+            <a:r>
+              <a:rPr lang="pt-BR" dirty="0"/>
+              <a:t>Ajuste constante das estratégias à medida que as mudanças ocorrem no ambiente do projeto.</a:t>
+            </a:r>
+          </a:p>
+          <a:p>
+            <a:pPr algn="ctr"/>
+            <a:endParaRPr lang="pt-BR" dirty="0"/>
+          </a:p>
+          <a:p>
+            <a:pPr algn="ctr"/>
+            <a:r>
+              <a:rPr lang="pt-BR" dirty="0"/>
+              <a:t>Vigilância das alterações nas dinâmicas para garantir a relevância contínua das estratégias adotadas.</a:t>
+            </a:r>
+          </a:p>
+        </p:txBody>
+      </p:sp>
+      <p:sp>
+        <p:nvSpPr>
+          <p:cNvPr id="13" name="Forma Livre: Forma 12">
+            <a:extLst>
+              <a:ext uri="{FF2B5EF4-FFF2-40B4-BE49-F238E27FC236}">
+                <a16:creationId xmlns:a16="http://schemas.microsoft.com/office/drawing/2014/main" id="{9C10ED28-C0E2-AFE9-F3A0-9145FA0EC274}"/>
+              </a:ext>
+            </a:extLst>
+          </p:cNvPr>
+          <p:cNvSpPr/>
+          <p:nvPr/>
+        </p:nvSpPr>
+        <p:spPr>
+          <a:xfrm flipH="1">
+            <a:off x="7777259" y="7344228"/>
+            <a:ext cx="3064909" cy="1611086"/>
+          </a:xfrm>
+          <a:custGeom>
+            <a:avLst/>
+            <a:gdLst>
+              <a:gd name="connsiteX0" fmla="*/ 147974 w 3064909"/>
+              <a:gd name="connsiteY0" fmla="*/ 0 h 1611086"/>
+              <a:gd name="connsiteX1" fmla="*/ 2916935 w 3064909"/>
+              <a:gd name="connsiteY1" fmla="*/ 0 h 1611086"/>
+              <a:gd name="connsiteX2" fmla="*/ 3064909 w 3064909"/>
+              <a:gd name="connsiteY2" fmla="*/ 147974 h 1611086"/>
+              <a:gd name="connsiteX3" fmla="*/ 3064909 w 3064909"/>
+              <a:gd name="connsiteY3" fmla="*/ 1611086 h 1611086"/>
+              <a:gd name="connsiteX4" fmla="*/ 0 w 3064909"/>
+              <a:gd name="connsiteY4" fmla="*/ 1611086 h 1611086"/>
+              <a:gd name="connsiteX5" fmla="*/ 0 w 3064909"/>
+              <a:gd name="connsiteY5" fmla="*/ 147974 h 1611086"/>
+              <a:gd name="connsiteX6" fmla="*/ 147974 w 3064909"/>
+              <a:gd name="connsiteY6" fmla="*/ 0 h 1611086"/>
+            </a:gdLst>
+            <a:ahLst/>
+            <a:cxnLst>
+              <a:cxn ang="0">
+                <a:pos x="connsiteX0" y="connsiteY0"/>
+              </a:cxn>
+              <a:cxn ang="0">
+                <a:pos x="connsiteX1" y="connsiteY1"/>
+              </a:cxn>
+              <a:cxn ang="0">
+                <a:pos x="connsiteX2" y="connsiteY2"/>
+              </a:cxn>
+              <a:cxn ang="0">
+                <a:pos x="connsiteX3" y="connsiteY3"/>
+              </a:cxn>
+              <a:cxn ang="0">
+                <a:pos x="connsiteX4" y="connsiteY4"/>
+              </a:cxn>
+              <a:cxn ang="0">
+                <a:pos x="connsiteX5" y="connsiteY5"/>
+              </a:cxn>
+              <a:cxn ang="0">
+                <a:pos x="connsiteX6" y="connsiteY6"/>
+              </a:cxn>
+            </a:cxnLst>
+            <a:rect l="l" t="t" r="r" b="b"/>
+            <a:pathLst>
+              <a:path w="3064909" h="1611086">
+                <a:moveTo>
+                  <a:pt x="147974" y="0"/>
+                </a:moveTo>
+                <a:lnTo>
+                  <a:pt x="2916935" y="0"/>
+                </a:lnTo>
+                <a:cubicBezTo>
+                  <a:pt x="2998659" y="0"/>
+                  <a:pt x="3064909" y="66250"/>
+                  <a:pt x="3064909" y="147974"/>
+                </a:cubicBezTo>
+                <a:lnTo>
+                  <a:pt x="3064909" y="1611086"/>
+                </a:lnTo>
+                <a:lnTo>
+                  <a:pt x="0" y="1611086"/>
+                </a:lnTo>
+                <a:lnTo>
+                  <a:pt x="0" y="147974"/>
+                </a:lnTo>
+                <a:cubicBezTo>
+                  <a:pt x="0" y="66250"/>
+                  <a:pt x="66250" y="0"/>
+                  <a:pt x="147974" y="0"/>
+                </a:cubicBezTo>
+                <a:close/>
+              </a:path>
+            </a:pathLst>
+          </a:custGeom>
+          <a:solidFill>
+            <a:schemeClr val="accent4">
+              <a:lumMod val="75000"/>
+            </a:schemeClr>
+          </a:solidFill>
+          <a:ln>
+            <a:noFill/>
+          </a:ln>
+        </p:spPr>
+        <p:style>
+          <a:lnRef idx="2">
+            <a:schemeClr val="accent1">
+              <a:shade val="15000"/>
+            </a:schemeClr>
+          </a:lnRef>
+          <a:fillRef idx="1">
+            <a:schemeClr val="accent1"/>
+          </a:fillRef>
+          <a:effectRef idx="0">
+            <a:schemeClr val="accent1"/>
+          </a:effectRef>
+          <a:fontRef idx="minor">
+            <a:schemeClr val="lt1"/>
+          </a:fontRef>
+        </p:style>
+        <p:txBody>
+          <a:bodyPr wrap="square" rtlCol="0" anchor="ctr">
+            <a:noAutofit/>
+          </a:bodyPr>
+          <a:lstStyle/>
+          <a:p>
+            <a:pPr algn="ctr"/>
+            <a:r>
+              <a:rPr lang="pt-BR" sz="2400" b="1" dirty="0"/>
+              <a:t>Monitoramento Contínuo:</a:t>
+            </a:r>
+          </a:p>
+        </p:txBody>
+      </p:sp>
+    </p:spTree>
+    <p:extLst>
+      <p:ext uri="{BB962C8B-B14F-4D97-AF65-F5344CB8AC3E}">
+        <p14:creationId xmlns:p14="http://schemas.microsoft.com/office/powerpoint/2010/main" val="2150796225"/>
+      </p:ext>
+    </p:extLst>
+  </p:cSld>
+  <p:clrMapOvr>
+    <a:masterClrMapping/>
+  </p:clrMapOvr>
+  <mc:AlternateContent xmlns:mc="http://schemas.openxmlformats.org/markup-compatibility/2006" xmlns:p159="http://schemas.microsoft.com/office/powerpoint/2015/09/main">
+    <mc:Choice Requires="p159">
+      <p:transition xmlns:p14="http://schemas.microsoft.com/office/powerpoint/2010/main" spd="slow" p14:dur="2000">
+        <p159:morph option="byObject"/>
+      </p:transition>
+    </mc:Choice>
+    <mc:Fallback xmlns="">
+      <p:transition spd="slow">
+        <p:fade/>
+      </p:transition>
+    </mc:Fallback>
+  </mc:AlternateContent>
+</p:sld>
+</file>
+
+<file path=ppt/slides/slide6.xml><?xml version="1.0" encoding="utf-8"?>
+<p:sld xmlns:a="http://schemas.openxmlformats.org/drawingml/2006/main" xmlns:r="http://schemas.openxmlformats.org/officeDocument/2006/relationships" xmlns:p="http://schemas.openxmlformats.org/presentationml/2006/main">
+  <p:cSld>
+    <p:spTree>
+      <p:nvGrpSpPr>
+        <p:cNvPr id="1" name=""/>
+        <p:cNvGrpSpPr/>
+        <p:nvPr/>
+      </p:nvGrpSpPr>
+      <p:grpSpPr>
+        <a:xfrm>
+          <a:off x="0" y="0"/>
+          <a:ext cx="0" cy="0"/>
+          <a:chOff x="0" y="0"/>
+          <a:chExt cx="0" cy="0"/>
+        </a:xfrm>
+      </p:grpSpPr>
+      <p:sp>
+        <p:nvSpPr>
+          <p:cNvPr id="2" name="Retângulo: Cantos Arredondados 1">
+            <a:extLst>
+              <a:ext uri="{FF2B5EF4-FFF2-40B4-BE49-F238E27FC236}">
+                <a16:creationId xmlns:a16="http://schemas.microsoft.com/office/drawing/2014/main" id="{7530B101-4FD6-43D7-8D3B-423D11E542AA}"/>
+              </a:ext>
+            </a:extLst>
+          </p:cNvPr>
+          <p:cNvSpPr/>
+          <p:nvPr/>
+        </p:nvSpPr>
+        <p:spPr>
           <a:xfrm>
-            <a:off x="-5322827" y="5643756"/>
-            <a:ext cx="4064000" cy="649352"/>
+            <a:off x="941034" y="630315"/>
+            <a:ext cx="4625266" cy="852256"/>
           </a:xfrm>
           <a:prstGeom prst="roundRect">
             <a:avLst/>
@@ -4629,88 +6556,32 @@
           <a:p>
             <a:pPr algn="ctr"/>
             <a:r>
-              <a:rPr lang="pt-BR" dirty="0"/>
-              <a:t>Uso de Tecnologia.</a:t>
-            </a:r>
-          </a:p>
-        </p:txBody>
-      </p:sp>
-    </p:spTree>
-    <p:extLst>
-      <p:ext uri="{BB962C8B-B14F-4D97-AF65-F5344CB8AC3E}">
-        <p14:creationId xmlns:p14="http://schemas.microsoft.com/office/powerpoint/2010/main" val="4053748602"/>
-      </p:ext>
-    </p:extLst>
-  </p:cSld>
-  <p:clrMapOvr>
-    <a:masterClrMapping/>
-  </p:clrMapOvr>
-  <mc:AlternateContent xmlns:mc="http://schemas.openxmlformats.org/markup-compatibility/2006">
-    <mc:Choice xmlns:p159="http://schemas.microsoft.com/office/powerpoint/2015/09/main" Requires="p159">
-      <p:transition xmlns:p14="http://schemas.microsoft.com/office/powerpoint/2010/main" spd="slow" p14:dur="2000">
-        <p159:morph option="byObject"/>
-      </p:transition>
-    </mc:Choice>
-    <mc:Fallback>
-      <p:transition spd="slow">
-        <p:fade/>
-      </p:transition>
-    </mc:Fallback>
-  </mc:AlternateContent>
-</p:sld>
-</file>
-
-<file path=ppt/slides/slide11.xml><?xml version="1.0" encoding="utf-8"?>
-<p:sld xmlns:a="http://schemas.openxmlformats.org/drawingml/2006/main" xmlns:r="http://schemas.openxmlformats.org/officeDocument/2006/relationships" xmlns:p="http://schemas.openxmlformats.org/presentationml/2006/main">
-  <p:cSld>
-    <p:spTree>
-      <p:nvGrpSpPr>
-        <p:cNvPr id="1" name=""/>
-        <p:cNvGrpSpPr/>
-        <p:nvPr/>
-      </p:nvGrpSpPr>
-      <p:grpSpPr>
-        <a:xfrm>
-          <a:off x="0" y="0"/>
-          <a:ext cx="0" cy="0"/>
-          <a:chOff x="0" y="0"/>
-          <a:chExt cx="0" cy="0"/>
-        </a:xfrm>
-      </p:grpSpPr>
-      <p:sp>
-        <p:nvSpPr>
-          <p:cNvPr id="2" name="Título 1">
-            <a:extLst>
-              <a:ext uri="{FF2B5EF4-FFF2-40B4-BE49-F238E27FC236}">
-                <a16:creationId xmlns:a16="http://schemas.microsoft.com/office/drawing/2014/main" id="{9607353C-C075-7C4B-E676-445D5D3CDB69}"/>
-              </a:ext>
-            </a:extLst>
-          </p:cNvPr>
-          <p:cNvSpPr>
-            <a:spLocks noGrp="1"/>
-          </p:cNvSpPr>
-          <p:nvPr>
-            <p:ph type="title"/>
-          </p:nvPr>
-        </p:nvSpPr>
-        <p:spPr/>
-        <p:txBody>
-          <a:bodyPr/>
-          <a:lstStyle/>
-          <a:p>
-            <a:r>
-              <a:rPr lang="pt-BR" dirty="0"/>
-              <a:t>Estratégias Práticas</a:t>
-            </a:r>
-          </a:p>
-        </p:txBody>
-      </p:sp>
-      <p:sp>
-        <p:nvSpPr>
-          <p:cNvPr id="3" name="Retângulo: Cantos Arredondados 2">
-            <a:extLst>
-              <a:ext uri="{FF2B5EF4-FFF2-40B4-BE49-F238E27FC236}">
-                <a16:creationId xmlns:a16="http://schemas.microsoft.com/office/drawing/2014/main" id="{C72B719D-8317-DB55-BCC0-47C51E3FB960}"/>
+              <a:rPr lang="pt-BR" sz="3600" b="1" i="0" dirty="0">
+                <a:effectLst/>
+                <a:latin typeface="Söhne"/>
+              </a:rPr>
+              <a:t>  </a:t>
+            </a:r>
+            <a:r>
+              <a:rPr lang="pt-BR" sz="2800" b="1" i="0" dirty="0">
+                <a:effectLst/>
+                <a:latin typeface="Söhne"/>
+              </a:rPr>
+              <a:t>Estratégias de Gerenciamento</a:t>
+            </a:r>
+            <a:endParaRPr lang="pt-BR" sz="2400" b="1" i="0" dirty="0">
+              <a:effectLst/>
+              <a:latin typeface="Söhne"/>
+            </a:endParaRPr>
+          </a:p>
+        </p:txBody>
+      </p:sp>
+      <p:sp>
+        <p:nvSpPr>
+          <p:cNvPr id="5" name="Retângulo: Cantos Arredondados 4">
+            <a:extLst>
+              <a:ext uri="{FF2B5EF4-FFF2-40B4-BE49-F238E27FC236}">
+                <a16:creationId xmlns:a16="http://schemas.microsoft.com/office/drawing/2014/main" id="{EEE159F8-696A-A687-6955-A1E8379CDD3F}"/>
               </a:ext>
             </a:extLst>
           </p:cNvPr>
@@ -4719,874 +6590,12 @@
         </p:nvSpPr>
         <p:spPr>
           <a:xfrm>
-            <a:off x="3113250" y="2690748"/>
-            <a:ext cx="4064000" cy="649352"/>
-          </a:xfrm>
-          <a:prstGeom prst="roundRect">
-            <a:avLst/>
-          </a:prstGeom>
-          <a:solidFill>
-            <a:schemeClr val="accent1"/>
-          </a:solidFill>
-          <a:ln>
-            <a:noFill/>
-          </a:ln>
-        </p:spPr>
-        <p:style>
-          <a:lnRef idx="2">
-            <a:schemeClr val="accent1">
-              <a:shade val="15000"/>
-            </a:schemeClr>
-          </a:lnRef>
-          <a:fillRef idx="1">
-            <a:schemeClr val="accent1"/>
-          </a:fillRef>
-          <a:effectRef idx="0">
-            <a:schemeClr val="accent1"/>
-          </a:effectRef>
-          <a:fontRef idx="minor">
-            <a:schemeClr val="lt1"/>
-          </a:fontRef>
-        </p:style>
-        <p:txBody>
-          <a:bodyPr rtlCol="0" anchor="ctr"/>
-          <a:lstStyle/>
-          <a:p>
-            <a:pPr algn="ctr"/>
-            <a:r>
-              <a:rPr lang="pt-BR"/>
-              <a:t>Definição Realista de Orçamento.</a:t>
-            </a:r>
-            <a:endParaRPr lang="pt-BR" dirty="0"/>
-          </a:p>
-        </p:txBody>
-      </p:sp>
-      <p:sp>
-        <p:nvSpPr>
-          <p:cNvPr id="6" name="Retângulo: Cantos Arredondados 5">
-            <a:extLst>
-              <a:ext uri="{FF2B5EF4-FFF2-40B4-BE49-F238E27FC236}">
-                <a16:creationId xmlns:a16="http://schemas.microsoft.com/office/drawing/2014/main" id="{96760AB3-A47F-C8A0-42EA-0DBF6C695032}"/>
-              </a:ext>
-            </a:extLst>
-          </p:cNvPr>
-          <p:cNvSpPr/>
-          <p:nvPr/>
-        </p:nvSpPr>
-        <p:spPr>
-          <a:xfrm>
-            <a:off x="5145250" y="3429000"/>
-            <a:ext cx="4064000" cy="649352"/>
-          </a:xfrm>
-          <a:prstGeom prst="roundRect">
-            <a:avLst/>
-          </a:prstGeom>
-          <a:solidFill>
-            <a:schemeClr val="accent2"/>
-          </a:solidFill>
-          <a:ln>
-            <a:noFill/>
-          </a:ln>
-        </p:spPr>
-        <p:style>
-          <a:lnRef idx="2">
-            <a:schemeClr val="accent1">
-              <a:shade val="15000"/>
-            </a:schemeClr>
-          </a:lnRef>
-          <a:fillRef idx="1">
-            <a:schemeClr val="accent1"/>
-          </a:fillRef>
-          <a:effectRef idx="0">
-            <a:schemeClr val="accent1"/>
-          </a:effectRef>
-          <a:fontRef idx="minor">
-            <a:schemeClr val="lt1"/>
-          </a:fontRef>
-        </p:style>
-        <p:txBody>
-          <a:bodyPr rtlCol="0" anchor="ctr"/>
-          <a:lstStyle/>
-          <a:p>
-            <a:pPr algn="ctr"/>
-            <a:r>
-              <a:rPr lang="pt-BR" dirty="0"/>
-              <a:t>Priorização de Recursos.</a:t>
-            </a:r>
-          </a:p>
-        </p:txBody>
-      </p:sp>
-      <p:sp>
-        <p:nvSpPr>
-          <p:cNvPr id="11" name="Retângulo: Cantos Arredondados 10">
-            <a:extLst>
-              <a:ext uri="{FF2B5EF4-FFF2-40B4-BE49-F238E27FC236}">
-                <a16:creationId xmlns:a16="http://schemas.microsoft.com/office/drawing/2014/main" id="{BFA322DC-37F9-9A76-2513-638BC71ECD93}"/>
-              </a:ext>
-            </a:extLst>
-          </p:cNvPr>
-          <p:cNvSpPr/>
-          <p:nvPr/>
-        </p:nvSpPr>
-        <p:spPr>
-          <a:xfrm>
-            <a:off x="3113250" y="4167252"/>
-            <a:ext cx="4064000" cy="649352"/>
-          </a:xfrm>
-          <a:prstGeom prst="roundRect">
-            <a:avLst/>
-          </a:prstGeom>
-          <a:solidFill>
-            <a:schemeClr val="accent3"/>
-          </a:solidFill>
-          <a:ln>
-            <a:noFill/>
-          </a:ln>
-        </p:spPr>
-        <p:style>
-          <a:lnRef idx="2">
-            <a:schemeClr val="accent1">
-              <a:shade val="15000"/>
-            </a:schemeClr>
-          </a:lnRef>
-          <a:fillRef idx="1">
-            <a:schemeClr val="accent1"/>
-          </a:fillRef>
-          <a:effectRef idx="0">
-            <a:schemeClr val="accent1"/>
-          </a:effectRef>
-          <a:fontRef idx="minor">
-            <a:schemeClr val="lt1"/>
-          </a:fontRef>
-        </p:style>
-        <p:txBody>
-          <a:bodyPr rtlCol="0" anchor="ctr"/>
-          <a:lstStyle/>
-          <a:p>
-            <a:pPr algn="ctr"/>
-            <a:r>
-              <a:rPr lang="pt-BR" dirty="0"/>
-              <a:t>Reservas de Contingência.</a:t>
-            </a:r>
-          </a:p>
-        </p:txBody>
-      </p:sp>
-      <p:sp>
-        <p:nvSpPr>
-          <p:cNvPr id="12" name="Retângulo: Cantos Arredondados 11">
-            <a:extLst>
-              <a:ext uri="{FF2B5EF4-FFF2-40B4-BE49-F238E27FC236}">
-                <a16:creationId xmlns:a16="http://schemas.microsoft.com/office/drawing/2014/main" id="{4CA5CADD-DA0C-B46D-28CE-94A194C5505A}"/>
-              </a:ext>
-            </a:extLst>
-          </p:cNvPr>
-          <p:cNvSpPr/>
-          <p:nvPr/>
-        </p:nvSpPr>
-        <p:spPr>
-          <a:xfrm>
-            <a:off x="5145250" y="4905504"/>
-            <a:ext cx="4064000" cy="649352"/>
-          </a:xfrm>
-          <a:prstGeom prst="roundRect">
-            <a:avLst/>
-          </a:prstGeom>
-          <a:solidFill>
-            <a:schemeClr val="accent4"/>
-          </a:solidFill>
-          <a:ln>
-            <a:noFill/>
-          </a:ln>
-        </p:spPr>
-        <p:style>
-          <a:lnRef idx="2">
-            <a:schemeClr val="accent1">
-              <a:shade val="15000"/>
-            </a:schemeClr>
-          </a:lnRef>
-          <a:fillRef idx="1">
-            <a:schemeClr val="accent1"/>
-          </a:fillRef>
-          <a:effectRef idx="0">
-            <a:schemeClr val="accent1"/>
-          </a:effectRef>
-          <a:fontRef idx="minor">
-            <a:schemeClr val="lt1"/>
-          </a:fontRef>
-        </p:style>
-        <p:txBody>
-          <a:bodyPr rtlCol="0" anchor="ctr"/>
-          <a:lstStyle/>
-          <a:p>
-            <a:pPr algn="ctr"/>
-            <a:r>
-              <a:rPr lang="pt-BR" dirty="0"/>
-              <a:t>Negociação de Contratos.</a:t>
-            </a:r>
-          </a:p>
-        </p:txBody>
-      </p:sp>
-      <p:sp>
-        <p:nvSpPr>
-          <p:cNvPr id="13" name="Retângulo: Cantos Arredondados 12">
-            <a:extLst>
-              <a:ext uri="{FF2B5EF4-FFF2-40B4-BE49-F238E27FC236}">
-                <a16:creationId xmlns:a16="http://schemas.microsoft.com/office/drawing/2014/main" id="{87FA6E24-D429-32B3-4C8C-764C4FB2FEC5}"/>
-              </a:ext>
-            </a:extLst>
-          </p:cNvPr>
-          <p:cNvSpPr/>
-          <p:nvPr/>
-        </p:nvSpPr>
-        <p:spPr>
-          <a:xfrm>
-            <a:off x="3113250" y="5643756"/>
-            <a:ext cx="4064000" cy="649352"/>
-          </a:xfrm>
-          <a:prstGeom prst="roundRect">
-            <a:avLst/>
-          </a:prstGeom>
-          <a:solidFill>
-            <a:schemeClr val="accent5"/>
-          </a:solidFill>
-          <a:ln>
-            <a:noFill/>
-          </a:ln>
-        </p:spPr>
-        <p:style>
-          <a:lnRef idx="2">
-            <a:schemeClr val="accent1">
-              <a:shade val="15000"/>
-            </a:schemeClr>
-          </a:lnRef>
-          <a:fillRef idx="1">
-            <a:schemeClr val="accent1"/>
-          </a:fillRef>
-          <a:effectRef idx="0">
-            <a:schemeClr val="accent1"/>
-          </a:effectRef>
-          <a:fontRef idx="minor">
-            <a:schemeClr val="lt1"/>
-          </a:fontRef>
-        </p:style>
-        <p:txBody>
-          <a:bodyPr rtlCol="0" anchor="ctr"/>
-          <a:lstStyle/>
-          <a:p>
-            <a:pPr algn="ctr"/>
-            <a:r>
-              <a:rPr lang="pt-BR" dirty="0"/>
-              <a:t>Uso de Tecnologia.</a:t>
-            </a:r>
-          </a:p>
-        </p:txBody>
-      </p:sp>
-      <p:pic>
-        <p:nvPicPr>
-          <p:cNvPr id="7" name="Imagem 6" descr="Imagem em preto e branco&#10;&#10;Descrição gerada automaticamente">
-            <a:extLst>
-              <a:ext uri="{FF2B5EF4-FFF2-40B4-BE49-F238E27FC236}">
-                <a16:creationId xmlns:a16="http://schemas.microsoft.com/office/drawing/2014/main" id="{52F369B8-A62E-D171-FE79-98077B22778A}"/>
-              </a:ext>
-            </a:extLst>
-          </p:cNvPr>
-          <p:cNvPicPr>
-            <a:picLocks noChangeAspect="1"/>
-          </p:cNvPicPr>
-          <p:nvPr/>
-        </p:nvPicPr>
-        <p:blipFill>
-          <a:blip r:embed="rId2">
-            <a:extLst>
-              <a:ext uri="{28A0092B-C50C-407E-A947-70E740481C1C}">
-                <a14:useLocalDpi xmlns:a14="http://schemas.microsoft.com/office/drawing/2010/main" val="0"/>
-              </a:ext>
-            </a:extLst>
-          </a:blip>
-          <a:stretch>
-            <a:fillRect/>
-          </a:stretch>
-        </p:blipFill>
-        <p:spPr>
-          <a:xfrm flipH="1">
-            <a:off x="11616881" y="761988"/>
-            <a:ext cx="6096012" cy="6096012"/>
-          </a:xfrm>
-          <a:prstGeom prst="rect">
-            <a:avLst/>
-          </a:prstGeom>
-        </p:spPr>
-      </p:pic>
-    </p:spTree>
-    <p:extLst>
-      <p:ext uri="{BB962C8B-B14F-4D97-AF65-F5344CB8AC3E}">
-        <p14:creationId xmlns:p14="http://schemas.microsoft.com/office/powerpoint/2010/main" val="3721556858"/>
-      </p:ext>
-    </p:extLst>
-  </p:cSld>
-  <p:clrMapOvr>
-    <a:masterClrMapping/>
-  </p:clrMapOvr>
-  <mc:AlternateContent xmlns:mc="http://schemas.openxmlformats.org/markup-compatibility/2006">
-    <mc:Choice xmlns:p159="http://schemas.microsoft.com/office/powerpoint/2015/09/main" Requires="p159">
-      <p:transition xmlns:p14="http://schemas.microsoft.com/office/powerpoint/2010/main" spd="slow" p14:dur="2000">
-        <p159:morph option="byObject"/>
-      </p:transition>
-    </mc:Choice>
-    <mc:Fallback>
-      <p:transition spd="slow">
-        <p:fade/>
-      </p:transition>
-    </mc:Fallback>
-  </mc:AlternateContent>
-</p:sld>
-</file>
-
-<file path=ppt/slides/slide12.xml><?xml version="1.0" encoding="utf-8"?>
-<p:sld xmlns:a="http://schemas.openxmlformats.org/drawingml/2006/main" xmlns:r="http://schemas.openxmlformats.org/officeDocument/2006/relationships" xmlns:p="http://schemas.openxmlformats.org/presentationml/2006/main">
-  <p:cSld>
-    <p:spTree>
-      <p:nvGrpSpPr>
-        <p:cNvPr id="1" name=""/>
-        <p:cNvGrpSpPr/>
-        <p:nvPr/>
-      </p:nvGrpSpPr>
-      <p:grpSpPr>
-        <a:xfrm>
-          <a:off x="0" y="0"/>
-          <a:ext cx="0" cy="0"/>
-          <a:chOff x="0" y="0"/>
-          <a:chExt cx="0" cy="0"/>
-        </a:xfrm>
-      </p:grpSpPr>
-      <p:sp>
-        <p:nvSpPr>
-          <p:cNvPr id="2" name="Título 1">
-            <a:extLst>
-              <a:ext uri="{FF2B5EF4-FFF2-40B4-BE49-F238E27FC236}">
-                <a16:creationId xmlns:a16="http://schemas.microsoft.com/office/drawing/2014/main" id="{9607353C-C075-7C4B-E676-445D5D3CDB69}"/>
-              </a:ext>
-            </a:extLst>
-          </p:cNvPr>
-          <p:cNvSpPr>
-            <a:spLocks noGrp="1"/>
-          </p:cNvSpPr>
-          <p:nvPr>
-            <p:ph type="title"/>
-          </p:nvPr>
-        </p:nvSpPr>
-        <p:spPr/>
-        <p:txBody>
-          <a:bodyPr/>
-          <a:lstStyle/>
-          <a:p>
-            <a:r>
-              <a:rPr lang="pt-BR" dirty="0"/>
-              <a:t> Impacto Positivo</a:t>
-            </a:r>
-          </a:p>
-        </p:txBody>
-      </p:sp>
-      <p:sp>
-        <p:nvSpPr>
-          <p:cNvPr id="3" name="Retângulo: Cantos Arredondados 2">
-            <a:extLst>
-              <a:ext uri="{FF2B5EF4-FFF2-40B4-BE49-F238E27FC236}">
-                <a16:creationId xmlns:a16="http://schemas.microsoft.com/office/drawing/2014/main" id="{C72B719D-8317-DB55-BCC0-47C51E3FB960}"/>
-              </a:ext>
-            </a:extLst>
-          </p:cNvPr>
-          <p:cNvSpPr/>
-          <p:nvPr/>
-        </p:nvSpPr>
-        <p:spPr>
-          <a:xfrm>
-            <a:off x="-5204840" y="2690748"/>
-            <a:ext cx="4064000" cy="649352"/>
-          </a:xfrm>
-          <a:prstGeom prst="roundRect">
-            <a:avLst/>
-          </a:prstGeom>
-          <a:solidFill>
-            <a:schemeClr val="accent1"/>
-          </a:solidFill>
-          <a:ln>
-            <a:noFill/>
-          </a:ln>
-        </p:spPr>
-        <p:style>
-          <a:lnRef idx="2">
-            <a:schemeClr val="accent1">
-              <a:shade val="15000"/>
-            </a:schemeClr>
-          </a:lnRef>
-          <a:fillRef idx="1">
-            <a:schemeClr val="accent1"/>
-          </a:fillRef>
-          <a:effectRef idx="0">
-            <a:schemeClr val="accent1"/>
-          </a:effectRef>
-          <a:fontRef idx="minor">
-            <a:schemeClr val="lt1"/>
-          </a:fontRef>
-        </p:style>
-        <p:txBody>
-          <a:bodyPr rtlCol="0" anchor="ctr"/>
-          <a:lstStyle/>
-          <a:p>
-            <a:pPr algn="ctr"/>
-            <a:r>
-              <a:rPr lang="pt-BR" dirty="0"/>
-              <a:t>Definição Realista de Orçamento.</a:t>
-            </a:r>
-          </a:p>
-        </p:txBody>
-      </p:sp>
-      <p:sp>
-        <p:nvSpPr>
-          <p:cNvPr id="6" name="Retângulo: Cantos Arredondados 5">
-            <a:extLst>
-              <a:ext uri="{FF2B5EF4-FFF2-40B4-BE49-F238E27FC236}">
-                <a16:creationId xmlns:a16="http://schemas.microsoft.com/office/drawing/2014/main" id="{96760AB3-A47F-C8A0-42EA-0DBF6C695032}"/>
-              </a:ext>
-            </a:extLst>
-          </p:cNvPr>
-          <p:cNvSpPr/>
-          <p:nvPr/>
-        </p:nvSpPr>
-        <p:spPr>
-          <a:xfrm>
-            <a:off x="13581328" y="3429000"/>
-            <a:ext cx="4064000" cy="649352"/>
-          </a:xfrm>
-          <a:prstGeom prst="roundRect">
-            <a:avLst/>
-          </a:prstGeom>
-          <a:solidFill>
-            <a:schemeClr val="accent2"/>
-          </a:solidFill>
-          <a:ln>
-            <a:noFill/>
-          </a:ln>
-        </p:spPr>
-        <p:style>
-          <a:lnRef idx="2">
-            <a:schemeClr val="accent1">
-              <a:shade val="15000"/>
-            </a:schemeClr>
-          </a:lnRef>
-          <a:fillRef idx="1">
-            <a:schemeClr val="accent1"/>
-          </a:fillRef>
-          <a:effectRef idx="0">
-            <a:schemeClr val="accent1"/>
-          </a:effectRef>
-          <a:fontRef idx="minor">
-            <a:schemeClr val="lt1"/>
-          </a:fontRef>
-        </p:style>
-        <p:txBody>
-          <a:bodyPr rtlCol="0" anchor="ctr"/>
-          <a:lstStyle/>
-          <a:p>
-            <a:pPr algn="ctr"/>
-            <a:r>
-              <a:rPr lang="pt-BR" dirty="0"/>
-              <a:t>Priorização de Recursos.</a:t>
-            </a:r>
-          </a:p>
-        </p:txBody>
-      </p:sp>
-      <p:sp>
-        <p:nvSpPr>
-          <p:cNvPr id="11" name="Retângulo: Cantos Arredondados 10">
-            <a:extLst>
-              <a:ext uri="{FF2B5EF4-FFF2-40B4-BE49-F238E27FC236}">
-                <a16:creationId xmlns:a16="http://schemas.microsoft.com/office/drawing/2014/main" id="{BFA322DC-37F9-9A76-2513-638BC71ECD93}"/>
-              </a:ext>
-            </a:extLst>
-          </p:cNvPr>
-          <p:cNvSpPr/>
-          <p:nvPr/>
-        </p:nvSpPr>
-        <p:spPr>
-          <a:xfrm>
-            <a:off x="-4998363" y="4167252"/>
-            <a:ext cx="4064000" cy="649352"/>
-          </a:xfrm>
-          <a:prstGeom prst="roundRect">
-            <a:avLst/>
-          </a:prstGeom>
-          <a:solidFill>
-            <a:schemeClr val="accent3"/>
-          </a:solidFill>
-          <a:ln>
-            <a:noFill/>
-          </a:ln>
-        </p:spPr>
-        <p:style>
-          <a:lnRef idx="2">
-            <a:schemeClr val="accent1">
-              <a:shade val="15000"/>
-            </a:schemeClr>
-          </a:lnRef>
-          <a:fillRef idx="1">
-            <a:schemeClr val="accent1"/>
-          </a:fillRef>
-          <a:effectRef idx="0">
-            <a:schemeClr val="accent1"/>
-          </a:effectRef>
-          <a:fontRef idx="minor">
-            <a:schemeClr val="lt1"/>
-          </a:fontRef>
-        </p:style>
-        <p:txBody>
-          <a:bodyPr rtlCol="0" anchor="ctr"/>
-          <a:lstStyle/>
-          <a:p>
-            <a:pPr algn="ctr"/>
-            <a:r>
-              <a:rPr lang="pt-BR" dirty="0"/>
-              <a:t>Reservas de Contingência.</a:t>
-            </a:r>
-          </a:p>
-        </p:txBody>
-      </p:sp>
-      <p:sp>
-        <p:nvSpPr>
-          <p:cNvPr id="12" name="Retângulo: Cantos Arredondados 11">
-            <a:extLst>
-              <a:ext uri="{FF2B5EF4-FFF2-40B4-BE49-F238E27FC236}">
-                <a16:creationId xmlns:a16="http://schemas.microsoft.com/office/drawing/2014/main" id="{4CA5CADD-DA0C-B46D-28CE-94A194C5505A}"/>
-              </a:ext>
-            </a:extLst>
-          </p:cNvPr>
-          <p:cNvSpPr/>
-          <p:nvPr/>
-        </p:nvSpPr>
-        <p:spPr>
-          <a:xfrm>
-            <a:off x="13581328" y="4905504"/>
-            <a:ext cx="4064000" cy="649352"/>
-          </a:xfrm>
-          <a:prstGeom prst="roundRect">
-            <a:avLst/>
-          </a:prstGeom>
-          <a:solidFill>
-            <a:schemeClr val="accent4"/>
-          </a:solidFill>
-          <a:ln>
-            <a:noFill/>
-          </a:ln>
-        </p:spPr>
-        <p:style>
-          <a:lnRef idx="2">
-            <a:schemeClr val="accent1">
-              <a:shade val="15000"/>
-            </a:schemeClr>
-          </a:lnRef>
-          <a:fillRef idx="1">
-            <a:schemeClr val="accent1"/>
-          </a:fillRef>
-          <a:effectRef idx="0">
-            <a:schemeClr val="accent1"/>
-          </a:effectRef>
-          <a:fontRef idx="minor">
-            <a:schemeClr val="lt1"/>
-          </a:fontRef>
-        </p:style>
-        <p:txBody>
-          <a:bodyPr rtlCol="0" anchor="ctr"/>
-          <a:lstStyle/>
-          <a:p>
-            <a:pPr algn="ctr"/>
-            <a:r>
-              <a:rPr lang="pt-BR" dirty="0"/>
-              <a:t>Negociação de Contratos.</a:t>
-            </a:r>
-          </a:p>
-        </p:txBody>
-      </p:sp>
-      <p:sp>
-        <p:nvSpPr>
-          <p:cNvPr id="13" name="Retângulo: Cantos Arredondados 12">
-            <a:extLst>
-              <a:ext uri="{FF2B5EF4-FFF2-40B4-BE49-F238E27FC236}">
-                <a16:creationId xmlns:a16="http://schemas.microsoft.com/office/drawing/2014/main" id="{87FA6E24-D429-32B3-4C8C-764C4FB2FEC5}"/>
-              </a:ext>
-            </a:extLst>
-          </p:cNvPr>
-          <p:cNvSpPr/>
-          <p:nvPr/>
-        </p:nvSpPr>
-        <p:spPr>
-          <a:xfrm>
-            <a:off x="-5853770" y="5643756"/>
-            <a:ext cx="4064000" cy="649352"/>
-          </a:xfrm>
-          <a:prstGeom prst="roundRect">
-            <a:avLst/>
-          </a:prstGeom>
-          <a:solidFill>
-            <a:schemeClr val="accent5"/>
-          </a:solidFill>
-          <a:ln>
-            <a:noFill/>
-          </a:ln>
-        </p:spPr>
-        <p:style>
-          <a:lnRef idx="2">
-            <a:schemeClr val="accent1">
-              <a:shade val="15000"/>
-            </a:schemeClr>
-          </a:lnRef>
-          <a:fillRef idx="1">
-            <a:schemeClr val="accent1"/>
-          </a:fillRef>
-          <a:effectRef idx="0">
-            <a:schemeClr val="accent1"/>
-          </a:effectRef>
-          <a:fontRef idx="minor">
-            <a:schemeClr val="lt1"/>
-          </a:fontRef>
-        </p:style>
-        <p:txBody>
-          <a:bodyPr rtlCol="0" anchor="ctr"/>
-          <a:lstStyle/>
-          <a:p>
-            <a:pPr algn="ctr"/>
-            <a:r>
-              <a:rPr lang="pt-BR" dirty="0"/>
-              <a:t>Uso de Tecnologia.</a:t>
-            </a:r>
-          </a:p>
-        </p:txBody>
-      </p:sp>
-      <p:sp>
-        <p:nvSpPr>
-          <p:cNvPr id="4" name="Espaço Reservado para Conteúdo 2">
-            <a:extLst>
-              <a:ext uri="{FF2B5EF4-FFF2-40B4-BE49-F238E27FC236}">
-                <a16:creationId xmlns:a16="http://schemas.microsoft.com/office/drawing/2014/main" id="{00893C13-95EE-FB16-63EE-AF7473BEF4BA}"/>
-              </a:ext>
-            </a:extLst>
-          </p:cNvPr>
-          <p:cNvSpPr>
-            <a:spLocks noGrp="1"/>
-          </p:cNvSpPr>
-          <p:nvPr>
-            <p:ph idx="1"/>
-          </p:nvPr>
-        </p:nvSpPr>
-        <p:spPr>
-          <a:xfrm>
-            <a:off x="1077363" y="2427316"/>
-            <a:ext cx="6437862" cy="3513514"/>
-          </a:xfrm>
-        </p:spPr>
-        <p:txBody>
-          <a:bodyPr>
-            <a:normAutofit fontScale="77500" lnSpcReduction="20000"/>
-          </a:bodyPr>
-          <a:lstStyle/>
-          <a:p>
-            <a:r>
-              <a:rPr lang="pt-BR" sz="2800" b="1" dirty="0"/>
-              <a:t>Evita Desperdícios Financeiros: </a:t>
-            </a:r>
-            <a:r>
-              <a:rPr lang="pt-BR" sz="2800" dirty="0"/>
-              <a:t>Identificação precoce e correção de problemas.</a:t>
-            </a:r>
-          </a:p>
-          <a:p>
-            <a:r>
-              <a:rPr lang="pt-BR" sz="2800" b="1" dirty="0"/>
-              <a:t>Melhora a Tomada de Decisões</a:t>
-            </a:r>
-            <a:r>
-              <a:rPr lang="pt-BR" sz="2800" dirty="0"/>
-              <a:t>: Baseada em dados financeiros sólidos.</a:t>
-            </a:r>
-          </a:p>
-          <a:p>
-            <a:r>
-              <a:rPr lang="pt-BR" sz="2800" b="1" dirty="0"/>
-              <a:t>Aumenta a Eficiência Operacional: </a:t>
-            </a:r>
-            <a:r>
-              <a:rPr lang="pt-BR" sz="2800" dirty="0"/>
-              <a:t>Otimização de recursos.</a:t>
-            </a:r>
-          </a:p>
-          <a:p>
-            <a:r>
-              <a:rPr lang="pt-BR" sz="2800" b="1" dirty="0"/>
-              <a:t>Transparência e Confiança: </a:t>
-            </a:r>
-            <a:r>
-              <a:rPr lang="pt-BR" sz="2800" dirty="0"/>
-              <a:t>Informações claras para construir confiança.</a:t>
-            </a:r>
-          </a:p>
-        </p:txBody>
-      </p:sp>
-      <p:pic>
-        <p:nvPicPr>
-          <p:cNvPr id="17" name="Imagem 16" descr="Imagem em preto e branco&#10;&#10;Descrição gerada automaticamente">
-            <a:extLst>
-              <a:ext uri="{FF2B5EF4-FFF2-40B4-BE49-F238E27FC236}">
-                <a16:creationId xmlns:a16="http://schemas.microsoft.com/office/drawing/2014/main" id="{D461E947-4422-74D6-D205-4F3EBD94A37D}"/>
-              </a:ext>
-            </a:extLst>
-          </p:cNvPr>
-          <p:cNvPicPr>
-            <a:picLocks noChangeAspect="1"/>
-          </p:cNvPicPr>
-          <p:nvPr/>
-        </p:nvPicPr>
-        <p:blipFill>
-          <a:blip r:embed="rId2">
-            <a:extLst>
-              <a:ext uri="{28A0092B-C50C-407E-A947-70E740481C1C}">
-                <a14:useLocalDpi xmlns:a14="http://schemas.microsoft.com/office/drawing/2010/main" val="0"/>
-              </a:ext>
-            </a:extLst>
-          </a:blip>
-          <a:stretch>
-            <a:fillRect/>
-          </a:stretch>
-        </p:blipFill>
-        <p:spPr>
-          <a:xfrm flipH="1">
-            <a:off x="6387656" y="761988"/>
-            <a:ext cx="6096012" cy="6096012"/>
-          </a:xfrm>
-          <a:prstGeom prst="rect">
-            <a:avLst/>
-          </a:prstGeom>
-        </p:spPr>
-      </p:pic>
-    </p:spTree>
-    <p:extLst>
-      <p:ext uri="{BB962C8B-B14F-4D97-AF65-F5344CB8AC3E}">
-        <p14:creationId xmlns:p14="http://schemas.microsoft.com/office/powerpoint/2010/main" val="1241260271"/>
-      </p:ext>
-    </p:extLst>
-  </p:cSld>
-  <p:clrMapOvr>
-    <a:masterClrMapping/>
-  </p:clrMapOvr>
-  <mc:AlternateContent xmlns:mc="http://schemas.openxmlformats.org/markup-compatibility/2006">
-    <mc:Choice xmlns:p159="http://schemas.microsoft.com/office/powerpoint/2015/09/main" Requires="p159">
-      <p:transition xmlns:p14="http://schemas.microsoft.com/office/powerpoint/2010/main" spd="slow" p14:dur="2000">
-        <p159:morph option="byObject"/>
-      </p:transition>
-    </mc:Choice>
-    <mc:Fallback>
-      <p:transition spd="slow">
-        <p:fade/>
-      </p:transition>
-    </mc:Fallback>
-  </mc:AlternateContent>
-</p:sld>
-</file>
-
-<file path=ppt/slides/slide2.xml><?xml version="1.0" encoding="utf-8"?>
-<p:sld xmlns:a="http://schemas.openxmlformats.org/drawingml/2006/main" xmlns:r="http://schemas.openxmlformats.org/officeDocument/2006/relationships" xmlns:p="http://schemas.openxmlformats.org/presentationml/2006/main">
-  <p:cSld>
-    <p:spTree>
-      <p:nvGrpSpPr>
-        <p:cNvPr id="1" name=""/>
-        <p:cNvGrpSpPr/>
-        <p:nvPr/>
-      </p:nvGrpSpPr>
-      <p:grpSpPr>
-        <a:xfrm>
-          <a:off x="0" y="0"/>
-          <a:ext cx="0" cy="0"/>
-          <a:chOff x="0" y="0"/>
-          <a:chExt cx="0" cy="0"/>
-        </a:xfrm>
-      </p:grpSpPr>
-      <p:sp>
-        <p:nvSpPr>
-          <p:cNvPr id="2" name="Título 1">
-            <a:extLst>
-              <a:ext uri="{FF2B5EF4-FFF2-40B4-BE49-F238E27FC236}">
-                <a16:creationId xmlns:a16="http://schemas.microsoft.com/office/drawing/2014/main" id="{9607353C-C075-7C4B-E676-445D5D3CDB69}"/>
-              </a:ext>
-            </a:extLst>
-          </p:cNvPr>
-          <p:cNvSpPr>
-            <a:spLocks noGrp="1"/>
-          </p:cNvSpPr>
-          <p:nvPr>
-            <p:ph type="title"/>
-          </p:nvPr>
-        </p:nvSpPr>
-        <p:spPr/>
-        <p:txBody>
-          <a:bodyPr/>
-          <a:lstStyle/>
-          <a:p>
-            <a:r>
-              <a:rPr lang="pt-BR" dirty="0"/>
-              <a:t>Importância da Gestão dos Custos</a:t>
-            </a:r>
-          </a:p>
-        </p:txBody>
-      </p:sp>
-      <p:sp>
-        <p:nvSpPr>
-          <p:cNvPr id="3" name="Espaço Reservado para Conteúdo 2">
-            <a:extLst>
-              <a:ext uri="{FF2B5EF4-FFF2-40B4-BE49-F238E27FC236}">
-                <a16:creationId xmlns:a16="http://schemas.microsoft.com/office/drawing/2014/main" id="{A09C5080-19D3-AFCA-7497-9F20105D27B2}"/>
-              </a:ext>
-            </a:extLst>
-          </p:cNvPr>
-          <p:cNvSpPr>
-            <a:spLocks noGrp="1"/>
-          </p:cNvSpPr>
-          <p:nvPr>
-            <p:ph idx="1"/>
-          </p:nvPr>
-        </p:nvSpPr>
-        <p:spPr/>
-        <p:txBody>
-          <a:bodyPr>
-            <a:normAutofit/>
-          </a:bodyPr>
-          <a:lstStyle/>
-          <a:p>
-            <a:r>
-              <a:rPr lang="pt-BR" sz="2800" dirty="0"/>
-              <a:t>A gestão eficaz dos custos é vital para o sucesso do projeto, fornecendo controle financeiro ao longo do ciclo de vida. Explore os princípios fundamentais para uma gestão bem-sucedida.</a:t>
-            </a:r>
-          </a:p>
-        </p:txBody>
-      </p:sp>
-      <p:sp>
-        <p:nvSpPr>
-          <p:cNvPr id="4" name="Retângulo: Cantos Arredondados 3">
-            <a:extLst>
-              <a:ext uri="{FF2B5EF4-FFF2-40B4-BE49-F238E27FC236}">
-                <a16:creationId xmlns:a16="http://schemas.microsoft.com/office/drawing/2014/main" id="{3A577C52-44B1-74C3-D8C3-959BBE7AC186}"/>
-              </a:ext>
-            </a:extLst>
-          </p:cNvPr>
-          <p:cNvSpPr/>
-          <p:nvPr/>
-        </p:nvSpPr>
-        <p:spPr>
-          <a:xfrm flipH="1">
-            <a:off x="-4880728" y="2413262"/>
-            <a:ext cx="3026004" cy="4204354"/>
+            <a:off x="1202291" y="1756228"/>
+            <a:ext cx="3064909" cy="4876800"/>
           </a:xfrm>
           <a:prstGeom prst="roundRect">
             <a:avLst>
-              <a:gd name="adj" fmla="val 2337"/>
+              <a:gd name="adj" fmla="val 4828"/>
             </a:avLst>
           </a:prstGeom>
           <a:solidFill>
@@ -5618,29 +6627,52 @@
           <a:p>
             <a:pPr algn="ctr"/>
             <a:r>
-              <a:rPr lang="pt-BR" b="1" dirty="0"/>
-              <a:t>Previsibilidade Financeira: </a:t>
-            </a:r>
-          </a:p>
-          <a:p>
-            <a:pPr algn="ctr"/>
-            <a:endParaRPr lang="pt-BR" b="1" dirty="0"/>
-          </a:p>
-          <a:p>
-            <a:pPr algn="ctr"/>
-            <a:r>
               <a:rPr lang="pt-BR" dirty="0"/>
-              <a:t>Antecipar e planejar despesas futuras.</a:t>
-            </a:r>
-          </a:p>
-        </p:txBody>
-      </p:sp>
-      <p:sp>
-        <p:nvSpPr>
-          <p:cNvPr id="6" name="Retângulo: Cantos Arredondados 5">
-            <a:extLst>
-              <a:ext uri="{FF2B5EF4-FFF2-40B4-BE49-F238E27FC236}">
-                <a16:creationId xmlns:a16="http://schemas.microsoft.com/office/drawing/2014/main" id="{C91757BE-1EE0-C7E5-E1FB-1DC4E8018234}"/>
+              <a:t>U</a:t>
+            </a:r>
+          </a:p>
+          <a:p>
+            <a:pPr algn="ctr"/>
+            <a:endParaRPr lang="pt-BR" dirty="0"/>
+          </a:p>
+          <a:p>
+            <a:pPr algn="ctr"/>
+            <a:endParaRPr lang="pt-BR" dirty="0"/>
+          </a:p>
+          <a:p>
+            <a:pPr algn="ctr"/>
+            <a:endParaRPr lang="pt-BR" dirty="0"/>
+          </a:p>
+          <a:p>
+            <a:pPr algn="ctr"/>
+            <a:endParaRPr lang="pt-BR" dirty="0"/>
+          </a:p>
+          <a:p>
+            <a:pPr algn="ctr"/>
+            <a:r>
+              <a:rPr lang="pt-BR" dirty="0"/>
+              <a:t>Utilização de ferramentas como a Matriz de Poder e Interesse para visualizar as relações de poder e interesse.</a:t>
+            </a:r>
+          </a:p>
+          <a:p>
+            <a:pPr algn="ctr"/>
+            <a:endParaRPr lang="pt-BR" dirty="0"/>
+          </a:p>
+          <a:p>
+            <a:pPr algn="ctr"/>
+            <a:r>
+              <a:rPr lang="pt-BR" dirty="0"/>
+              <a:t>Identificação das partes interessadas cruciais e compreensão de suas expectativas.</a:t>
+            </a:r>
+          </a:p>
+        </p:txBody>
+      </p:sp>
+      <p:sp>
+        <p:nvSpPr>
+          <p:cNvPr id="9" name="Forma Livre: Forma 8">
+            <a:extLst>
+              <a:ext uri="{FF2B5EF4-FFF2-40B4-BE49-F238E27FC236}">
+                <a16:creationId xmlns:a16="http://schemas.microsoft.com/office/drawing/2014/main" id="{CD74EFA7-2B5F-3B0C-F55C-367A28F8581F}"/>
               </a:ext>
             </a:extLst>
           </p:cNvPr>
@@ -5648,13 +6680,143 @@
           <p:nvPr/>
         </p:nvSpPr>
         <p:spPr>
-          <a:xfrm flipH="1">
-            <a:off x="4469876" y="7975862"/>
-            <a:ext cx="3026004" cy="4204354"/>
+          <a:xfrm>
+            <a:off x="1202290" y="1756228"/>
+            <a:ext cx="3064909" cy="1611086"/>
+          </a:xfrm>
+          <a:custGeom>
+            <a:avLst/>
+            <a:gdLst>
+              <a:gd name="connsiteX0" fmla="*/ 147974 w 3064909"/>
+              <a:gd name="connsiteY0" fmla="*/ 0 h 1611086"/>
+              <a:gd name="connsiteX1" fmla="*/ 2916935 w 3064909"/>
+              <a:gd name="connsiteY1" fmla="*/ 0 h 1611086"/>
+              <a:gd name="connsiteX2" fmla="*/ 3064909 w 3064909"/>
+              <a:gd name="connsiteY2" fmla="*/ 147974 h 1611086"/>
+              <a:gd name="connsiteX3" fmla="*/ 3064909 w 3064909"/>
+              <a:gd name="connsiteY3" fmla="*/ 1611086 h 1611086"/>
+              <a:gd name="connsiteX4" fmla="*/ 0 w 3064909"/>
+              <a:gd name="connsiteY4" fmla="*/ 1611086 h 1611086"/>
+              <a:gd name="connsiteX5" fmla="*/ 0 w 3064909"/>
+              <a:gd name="connsiteY5" fmla="*/ 147974 h 1611086"/>
+              <a:gd name="connsiteX6" fmla="*/ 147974 w 3064909"/>
+              <a:gd name="connsiteY6" fmla="*/ 0 h 1611086"/>
+            </a:gdLst>
+            <a:ahLst/>
+            <a:cxnLst>
+              <a:cxn ang="0">
+                <a:pos x="connsiteX0" y="connsiteY0"/>
+              </a:cxn>
+              <a:cxn ang="0">
+                <a:pos x="connsiteX1" y="connsiteY1"/>
+              </a:cxn>
+              <a:cxn ang="0">
+                <a:pos x="connsiteX2" y="connsiteY2"/>
+              </a:cxn>
+              <a:cxn ang="0">
+                <a:pos x="connsiteX3" y="connsiteY3"/>
+              </a:cxn>
+              <a:cxn ang="0">
+                <a:pos x="connsiteX4" y="connsiteY4"/>
+              </a:cxn>
+              <a:cxn ang="0">
+                <a:pos x="connsiteX5" y="connsiteY5"/>
+              </a:cxn>
+              <a:cxn ang="0">
+                <a:pos x="connsiteX6" y="connsiteY6"/>
+              </a:cxn>
+            </a:cxnLst>
+            <a:rect l="l" t="t" r="r" b="b"/>
+            <a:pathLst>
+              <a:path w="3064909" h="1611086">
+                <a:moveTo>
+                  <a:pt x="147974" y="0"/>
+                </a:moveTo>
+                <a:lnTo>
+                  <a:pt x="2916935" y="0"/>
+                </a:lnTo>
+                <a:cubicBezTo>
+                  <a:pt x="2998659" y="0"/>
+                  <a:pt x="3064909" y="66250"/>
+                  <a:pt x="3064909" y="147974"/>
+                </a:cubicBezTo>
+                <a:lnTo>
+                  <a:pt x="3064909" y="1611086"/>
+                </a:lnTo>
+                <a:lnTo>
+                  <a:pt x="0" y="1611086"/>
+                </a:lnTo>
+                <a:lnTo>
+                  <a:pt x="0" y="147974"/>
+                </a:lnTo>
+                <a:cubicBezTo>
+                  <a:pt x="0" y="66250"/>
+                  <a:pt x="66250" y="0"/>
+                  <a:pt x="147974" y="0"/>
+                </a:cubicBezTo>
+                <a:close/>
+              </a:path>
+            </a:pathLst>
+          </a:custGeom>
+          <a:solidFill>
+            <a:schemeClr val="accent5">
+              <a:lumMod val="75000"/>
+            </a:schemeClr>
+          </a:solidFill>
+          <a:ln>
+            <a:noFill/>
+          </a:ln>
+        </p:spPr>
+        <p:style>
+          <a:lnRef idx="2">
+            <a:schemeClr val="accent1">
+              <a:shade val="15000"/>
+            </a:schemeClr>
+          </a:lnRef>
+          <a:fillRef idx="1">
+            <a:schemeClr val="accent1"/>
+          </a:fillRef>
+          <a:effectRef idx="0">
+            <a:schemeClr val="accent1"/>
+          </a:effectRef>
+          <a:fontRef idx="minor">
+            <a:schemeClr val="lt1"/>
+          </a:fontRef>
+        </p:style>
+        <p:txBody>
+          <a:bodyPr wrap="square" rtlCol="0" anchor="ctr">
+            <a:noAutofit/>
+          </a:bodyPr>
+          <a:lstStyle/>
+          <a:p>
+            <a:pPr algn="ctr"/>
+            <a:r>
+              <a:rPr lang="pt-BR" sz="2400" b="1" dirty="0"/>
+              <a:t>Identificação e Mapeamento:</a:t>
+            </a:r>
+          </a:p>
+        </p:txBody>
+      </p:sp>
+      <p:sp>
+        <p:nvSpPr>
+          <p:cNvPr id="14" name="Retângulo: Cantos Arredondados 13">
+            <a:extLst>
+              <a:ext uri="{FF2B5EF4-FFF2-40B4-BE49-F238E27FC236}">
+                <a16:creationId xmlns:a16="http://schemas.microsoft.com/office/drawing/2014/main" id="{81555D83-26D6-C924-06A1-B6ED59577AB6}"/>
+              </a:ext>
+            </a:extLst>
+          </p:cNvPr>
+          <p:cNvSpPr/>
+          <p:nvPr/>
+        </p:nvSpPr>
+        <p:spPr>
+          <a:xfrm>
+            <a:off x="4489776" y="1756228"/>
+            <a:ext cx="3064909" cy="4876800"/>
           </a:xfrm>
           <a:prstGeom prst="roundRect">
             <a:avLst>
-              <a:gd name="adj" fmla="val 2337"/>
+              <a:gd name="adj" fmla="val 4828"/>
             </a:avLst>
           </a:prstGeom>
           <a:solidFill>
@@ -5686,29 +6848,56 @@
           <a:p>
             <a:pPr algn="ctr"/>
             <a:r>
-              <a:rPr lang="pt-BR" b="1" dirty="0"/>
-              <a:t>Tomada de Decisões Informada: </a:t>
-            </a:r>
-          </a:p>
-          <a:p>
-            <a:pPr algn="ctr"/>
-            <a:endParaRPr lang="pt-BR" b="1" dirty="0"/>
-          </a:p>
-          <a:p>
-            <a:pPr algn="ctr"/>
-            <a:r>
               <a:rPr lang="pt-BR" dirty="0"/>
-              <a:t>Escolhas embasadas em análises financeiras sólidas.</a:t>
-            </a:r>
-          </a:p>
-        </p:txBody>
-      </p:sp>
-      <p:sp>
-        <p:nvSpPr>
-          <p:cNvPr id="7" name="Retângulo: Cantos Arredondados 6">
-            <a:extLst>
-              <a:ext uri="{FF2B5EF4-FFF2-40B4-BE49-F238E27FC236}">
-                <a16:creationId xmlns:a16="http://schemas.microsoft.com/office/drawing/2014/main" id="{D11F2954-9EA4-4BD0-E7B6-A36702FF6C4B}"/>
+              <a:t>U</a:t>
+            </a:r>
+          </a:p>
+          <a:p>
+            <a:pPr algn="ctr"/>
+            <a:endParaRPr lang="pt-BR" dirty="0"/>
+          </a:p>
+          <a:p>
+            <a:pPr algn="ctr"/>
+            <a:endParaRPr lang="pt-BR" dirty="0"/>
+          </a:p>
+          <a:p>
+            <a:pPr algn="ctr"/>
+            <a:endParaRPr lang="pt-BR" dirty="0"/>
+          </a:p>
+          <a:p>
+            <a:pPr algn="ctr"/>
+            <a:endParaRPr lang="pt-BR" dirty="0"/>
+          </a:p>
+          <a:p>
+            <a:pPr algn="ctr"/>
+            <a:endParaRPr lang="pt-BR" dirty="0"/>
+          </a:p>
+          <a:p>
+            <a:pPr algn="ctr"/>
+            <a:r>
+              <a:rPr lang="pt-BR" dirty="0"/>
+              <a:t>Adaptação das abordagens com base em uma análise aprofundada das dinâmicas de poder e influência.</a:t>
+            </a:r>
+          </a:p>
+          <a:p>
+            <a:pPr algn="ctr"/>
+            <a:endParaRPr lang="pt-BR" dirty="0"/>
+          </a:p>
+          <a:p>
+            <a:pPr algn="ctr"/>
+            <a:r>
+              <a:rPr lang="pt-BR" dirty="0"/>
+              <a:t>Reconhecimento da singularidade de cada parte interessada e ajuste das estratégias de engajamento.</a:t>
+            </a:r>
+          </a:p>
+        </p:txBody>
+      </p:sp>
+      <p:sp>
+        <p:nvSpPr>
+          <p:cNvPr id="15" name="Forma Livre: Forma 14">
+            <a:extLst>
+              <a:ext uri="{FF2B5EF4-FFF2-40B4-BE49-F238E27FC236}">
+                <a16:creationId xmlns:a16="http://schemas.microsoft.com/office/drawing/2014/main" id="{D9D3CC17-4C19-1BB9-23F8-0BC7C41BE4A5}"/>
               </a:ext>
             </a:extLst>
           </p:cNvPr>
@@ -5716,13 +6905,143 @@
           <p:nvPr/>
         </p:nvSpPr>
         <p:spPr>
-          <a:xfrm flipH="1">
-            <a:off x="14129233" y="2413262"/>
-            <a:ext cx="3026004" cy="4204354"/>
+          <a:xfrm>
+            <a:off x="4489775" y="1756228"/>
+            <a:ext cx="3064909" cy="1611086"/>
+          </a:xfrm>
+          <a:custGeom>
+            <a:avLst/>
+            <a:gdLst>
+              <a:gd name="connsiteX0" fmla="*/ 147974 w 3064909"/>
+              <a:gd name="connsiteY0" fmla="*/ 0 h 1611086"/>
+              <a:gd name="connsiteX1" fmla="*/ 2916935 w 3064909"/>
+              <a:gd name="connsiteY1" fmla="*/ 0 h 1611086"/>
+              <a:gd name="connsiteX2" fmla="*/ 3064909 w 3064909"/>
+              <a:gd name="connsiteY2" fmla="*/ 147974 h 1611086"/>
+              <a:gd name="connsiteX3" fmla="*/ 3064909 w 3064909"/>
+              <a:gd name="connsiteY3" fmla="*/ 1611086 h 1611086"/>
+              <a:gd name="connsiteX4" fmla="*/ 0 w 3064909"/>
+              <a:gd name="connsiteY4" fmla="*/ 1611086 h 1611086"/>
+              <a:gd name="connsiteX5" fmla="*/ 0 w 3064909"/>
+              <a:gd name="connsiteY5" fmla="*/ 147974 h 1611086"/>
+              <a:gd name="connsiteX6" fmla="*/ 147974 w 3064909"/>
+              <a:gd name="connsiteY6" fmla="*/ 0 h 1611086"/>
+            </a:gdLst>
+            <a:ahLst/>
+            <a:cxnLst>
+              <a:cxn ang="0">
+                <a:pos x="connsiteX0" y="connsiteY0"/>
+              </a:cxn>
+              <a:cxn ang="0">
+                <a:pos x="connsiteX1" y="connsiteY1"/>
+              </a:cxn>
+              <a:cxn ang="0">
+                <a:pos x="connsiteX2" y="connsiteY2"/>
+              </a:cxn>
+              <a:cxn ang="0">
+                <a:pos x="connsiteX3" y="connsiteY3"/>
+              </a:cxn>
+              <a:cxn ang="0">
+                <a:pos x="connsiteX4" y="connsiteY4"/>
+              </a:cxn>
+              <a:cxn ang="0">
+                <a:pos x="connsiteX5" y="connsiteY5"/>
+              </a:cxn>
+              <a:cxn ang="0">
+                <a:pos x="connsiteX6" y="connsiteY6"/>
+              </a:cxn>
+            </a:cxnLst>
+            <a:rect l="l" t="t" r="r" b="b"/>
+            <a:pathLst>
+              <a:path w="3064909" h="1611086">
+                <a:moveTo>
+                  <a:pt x="147974" y="0"/>
+                </a:moveTo>
+                <a:lnTo>
+                  <a:pt x="2916935" y="0"/>
+                </a:lnTo>
+                <a:cubicBezTo>
+                  <a:pt x="2998659" y="0"/>
+                  <a:pt x="3064909" y="66250"/>
+                  <a:pt x="3064909" y="147974"/>
+                </a:cubicBezTo>
+                <a:lnTo>
+                  <a:pt x="3064909" y="1611086"/>
+                </a:lnTo>
+                <a:lnTo>
+                  <a:pt x="0" y="1611086"/>
+                </a:lnTo>
+                <a:lnTo>
+                  <a:pt x="0" y="147974"/>
+                </a:lnTo>
+                <a:cubicBezTo>
+                  <a:pt x="0" y="66250"/>
+                  <a:pt x="66250" y="0"/>
+                  <a:pt x="147974" y="0"/>
+                </a:cubicBezTo>
+                <a:close/>
+              </a:path>
+            </a:pathLst>
+          </a:custGeom>
+          <a:solidFill>
+            <a:schemeClr val="accent5">
+              <a:lumMod val="75000"/>
+            </a:schemeClr>
+          </a:solidFill>
+          <a:ln>
+            <a:noFill/>
+          </a:ln>
+        </p:spPr>
+        <p:style>
+          <a:lnRef idx="2">
+            <a:schemeClr val="accent1">
+              <a:shade val="15000"/>
+            </a:schemeClr>
+          </a:lnRef>
+          <a:fillRef idx="1">
+            <a:schemeClr val="accent1"/>
+          </a:fillRef>
+          <a:effectRef idx="0">
+            <a:schemeClr val="accent1"/>
+          </a:effectRef>
+          <a:fontRef idx="minor">
+            <a:schemeClr val="lt1"/>
+          </a:fontRef>
+        </p:style>
+        <p:txBody>
+          <a:bodyPr wrap="square" rtlCol="0" anchor="ctr">
+            <a:noAutofit/>
+          </a:bodyPr>
+          <a:lstStyle/>
+          <a:p>
+            <a:pPr algn="ctr"/>
+            <a:r>
+              <a:rPr lang="pt-BR" sz="2400" b="1" dirty="0"/>
+              <a:t>Estratégias Personalizadas:</a:t>
+            </a:r>
+          </a:p>
+        </p:txBody>
+      </p:sp>
+      <p:sp>
+        <p:nvSpPr>
+          <p:cNvPr id="16" name="Retângulo: Cantos Arredondados 15">
+            <a:extLst>
+              <a:ext uri="{FF2B5EF4-FFF2-40B4-BE49-F238E27FC236}">
+                <a16:creationId xmlns:a16="http://schemas.microsoft.com/office/drawing/2014/main" id="{C5B8BB40-CA28-23A1-9383-FBF6732F0C53}"/>
+              </a:ext>
+            </a:extLst>
+          </p:cNvPr>
+          <p:cNvSpPr/>
+          <p:nvPr/>
+        </p:nvSpPr>
+        <p:spPr>
+          <a:xfrm>
+            <a:off x="7777260" y="1756228"/>
+            <a:ext cx="3064909" cy="4876800"/>
           </a:xfrm>
           <a:prstGeom prst="roundRect">
             <a:avLst>
-              <a:gd name="adj" fmla="val 2337"/>
+              <a:gd name="adj" fmla="val 4828"/>
             </a:avLst>
           </a:prstGeom>
           <a:solidFill>
@@ -5754,87 +7073,52 @@
           <a:p>
             <a:pPr algn="ctr"/>
             <a:r>
-              <a:rPr lang="pt-BR" b="1" dirty="0"/>
-              <a:t>Avaliação do Desempenho:</a:t>
-            </a:r>
-          </a:p>
-          <a:p>
-            <a:pPr algn="ctr"/>
-            <a:endParaRPr lang="pt-BR" b="1" dirty="0"/>
-          </a:p>
-          <a:p>
-            <a:pPr algn="ctr"/>
-            <a:r>
               <a:rPr lang="pt-BR" dirty="0"/>
-              <a:t>Comparação de custos reais com o orçamento previsto.</a:t>
-            </a:r>
-          </a:p>
-        </p:txBody>
-      </p:sp>
-    </p:spTree>
-    <p:extLst>
-      <p:ext uri="{BB962C8B-B14F-4D97-AF65-F5344CB8AC3E}">
-        <p14:creationId xmlns:p14="http://schemas.microsoft.com/office/powerpoint/2010/main" val="4052494519"/>
-      </p:ext>
-    </p:extLst>
-  </p:cSld>
-  <p:clrMapOvr>
-    <a:masterClrMapping/>
-  </p:clrMapOvr>
-</p:sld>
-</file>
-
-<file path=ppt/slides/slide3.xml><?xml version="1.0" encoding="utf-8"?>
-<p:sld xmlns:a="http://schemas.openxmlformats.org/drawingml/2006/main" xmlns:r="http://schemas.openxmlformats.org/officeDocument/2006/relationships" xmlns:p="http://schemas.openxmlformats.org/presentationml/2006/main">
-  <p:cSld>
-    <p:spTree>
-      <p:nvGrpSpPr>
-        <p:cNvPr id="1" name=""/>
-        <p:cNvGrpSpPr/>
-        <p:nvPr/>
-      </p:nvGrpSpPr>
-      <p:grpSpPr>
-        <a:xfrm>
-          <a:off x="0" y="0"/>
-          <a:ext cx="0" cy="0"/>
-          <a:chOff x="0" y="0"/>
-          <a:chExt cx="0" cy="0"/>
-        </a:xfrm>
-      </p:grpSpPr>
-      <p:sp>
-        <p:nvSpPr>
-          <p:cNvPr id="2" name="Título 1">
-            <a:extLst>
-              <a:ext uri="{FF2B5EF4-FFF2-40B4-BE49-F238E27FC236}">
-                <a16:creationId xmlns:a16="http://schemas.microsoft.com/office/drawing/2014/main" id="{9607353C-C075-7C4B-E676-445D5D3CDB69}"/>
-              </a:ext>
-            </a:extLst>
-          </p:cNvPr>
-          <p:cNvSpPr>
-            <a:spLocks noGrp="1"/>
-          </p:cNvSpPr>
-          <p:nvPr>
-            <p:ph type="title"/>
-          </p:nvPr>
-        </p:nvSpPr>
-        <p:spPr/>
-        <p:txBody>
-          <a:bodyPr/>
-          <a:lstStyle/>
-          <a:p>
+              <a:t>U</a:t>
+            </a:r>
+          </a:p>
+          <a:p>
+            <a:pPr algn="ctr"/>
+            <a:endParaRPr lang="pt-BR" dirty="0"/>
+          </a:p>
+          <a:p>
+            <a:pPr algn="ctr"/>
+            <a:endParaRPr lang="pt-BR" dirty="0"/>
+          </a:p>
+          <a:p>
+            <a:pPr algn="ctr"/>
+            <a:endParaRPr lang="pt-BR" dirty="0"/>
+          </a:p>
+          <a:p>
+            <a:pPr algn="ctr"/>
+            <a:endParaRPr lang="pt-BR" dirty="0"/>
+          </a:p>
+          <a:p>
+            <a:pPr algn="ctr"/>
             <a:r>
               <a:rPr lang="pt-BR" dirty="0"/>
-              <a:t>Por que a Gestão dos Custos é Importante?</a:t>
-            </a:r>
-          </a:p>
-        </p:txBody>
-      </p:sp>
-      <p:sp>
-        <p:nvSpPr>
-          <p:cNvPr id="6" name="Retângulo: Cantos Arredondados 5">
-            <a:extLst>
-              <a:ext uri="{FF2B5EF4-FFF2-40B4-BE49-F238E27FC236}">
-                <a16:creationId xmlns:a16="http://schemas.microsoft.com/office/drawing/2014/main" id="{34CC520B-A120-771C-F40F-5288CC380E45}"/>
+              <a:t>Ajuste constante das estratégias à medida que as mudanças ocorrem no ambiente do projeto.</a:t>
+            </a:r>
+          </a:p>
+          <a:p>
+            <a:pPr algn="ctr"/>
+            <a:endParaRPr lang="pt-BR" dirty="0"/>
+          </a:p>
+          <a:p>
+            <a:pPr algn="ctr"/>
+            <a:r>
+              <a:rPr lang="pt-BR" dirty="0"/>
+              <a:t>Vigilância das alterações nas dinâmicas para garantir a relevância contínua das estratégias adotadas.</a:t>
+            </a:r>
+          </a:p>
+        </p:txBody>
+      </p:sp>
+      <p:sp>
+        <p:nvSpPr>
+          <p:cNvPr id="17" name="Forma Livre: Forma 16">
+            <a:extLst>
+              <a:ext uri="{FF2B5EF4-FFF2-40B4-BE49-F238E27FC236}">
+                <a16:creationId xmlns:a16="http://schemas.microsoft.com/office/drawing/2014/main" id="{EF8A1ADD-FDA9-4FAA-D4A7-66567C8C49AD}"/>
               </a:ext>
             </a:extLst>
           </p:cNvPr>
@@ -5843,16 +7127,87 @@
         </p:nvSpPr>
         <p:spPr>
           <a:xfrm>
-            <a:off x="1291472" y="2413262"/>
-            <a:ext cx="3026004" cy="4204354"/>
+            <a:off x="7777259" y="1756228"/>
+            <a:ext cx="3064909" cy="1611086"/>
           </a:xfrm>
-          <a:prstGeom prst="roundRect">
-            <a:avLst>
-              <a:gd name="adj" fmla="val 2337"/>
-            </a:avLst>
-          </a:prstGeom>
+          <a:custGeom>
+            <a:avLst/>
+            <a:gdLst>
+              <a:gd name="connsiteX0" fmla="*/ 147974 w 3064909"/>
+              <a:gd name="connsiteY0" fmla="*/ 0 h 1611086"/>
+              <a:gd name="connsiteX1" fmla="*/ 2916935 w 3064909"/>
+              <a:gd name="connsiteY1" fmla="*/ 0 h 1611086"/>
+              <a:gd name="connsiteX2" fmla="*/ 3064909 w 3064909"/>
+              <a:gd name="connsiteY2" fmla="*/ 147974 h 1611086"/>
+              <a:gd name="connsiteX3" fmla="*/ 3064909 w 3064909"/>
+              <a:gd name="connsiteY3" fmla="*/ 1611086 h 1611086"/>
+              <a:gd name="connsiteX4" fmla="*/ 0 w 3064909"/>
+              <a:gd name="connsiteY4" fmla="*/ 1611086 h 1611086"/>
+              <a:gd name="connsiteX5" fmla="*/ 0 w 3064909"/>
+              <a:gd name="connsiteY5" fmla="*/ 147974 h 1611086"/>
+              <a:gd name="connsiteX6" fmla="*/ 147974 w 3064909"/>
+              <a:gd name="connsiteY6" fmla="*/ 0 h 1611086"/>
+            </a:gdLst>
+            <a:ahLst/>
+            <a:cxnLst>
+              <a:cxn ang="0">
+                <a:pos x="connsiteX0" y="connsiteY0"/>
+              </a:cxn>
+              <a:cxn ang="0">
+                <a:pos x="connsiteX1" y="connsiteY1"/>
+              </a:cxn>
+              <a:cxn ang="0">
+                <a:pos x="connsiteX2" y="connsiteY2"/>
+              </a:cxn>
+              <a:cxn ang="0">
+                <a:pos x="connsiteX3" y="connsiteY3"/>
+              </a:cxn>
+              <a:cxn ang="0">
+                <a:pos x="connsiteX4" y="connsiteY4"/>
+              </a:cxn>
+              <a:cxn ang="0">
+                <a:pos x="connsiteX5" y="connsiteY5"/>
+              </a:cxn>
+              <a:cxn ang="0">
+                <a:pos x="connsiteX6" y="connsiteY6"/>
+              </a:cxn>
+            </a:cxnLst>
+            <a:rect l="l" t="t" r="r" b="b"/>
+            <a:pathLst>
+              <a:path w="3064909" h="1611086">
+                <a:moveTo>
+                  <a:pt x="147974" y="0"/>
+                </a:moveTo>
+                <a:lnTo>
+                  <a:pt x="2916935" y="0"/>
+                </a:lnTo>
+                <a:cubicBezTo>
+                  <a:pt x="2998659" y="0"/>
+                  <a:pt x="3064909" y="66250"/>
+                  <a:pt x="3064909" y="147974"/>
+                </a:cubicBezTo>
+                <a:lnTo>
+                  <a:pt x="3064909" y="1611086"/>
+                </a:lnTo>
+                <a:lnTo>
+                  <a:pt x="0" y="1611086"/>
+                </a:lnTo>
+                <a:lnTo>
+                  <a:pt x="0" y="147974"/>
+                </a:lnTo>
+                <a:cubicBezTo>
+                  <a:pt x="0" y="66250"/>
+                  <a:pt x="66250" y="0"/>
+                  <a:pt x="147974" y="0"/>
+                </a:cubicBezTo>
+                <a:close/>
+              </a:path>
+            </a:pathLst>
+          </a:custGeom>
           <a:solidFill>
-            <a:schemeClr val="accent5"/>
+            <a:schemeClr val="accent5">
+              <a:lumMod val="75000"/>
+            </a:schemeClr>
           </a:solidFill>
           <a:ln>
             <a:noFill/>
@@ -5875,160 +7230,15 @@
           </a:fontRef>
         </p:style>
         <p:txBody>
-          <a:bodyPr rtlCol="0" anchor="ctr"/>
-          <a:lstStyle/>
-          <a:p>
-            <a:pPr algn="ctr"/>
-            <a:r>
-              <a:rPr lang="pt-BR" b="1" dirty="0"/>
-              <a:t>Previsibilidade Financeira: </a:t>
-            </a:r>
-          </a:p>
-          <a:p>
-            <a:pPr algn="ctr"/>
-            <a:endParaRPr lang="pt-BR" b="1" dirty="0"/>
-          </a:p>
-          <a:p>
-            <a:pPr algn="ctr"/>
-            <a:r>
-              <a:rPr lang="pt-BR" dirty="0"/>
-              <a:t>Antecipar e planejar despesas futuras.</a:t>
-            </a:r>
-          </a:p>
-        </p:txBody>
-      </p:sp>
-      <p:sp>
-        <p:nvSpPr>
-          <p:cNvPr id="7" name="Retângulo: Cantos Arredondados 6">
-            <a:extLst>
-              <a:ext uri="{FF2B5EF4-FFF2-40B4-BE49-F238E27FC236}">
-                <a16:creationId xmlns:a16="http://schemas.microsoft.com/office/drawing/2014/main" id="{CC69AB0B-257D-3B7F-2F5C-D9D5662092A0}"/>
-              </a:ext>
-            </a:extLst>
-          </p:cNvPr>
-          <p:cNvSpPr/>
-          <p:nvPr/>
-        </p:nvSpPr>
-        <p:spPr>
-          <a:xfrm>
-            <a:off x="4469876" y="2413262"/>
-            <a:ext cx="3026004" cy="4204354"/>
-          </a:xfrm>
-          <a:prstGeom prst="roundRect">
-            <a:avLst>
-              <a:gd name="adj" fmla="val 2337"/>
-            </a:avLst>
-          </a:prstGeom>
-          <a:solidFill>
-            <a:schemeClr val="accent5"/>
-          </a:solidFill>
-          <a:ln>
-            <a:noFill/>
-          </a:ln>
-        </p:spPr>
-        <p:style>
-          <a:lnRef idx="2">
-            <a:schemeClr val="accent1">
-              <a:shade val="15000"/>
-            </a:schemeClr>
-          </a:lnRef>
-          <a:fillRef idx="1">
-            <a:schemeClr val="accent1"/>
-          </a:fillRef>
-          <a:effectRef idx="0">
-            <a:schemeClr val="accent1"/>
-          </a:effectRef>
-          <a:fontRef idx="minor">
-            <a:schemeClr val="lt1"/>
-          </a:fontRef>
-        </p:style>
-        <p:txBody>
-          <a:bodyPr rtlCol="0" anchor="ctr"/>
-          <a:lstStyle/>
-          <a:p>
-            <a:pPr algn="ctr"/>
-            <a:r>
-              <a:rPr lang="pt-BR" b="1" dirty="0"/>
-              <a:t>Tomada de Decisões Informada: </a:t>
-            </a:r>
-          </a:p>
-          <a:p>
-            <a:pPr algn="ctr"/>
-            <a:endParaRPr lang="pt-BR" b="1" dirty="0"/>
-          </a:p>
-          <a:p>
-            <a:pPr algn="ctr"/>
-            <a:r>
-              <a:rPr lang="pt-BR" dirty="0"/>
-              <a:t>Escolhas embasadas em análises financeiras sólidas.</a:t>
-            </a:r>
-          </a:p>
-        </p:txBody>
-      </p:sp>
-      <p:sp>
-        <p:nvSpPr>
-          <p:cNvPr id="8" name="Retângulo: Cantos Arredondados 7">
-            <a:extLst>
-              <a:ext uri="{FF2B5EF4-FFF2-40B4-BE49-F238E27FC236}">
-                <a16:creationId xmlns:a16="http://schemas.microsoft.com/office/drawing/2014/main" id="{E2D71AEF-387B-7B92-710E-2C055C1A4363}"/>
-              </a:ext>
-            </a:extLst>
-          </p:cNvPr>
-          <p:cNvSpPr/>
-          <p:nvPr/>
-        </p:nvSpPr>
-        <p:spPr>
-          <a:xfrm>
-            <a:off x="7648280" y="2413262"/>
-            <a:ext cx="3026004" cy="4204354"/>
-          </a:xfrm>
-          <a:prstGeom prst="roundRect">
-            <a:avLst>
-              <a:gd name="adj" fmla="val 2337"/>
-            </a:avLst>
-          </a:prstGeom>
-          <a:solidFill>
-            <a:schemeClr val="accent5"/>
-          </a:solidFill>
-          <a:ln>
-            <a:noFill/>
-          </a:ln>
-        </p:spPr>
-        <p:style>
-          <a:lnRef idx="2">
-            <a:schemeClr val="accent1">
-              <a:shade val="15000"/>
-            </a:schemeClr>
-          </a:lnRef>
-          <a:fillRef idx="1">
-            <a:schemeClr val="accent1"/>
-          </a:fillRef>
-          <a:effectRef idx="0">
-            <a:schemeClr val="accent1"/>
-          </a:effectRef>
-          <a:fontRef idx="minor">
-            <a:schemeClr val="lt1"/>
-          </a:fontRef>
-        </p:style>
-        <p:txBody>
-          <a:bodyPr rtlCol="0" anchor="ctr"/>
-          <a:lstStyle/>
-          <a:p>
-            <a:pPr algn="ctr"/>
-            <a:r>
-              <a:rPr lang="pt-BR" b="1" dirty="0"/>
-              <a:t>Avaliação do Desempenho:</a:t>
-            </a:r>
-          </a:p>
-          <a:p>
-            <a:pPr algn="ctr"/>
-            <a:endParaRPr lang="pt-BR" b="1" dirty="0"/>
-          </a:p>
-          <a:p>
-            <a:pPr algn="ctr"/>
-            <a:r>
-              <a:rPr lang="pt-BR" dirty="0"/>
-              <a:t>Comparação de custos reais com o orçamento previsto.</a:t>
+          <a:bodyPr wrap="square" rtlCol="0" anchor="ctr">
+            <a:noAutofit/>
+          </a:bodyPr>
+          <a:lstStyle/>
+          <a:p>
+            <a:pPr algn="ctr"/>
+            <a:r>
+              <a:rPr lang="pt-BR" sz="2400" b="1" dirty="0"/>
+              <a:t>Monitoramento Contínuo:</a:t>
             </a:r>
           </a:p>
         </p:txBody>
@@ -6036,1175 +7246,20 @@
     </p:spTree>
     <p:extLst>
       <p:ext uri="{BB962C8B-B14F-4D97-AF65-F5344CB8AC3E}">
-        <p14:creationId xmlns:p14="http://schemas.microsoft.com/office/powerpoint/2010/main" val="1357384633"/>
+        <p14:creationId xmlns:p14="http://schemas.microsoft.com/office/powerpoint/2010/main" val="501124354"/>
       </p:ext>
     </p:extLst>
   </p:cSld>
   <p:clrMapOvr>
     <a:masterClrMapping/>
   </p:clrMapOvr>
-  <mc:AlternateContent xmlns:mc="http://schemas.openxmlformats.org/markup-compatibility/2006">
-    <mc:Choice xmlns:p159="http://schemas.microsoft.com/office/powerpoint/2015/09/main" Requires="p159">
+  <mc:AlternateContent xmlns:mc="http://schemas.openxmlformats.org/markup-compatibility/2006" xmlns:p159="http://schemas.microsoft.com/office/powerpoint/2015/09/main">
+    <mc:Choice Requires="p159">
       <p:transition xmlns:p14="http://schemas.microsoft.com/office/powerpoint/2010/main" spd="slow" p14:dur="2000">
         <p159:morph option="byObject"/>
       </p:transition>
     </mc:Choice>
-    <mc:Fallback>
-      <p:transition spd="slow">
-        <p:fade/>
-      </p:transition>
-    </mc:Fallback>
-  </mc:AlternateContent>
-</p:sld>
-</file>
-
-<file path=ppt/slides/slide4.xml><?xml version="1.0" encoding="utf-8"?>
-<p:sld xmlns:a="http://schemas.openxmlformats.org/drawingml/2006/main" xmlns:r="http://schemas.openxmlformats.org/officeDocument/2006/relationships" xmlns:p="http://schemas.openxmlformats.org/presentationml/2006/main">
-  <p:cSld>
-    <p:spTree>
-      <p:nvGrpSpPr>
-        <p:cNvPr id="1" name=""/>
-        <p:cNvGrpSpPr/>
-        <p:nvPr/>
-      </p:nvGrpSpPr>
-      <p:grpSpPr>
-        <a:xfrm>
-          <a:off x="0" y="0"/>
-          <a:ext cx="0" cy="0"/>
-          <a:chOff x="0" y="0"/>
-          <a:chExt cx="0" cy="0"/>
-        </a:xfrm>
-      </p:grpSpPr>
-      <p:sp>
-        <p:nvSpPr>
-          <p:cNvPr id="2" name="Título 1">
-            <a:extLst>
-              <a:ext uri="{FF2B5EF4-FFF2-40B4-BE49-F238E27FC236}">
-                <a16:creationId xmlns:a16="http://schemas.microsoft.com/office/drawing/2014/main" id="{9607353C-C075-7C4B-E676-445D5D3CDB69}"/>
-              </a:ext>
-            </a:extLst>
-          </p:cNvPr>
-          <p:cNvSpPr>
-            <a:spLocks noGrp="1"/>
-          </p:cNvSpPr>
-          <p:nvPr>
-            <p:ph type="title"/>
-          </p:nvPr>
-        </p:nvSpPr>
-        <p:spPr/>
-        <p:txBody>
-          <a:bodyPr/>
-          <a:lstStyle/>
-          <a:p>
-            <a:r>
-              <a:rPr lang="pt-BR" dirty="0"/>
-              <a:t>Componentes Essenciais</a:t>
-            </a:r>
-          </a:p>
-        </p:txBody>
-      </p:sp>
-      <p:sp>
-        <p:nvSpPr>
-          <p:cNvPr id="6" name="Retângulo: Cantos Arredondados 5">
-            <a:extLst>
-              <a:ext uri="{FF2B5EF4-FFF2-40B4-BE49-F238E27FC236}">
-                <a16:creationId xmlns:a16="http://schemas.microsoft.com/office/drawing/2014/main" id="{34CC520B-A120-771C-F40F-5288CC380E45}"/>
-              </a:ext>
-            </a:extLst>
-          </p:cNvPr>
-          <p:cNvSpPr/>
-          <p:nvPr/>
-        </p:nvSpPr>
-        <p:spPr>
-          <a:xfrm>
-            <a:off x="-4430902" y="2413262"/>
-            <a:ext cx="3026004" cy="4204354"/>
-          </a:xfrm>
-          <a:prstGeom prst="roundRect">
-            <a:avLst>
-              <a:gd name="adj" fmla="val 2337"/>
-            </a:avLst>
-          </a:prstGeom>
-          <a:solidFill>
-            <a:schemeClr val="accent5"/>
-          </a:solidFill>
-          <a:ln>
-            <a:noFill/>
-          </a:ln>
-        </p:spPr>
-        <p:style>
-          <a:lnRef idx="2">
-            <a:schemeClr val="accent1">
-              <a:shade val="15000"/>
-            </a:schemeClr>
-          </a:lnRef>
-          <a:fillRef idx="1">
-            <a:schemeClr val="accent1"/>
-          </a:fillRef>
-          <a:effectRef idx="0">
-            <a:schemeClr val="accent1"/>
-          </a:effectRef>
-          <a:fontRef idx="minor">
-            <a:schemeClr val="lt1"/>
-          </a:fontRef>
-        </p:style>
-        <p:txBody>
-          <a:bodyPr rtlCol="0" anchor="ctr"/>
-          <a:lstStyle/>
-          <a:p>
-            <a:pPr algn="ctr"/>
-            <a:r>
-              <a:rPr lang="pt-BR" b="1" dirty="0"/>
-              <a:t>Previsibilidade Financeira: </a:t>
-            </a:r>
-          </a:p>
-          <a:p>
-            <a:pPr algn="ctr"/>
-            <a:endParaRPr lang="pt-BR" b="1" dirty="0"/>
-          </a:p>
-          <a:p>
-            <a:pPr algn="ctr"/>
-            <a:r>
-              <a:rPr lang="pt-BR" dirty="0"/>
-              <a:t>Antecipar e planejar despesas futuras.</a:t>
-            </a:r>
-          </a:p>
-        </p:txBody>
-      </p:sp>
-      <p:sp>
-        <p:nvSpPr>
-          <p:cNvPr id="7" name="Retângulo: Cantos Arredondados 6">
-            <a:extLst>
-              <a:ext uri="{FF2B5EF4-FFF2-40B4-BE49-F238E27FC236}">
-                <a16:creationId xmlns:a16="http://schemas.microsoft.com/office/drawing/2014/main" id="{CC69AB0B-257D-3B7F-2F5C-D9D5662092A0}"/>
-              </a:ext>
-            </a:extLst>
-          </p:cNvPr>
-          <p:cNvSpPr/>
-          <p:nvPr/>
-        </p:nvSpPr>
-        <p:spPr>
-          <a:xfrm>
-            <a:off x="4469876" y="7752178"/>
-            <a:ext cx="3026004" cy="4204354"/>
-          </a:xfrm>
-          <a:prstGeom prst="roundRect">
-            <a:avLst>
-              <a:gd name="adj" fmla="val 2337"/>
-            </a:avLst>
-          </a:prstGeom>
-          <a:solidFill>
-            <a:schemeClr val="accent5"/>
-          </a:solidFill>
-          <a:ln>
-            <a:noFill/>
-          </a:ln>
-        </p:spPr>
-        <p:style>
-          <a:lnRef idx="2">
-            <a:schemeClr val="accent1">
-              <a:shade val="15000"/>
-            </a:schemeClr>
-          </a:lnRef>
-          <a:fillRef idx="1">
-            <a:schemeClr val="accent1"/>
-          </a:fillRef>
-          <a:effectRef idx="0">
-            <a:schemeClr val="accent1"/>
-          </a:effectRef>
-          <a:fontRef idx="minor">
-            <a:schemeClr val="lt1"/>
-          </a:fontRef>
-        </p:style>
-        <p:txBody>
-          <a:bodyPr rtlCol="0" anchor="ctr"/>
-          <a:lstStyle/>
-          <a:p>
-            <a:pPr algn="ctr"/>
-            <a:r>
-              <a:rPr lang="pt-BR" b="1" dirty="0"/>
-              <a:t>Tomada de Decisões Informada: </a:t>
-            </a:r>
-          </a:p>
-          <a:p>
-            <a:pPr algn="ctr"/>
-            <a:endParaRPr lang="pt-BR" b="1" dirty="0"/>
-          </a:p>
-          <a:p>
-            <a:pPr algn="ctr"/>
-            <a:r>
-              <a:rPr lang="pt-BR" dirty="0"/>
-              <a:t>Escolhas embasadas em análises financeiras sólidas.</a:t>
-            </a:r>
-          </a:p>
-        </p:txBody>
-      </p:sp>
-      <p:sp>
-        <p:nvSpPr>
-          <p:cNvPr id="8" name="Retângulo: Cantos Arredondados 7">
-            <a:extLst>
-              <a:ext uri="{FF2B5EF4-FFF2-40B4-BE49-F238E27FC236}">
-                <a16:creationId xmlns:a16="http://schemas.microsoft.com/office/drawing/2014/main" id="{E2D71AEF-387B-7B92-710E-2C055C1A4363}"/>
-              </a:ext>
-            </a:extLst>
-          </p:cNvPr>
-          <p:cNvSpPr/>
-          <p:nvPr/>
-        </p:nvSpPr>
-        <p:spPr>
-          <a:xfrm>
-            <a:off x="13754113" y="2413262"/>
-            <a:ext cx="3026004" cy="4204354"/>
-          </a:xfrm>
-          <a:prstGeom prst="roundRect">
-            <a:avLst>
-              <a:gd name="adj" fmla="val 2337"/>
-            </a:avLst>
-          </a:prstGeom>
-          <a:solidFill>
-            <a:schemeClr val="accent5"/>
-          </a:solidFill>
-          <a:ln>
-            <a:noFill/>
-          </a:ln>
-        </p:spPr>
-        <p:style>
-          <a:lnRef idx="2">
-            <a:schemeClr val="accent1">
-              <a:shade val="15000"/>
-            </a:schemeClr>
-          </a:lnRef>
-          <a:fillRef idx="1">
-            <a:schemeClr val="accent1"/>
-          </a:fillRef>
-          <a:effectRef idx="0">
-            <a:schemeClr val="accent1"/>
-          </a:effectRef>
-          <a:fontRef idx="minor">
-            <a:schemeClr val="lt1"/>
-          </a:fontRef>
-        </p:style>
-        <p:txBody>
-          <a:bodyPr rtlCol="0" anchor="ctr"/>
-          <a:lstStyle/>
-          <a:p>
-            <a:pPr algn="ctr"/>
-            <a:r>
-              <a:rPr lang="pt-BR" b="1" dirty="0"/>
-              <a:t>Avaliação do Desempenho:</a:t>
-            </a:r>
-          </a:p>
-          <a:p>
-            <a:pPr algn="ctr"/>
-            <a:endParaRPr lang="pt-BR" b="1" dirty="0"/>
-          </a:p>
-          <a:p>
-            <a:pPr algn="ctr"/>
-            <a:r>
-              <a:rPr lang="pt-BR" dirty="0"/>
-              <a:t>Comparação de custos reais com o orçamento previsto.</a:t>
-            </a:r>
-          </a:p>
-        </p:txBody>
-      </p:sp>
-      <p:sp>
-        <p:nvSpPr>
-          <p:cNvPr id="4" name="Retângulo: Cantos Arredondados 3">
-            <a:extLst>
-              <a:ext uri="{FF2B5EF4-FFF2-40B4-BE49-F238E27FC236}">
-                <a16:creationId xmlns:a16="http://schemas.microsoft.com/office/drawing/2014/main" id="{CD3504C6-A233-A42F-2AE2-48CB43ED0753}"/>
-              </a:ext>
-            </a:extLst>
-          </p:cNvPr>
-          <p:cNvSpPr/>
-          <p:nvPr/>
-        </p:nvSpPr>
-        <p:spPr>
-          <a:xfrm>
-            <a:off x="1618411" y="3189352"/>
-            <a:ext cx="2130295" cy="2130295"/>
-          </a:xfrm>
-          <a:prstGeom prst="roundRect">
-            <a:avLst>
-              <a:gd name="adj" fmla="val 50000"/>
-            </a:avLst>
-          </a:prstGeom>
-          <a:ln>
-            <a:noFill/>
-          </a:ln>
-        </p:spPr>
-        <p:style>
-          <a:lnRef idx="2">
-            <a:schemeClr val="accent1">
-              <a:shade val="15000"/>
-            </a:schemeClr>
-          </a:lnRef>
-          <a:fillRef idx="1">
-            <a:schemeClr val="accent1"/>
-          </a:fillRef>
-          <a:effectRef idx="0">
-            <a:schemeClr val="accent1"/>
-          </a:effectRef>
-          <a:fontRef idx="minor">
-            <a:schemeClr val="lt1"/>
-          </a:fontRef>
-        </p:style>
-        <p:txBody>
-          <a:bodyPr rtlCol="0" anchor="ctr"/>
-          <a:lstStyle/>
-          <a:p>
-            <a:pPr algn="ctr"/>
-            <a:r>
-              <a:rPr lang="pt-BR" b="1" i="0" dirty="0">
-                <a:effectLst/>
-                <a:latin typeface="Söhne"/>
-              </a:rPr>
-              <a:t>Planejamento de Custos:</a:t>
-            </a:r>
-            <a:endParaRPr lang="pt-BR" dirty="0"/>
-          </a:p>
-        </p:txBody>
-      </p:sp>
-      <p:sp>
-        <p:nvSpPr>
-          <p:cNvPr id="5" name="Retângulo: Cantos Arredondados 4">
-            <a:extLst>
-              <a:ext uri="{FF2B5EF4-FFF2-40B4-BE49-F238E27FC236}">
-                <a16:creationId xmlns:a16="http://schemas.microsoft.com/office/drawing/2014/main" id="{7B2504EE-1407-5D7C-694B-6E8D7A5A5AB6}"/>
-              </a:ext>
-            </a:extLst>
-          </p:cNvPr>
-          <p:cNvSpPr/>
-          <p:nvPr/>
-        </p:nvSpPr>
-        <p:spPr>
-          <a:xfrm>
-            <a:off x="3945777" y="3189352"/>
-            <a:ext cx="2130295" cy="2130295"/>
-          </a:xfrm>
-          <a:prstGeom prst="roundRect">
-            <a:avLst>
-              <a:gd name="adj" fmla="val 50000"/>
-            </a:avLst>
-          </a:prstGeom>
-          <a:solidFill>
-            <a:schemeClr val="accent2"/>
-          </a:solidFill>
-          <a:ln>
-            <a:noFill/>
-          </a:ln>
-        </p:spPr>
-        <p:style>
-          <a:lnRef idx="2">
-            <a:schemeClr val="accent1">
-              <a:shade val="15000"/>
-            </a:schemeClr>
-          </a:lnRef>
-          <a:fillRef idx="1">
-            <a:schemeClr val="accent1"/>
-          </a:fillRef>
-          <a:effectRef idx="0">
-            <a:schemeClr val="accent1"/>
-          </a:effectRef>
-          <a:fontRef idx="minor">
-            <a:schemeClr val="lt1"/>
-          </a:fontRef>
-        </p:style>
-        <p:txBody>
-          <a:bodyPr rtlCol="0" anchor="ctr"/>
-          <a:lstStyle/>
-          <a:p>
-            <a:pPr algn="ctr"/>
-            <a:r>
-              <a:rPr lang="pt-BR" b="1" i="0" dirty="0">
-                <a:effectLst/>
-                <a:latin typeface="Söhne"/>
-              </a:rPr>
-              <a:t>Estimativa de Custos:</a:t>
-            </a:r>
-            <a:endParaRPr lang="pt-BR" dirty="0"/>
-          </a:p>
-        </p:txBody>
-      </p:sp>
-      <p:sp>
-        <p:nvSpPr>
-          <p:cNvPr id="9" name="Retângulo: Cantos Arredondados 8">
-            <a:extLst>
-              <a:ext uri="{FF2B5EF4-FFF2-40B4-BE49-F238E27FC236}">
-                <a16:creationId xmlns:a16="http://schemas.microsoft.com/office/drawing/2014/main" id="{F7319605-EA5B-E903-6319-EE2B9993FA06}"/>
-              </a:ext>
-            </a:extLst>
-          </p:cNvPr>
-          <p:cNvSpPr/>
-          <p:nvPr/>
-        </p:nvSpPr>
-        <p:spPr>
-          <a:xfrm>
-            <a:off x="6273143" y="3189352"/>
-            <a:ext cx="2130295" cy="2130295"/>
-          </a:xfrm>
-          <a:prstGeom prst="roundRect">
-            <a:avLst>
-              <a:gd name="adj" fmla="val 50000"/>
-            </a:avLst>
-          </a:prstGeom>
-          <a:solidFill>
-            <a:schemeClr val="accent3"/>
-          </a:solidFill>
-          <a:ln>
-            <a:noFill/>
-          </a:ln>
-        </p:spPr>
-        <p:style>
-          <a:lnRef idx="2">
-            <a:schemeClr val="accent1">
-              <a:shade val="15000"/>
-            </a:schemeClr>
-          </a:lnRef>
-          <a:fillRef idx="1">
-            <a:schemeClr val="accent1"/>
-          </a:fillRef>
-          <a:effectRef idx="0">
-            <a:schemeClr val="accent1"/>
-          </a:effectRef>
-          <a:fontRef idx="minor">
-            <a:schemeClr val="lt1"/>
-          </a:fontRef>
-        </p:style>
-        <p:txBody>
-          <a:bodyPr rtlCol="0" anchor="ctr"/>
-          <a:lstStyle/>
-          <a:p>
-            <a:pPr algn="ctr"/>
-            <a:r>
-              <a:rPr lang="pt-BR" b="1" i="0" dirty="0">
-                <a:effectLst/>
-                <a:latin typeface="Söhne"/>
-              </a:rPr>
-              <a:t>Controle de Custos:</a:t>
-            </a:r>
-            <a:endParaRPr lang="pt-BR" dirty="0"/>
-          </a:p>
-        </p:txBody>
-      </p:sp>
-      <p:sp>
-        <p:nvSpPr>
-          <p:cNvPr id="10" name="Retângulo: Cantos Arredondados 9">
-            <a:extLst>
-              <a:ext uri="{FF2B5EF4-FFF2-40B4-BE49-F238E27FC236}">
-                <a16:creationId xmlns:a16="http://schemas.microsoft.com/office/drawing/2014/main" id="{00B4B4CE-FE93-85BC-ECBB-C028DAE14A75}"/>
-              </a:ext>
-            </a:extLst>
-          </p:cNvPr>
-          <p:cNvSpPr/>
-          <p:nvPr/>
-        </p:nvSpPr>
-        <p:spPr>
-          <a:xfrm>
-            <a:off x="8600509" y="3189352"/>
-            <a:ext cx="2130295" cy="2130295"/>
-          </a:xfrm>
-          <a:prstGeom prst="roundRect">
-            <a:avLst>
-              <a:gd name="adj" fmla="val 50000"/>
-            </a:avLst>
-          </a:prstGeom>
-          <a:solidFill>
-            <a:schemeClr val="accent4"/>
-          </a:solidFill>
-          <a:ln>
-            <a:noFill/>
-          </a:ln>
-        </p:spPr>
-        <p:style>
-          <a:lnRef idx="2">
-            <a:schemeClr val="accent1">
-              <a:shade val="15000"/>
-            </a:schemeClr>
-          </a:lnRef>
-          <a:fillRef idx="1">
-            <a:schemeClr val="accent1"/>
-          </a:fillRef>
-          <a:effectRef idx="0">
-            <a:schemeClr val="accent1"/>
-          </a:effectRef>
-          <a:fontRef idx="minor">
-            <a:schemeClr val="lt1"/>
-          </a:fontRef>
-        </p:style>
-        <p:txBody>
-          <a:bodyPr rtlCol="0" anchor="ctr"/>
-          <a:lstStyle/>
-          <a:p>
-            <a:pPr algn="ctr"/>
-            <a:r>
-              <a:rPr lang="pt-BR" b="1" i="0" dirty="0">
-                <a:effectLst/>
-                <a:latin typeface="Söhne"/>
-              </a:rPr>
-              <a:t>Relatórios Financeiros:</a:t>
-            </a:r>
-            <a:endParaRPr lang="pt-BR" dirty="0"/>
-          </a:p>
-        </p:txBody>
-      </p:sp>
-    </p:spTree>
-    <p:extLst>
-      <p:ext uri="{BB962C8B-B14F-4D97-AF65-F5344CB8AC3E}">
-        <p14:creationId xmlns:p14="http://schemas.microsoft.com/office/powerpoint/2010/main" val="1410245008"/>
-      </p:ext>
-    </p:extLst>
-  </p:cSld>
-  <p:clrMapOvr>
-    <a:masterClrMapping/>
-  </p:clrMapOvr>
-  <mc:AlternateContent xmlns:mc="http://schemas.openxmlformats.org/markup-compatibility/2006">
-    <mc:Choice xmlns:p159="http://schemas.microsoft.com/office/powerpoint/2015/09/main" Requires="p159">
-      <p:transition xmlns:p14="http://schemas.microsoft.com/office/powerpoint/2010/main" spd="slow" p14:dur="2000">
-        <p159:morph option="byObject"/>
-      </p:transition>
-    </mc:Choice>
-    <mc:Fallback>
-      <p:transition spd="slow">
-        <p:fade/>
-      </p:transition>
-    </mc:Fallback>
-  </mc:AlternateContent>
-</p:sld>
-</file>
-
-<file path=ppt/slides/slide5.xml><?xml version="1.0" encoding="utf-8"?>
-<p:sld xmlns:a="http://schemas.openxmlformats.org/drawingml/2006/main" xmlns:r="http://schemas.openxmlformats.org/officeDocument/2006/relationships" xmlns:p="http://schemas.openxmlformats.org/presentationml/2006/main">
-  <p:cSld>
-    <p:spTree>
-      <p:nvGrpSpPr>
-        <p:cNvPr id="1" name=""/>
-        <p:cNvGrpSpPr/>
-        <p:nvPr/>
-      </p:nvGrpSpPr>
-      <p:grpSpPr>
-        <a:xfrm>
-          <a:off x="0" y="0"/>
-          <a:ext cx="0" cy="0"/>
-          <a:chOff x="0" y="0"/>
-          <a:chExt cx="0" cy="0"/>
-        </a:xfrm>
-      </p:grpSpPr>
-      <p:sp>
-        <p:nvSpPr>
-          <p:cNvPr id="2" name="Título 1">
-            <a:extLst>
-              <a:ext uri="{FF2B5EF4-FFF2-40B4-BE49-F238E27FC236}">
-                <a16:creationId xmlns:a16="http://schemas.microsoft.com/office/drawing/2014/main" id="{9607353C-C075-7C4B-E676-445D5D3CDB69}"/>
-              </a:ext>
-            </a:extLst>
-          </p:cNvPr>
-          <p:cNvSpPr>
-            <a:spLocks noGrp="1"/>
-          </p:cNvSpPr>
-          <p:nvPr>
-            <p:ph type="title"/>
-          </p:nvPr>
-        </p:nvSpPr>
-        <p:spPr/>
-        <p:txBody>
-          <a:bodyPr/>
-          <a:lstStyle/>
-          <a:p>
-            <a:r>
-              <a:rPr lang="pt-BR" dirty="0"/>
-              <a:t>Componentes Essenciais</a:t>
-            </a:r>
-          </a:p>
-        </p:txBody>
-      </p:sp>
-      <p:sp>
-        <p:nvSpPr>
-          <p:cNvPr id="4" name="Retângulo: Cantos Arredondados 3">
-            <a:extLst>
-              <a:ext uri="{FF2B5EF4-FFF2-40B4-BE49-F238E27FC236}">
-                <a16:creationId xmlns:a16="http://schemas.microsoft.com/office/drawing/2014/main" id="{CD3504C6-A233-A42F-2AE2-48CB43ED0753}"/>
-              </a:ext>
-            </a:extLst>
-          </p:cNvPr>
-          <p:cNvSpPr/>
-          <p:nvPr/>
-        </p:nvSpPr>
-        <p:spPr>
-          <a:xfrm>
-            <a:off x="1618411" y="3189352"/>
-            <a:ext cx="2130295" cy="2130295"/>
-          </a:xfrm>
-          <a:prstGeom prst="roundRect">
-            <a:avLst>
-              <a:gd name="adj" fmla="val 3499"/>
-            </a:avLst>
-          </a:prstGeom>
-          <a:ln>
-            <a:noFill/>
-          </a:ln>
-        </p:spPr>
-        <p:style>
-          <a:lnRef idx="2">
-            <a:schemeClr val="accent1">
-              <a:shade val="15000"/>
-            </a:schemeClr>
-          </a:lnRef>
-          <a:fillRef idx="1">
-            <a:schemeClr val="accent1"/>
-          </a:fillRef>
-          <a:effectRef idx="0">
-            <a:schemeClr val="accent1"/>
-          </a:effectRef>
-          <a:fontRef idx="minor">
-            <a:schemeClr val="lt1"/>
-          </a:fontRef>
-        </p:style>
-        <p:txBody>
-          <a:bodyPr rtlCol="0" anchor="ctr"/>
-          <a:lstStyle/>
-          <a:p>
-            <a:pPr algn="ctr"/>
-            <a:r>
-              <a:rPr lang="pt-BR" b="1" i="0" dirty="0">
-                <a:effectLst/>
-                <a:latin typeface="Söhne"/>
-              </a:rPr>
-              <a:t>Planejamento de Custos:</a:t>
-            </a:r>
-          </a:p>
-          <a:p>
-            <a:pPr algn="ctr"/>
-            <a:endParaRPr lang="pt-BR" b="1" dirty="0">
-              <a:latin typeface="Söhne"/>
-            </a:endParaRPr>
-          </a:p>
-          <a:p>
-            <a:pPr algn="ctr"/>
-            <a:r>
-              <a:rPr lang="pt-BR" dirty="0"/>
-              <a:t>Definição de Orçamento e Identificação de Custos.</a:t>
-            </a:r>
-          </a:p>
-        </p:txBody>
-      </p:sp>
-      <p:sp>
-        <p:nvSpPr>
-          <p:cNvPr id="5" name="Retângulo: Cantos Arredondados 4">
-            <a:extLst>
-              <a:ext uri="{FF2B5EF4-FFF2-40B4-BE49-F238E27FC236}">
-                <a16:creationId xmlns:a16="http://schemas.microsoft.com/office/drawing/2014/main" id="{7B2504EE-1407-5D7C-694B-6E8D7A5A5AB6}"/>
-              </a:ext>
-            </a:extLst>
-          </p:cNvPr>
-          <p:cNvSpPr/>
-          <p:nvPr/>
-        </p:nvSpPr>
-        <p:spPr>
-          <a:xfrm>
-            <a:off x="3945777" y="3189352"/>
-            <a:ext cx="2130295" cy="2130295"/>
-          </a:xfrm>
-          <a:prstGeom prst="roundRect">
-            <a:avLst>
-              <a:gd name="adj" fmla="val 50000"/>
-            </a:avLst>
-          </a:prstGeom>
-          <a:solidFill>
-            <a:schemeClr val="accent2"/>
-          </a:solidFill>
-          <a:ln>
-            <a:noFill/>
-          </a:ln>
-        </p:spPr>
-        <p:style>
-          <a:lnRef idx="2">
-            <a:schemeClr val="accent1">
-              <a:shade val="15000"/>
-            </a:schemeClr>
-          </a:lnRef>
-          <a:fillRef idx="1">
-            <a:schemeClr val="accent1"/>
-          </a:fillRef>
-          <a:effectRef idx="0">
-            <a:schemeClr val="accent1"/>
-          </a:effectRef>
-          <a:fontRef idx="minor">
-            <a:schemeClr val="lt1"/>
-          </a:fontRef>
-        </p:style>
-        <p:txBody>
-          <a:bodyPr rtlCol="0" anchor="ctr"/>
-          <a:lstStyle/>
-          <a:p>
-            <a:pPr algn="ctr"/>
-            <a:r>
-              <a:rPr lang="pt-BR" b="1" i="0" dirty="0">
-                <a:effectLst/>
-                <a:latin typeface="Söhne"/>
-              </a:rPr>
-              <a:t>Estimativa de Custos:</a:t>
-            </a:r>
-            <a:endParaRPr lang="pt-BR" dirty="0"/>
-          </a:p>
-        </p:txBody>
-      </p:sp>
-      <p:sp>
-        <p:nvSpPr>
-          <p:cNvPr id="9" name="Retângulo: Cantos Arredondados 8">
-            <a:extLst>
-              <a:ext uri="{FF2B5EF4-FFF2-40B4-BE49-F238E27FC236}">
-                <a16:creationId xmlns:a16="http://schemas.microsoft.com/office/drawing/2014/main" id="{F7319605-EA5B-E903-6319-EE2B9993FA06}"/>
-              </a:ext>
-            </a:extLst>
-          </p:cNvPr>
-          <p:cNvSpPr/>
-          <p:nvPr/>
-        </p:nvSpPr>
-        <p:spPr>
-          <a:xfrm>
-            <a:off x="6273143" y="3189352"/>
-            <a:ext cx="2130295" cy="2130295"/>
-          </a:xfrm>
-          <a:prstGeom prst="roundRect">
-            <a:avLst>
-              <a:gd name="adj" fmla="val 50000"/>
-            </a:avLst>
-          </a:prstGeom>
-          <a:solidFill>
-            <a:schemeClr val="accent3"/>
-          </a:solidFill>
-          <a:ln>
-            <a:noFill/>
-          </a:ln>
-        </p:spPr>
-        <p:style>
-          <a:lnRef idx="2">
-            <a:schemeClr val="accent1">
-              <a:shade val="15000"/>
-            </a:schemeClr>
-          </a:lnRef>
-          <a:fillRef idx="1">
-            <a:schemeClr val="accent1"/>
-          </a:fillRef>
-          <a:effectRef idx="0">
-            <a:schemeClr val="accent1"/>
-          </a:effectRef>
-          <a:fontRef idx="minor">
-            <a:schemeClr val="lt1"/>
-          </a:fontRef>
-        </p:style>
-        <p:txBody>
-          <a:bodyPr rtlCol="0" anchor="ctr"/>
-          <a:lstStyle/>
-          <a:p>
-            <a:pPr algn="ctr"/>
-            <a:r>
-              <a:rPr lang="pt-BR" b="1" i="0" dirty="0">
-                <a:effectLst/>
-                <a:latin typeface="Söhne"/>
-              </a:rPr>
-              <a:t>Controle de Custos:</a:t>
-            </a:r>
-            <a:endParaRPr lang="pt-BR" dirty="0"/>
-          </a:p>
-        </p:txBody>
-      </p:sp>
-      <p:sp>
-        <p:nvSpPr>
-          <p:cNvPr id="10" name="Retângulo: Cantos Arredondados 9">
-            <a:extLst>
-              <a:ext uri="{FF2B5EF4-FFF2-40B4-BE49-F238E27FC236}">
-                <a16:creationId xmlns:a16="http://schemas.microsoft.com/office/drawing/2014/main" id="{00B4B4CE-FE93-85BC-ECBB-C028DAE14A75}"/>
-              </a:ext>
-            </a:extLst>
-          </p:cNvPr>
-          <p:cNvSpPr/>
-          <p:nvPr/>
-        </p:nvSpPr>
-        <p:spPr>
-          <a:xfrm>
-            <a:off x="8600509" y="3189352"/>
-            <a:ext cx="2130295" cy="2130295"/>
-          </a:xfrm>
-          <a:prstGeom prst="roundRect">
-            <a:avLst>
-              <a:gd name="adj" fmla="val 50000"/>
-            </a:avLst>
-          </a:prstGeom>
-          <a:solidFill>
-            <a:schemeClr val="accent4"/>
-          </a:solidFill>
-          <a:ln>
-            <a:noFill/>
-          </a:ln>
-        </p:spPr>
-        <p:style>
-          <a:lnRef idx="2">
-            <a:schemeClr val="accent1">
-              <a:shade val="15000"/>
-            </a:schemeClr>
-          </a:lnRef>
-          <a:fillRef idx="1">
-            <a:schemeClr val="accent1"/>
-          </a:fillRef>
-          <a:effectRef idx="0">
-            <a:schemeClr val="accent1"/>
-          </a:effectRef>
-          <a:fontRef idx="minor">
-            <a:schemeClr val="lt1"/>
-          </a:fontRef>
-        </p:style>
-        <p:txBody>
-          <a:bodyPr rtlCol="0" anchor="ctr"/>
-          <a:lstStyle/>
-          <a:p>
-            <a:pPr algn="ctr"/>
-            <a:r>
-              <a:rPr lang="pt-BR" b="1" i="0" dirty="0">
-                <a:effectLst/>
-                <a:latin typeface="Söhne"/>
-              </a:rPr>
-              <a:t>Relatórios Financeiros:</a:t>
-            </a:r>
-            <a:endParaRPr lang="pt-BR" dirty="0"/>
-          </a:p>
-        </p:txBody>
-      </p:sp>
-    </p:spTree>
-    <p:extLst>
-      <p:ext uri="{BB962C8B-B14F-4D97-AF65-F5344CB8AC3E}">
-        <p14:creationId xmlns:p14="http://schemas.microsoft.com/office/powerpoint/2010/main" val="1226738776"/>
-      </p:ext>
-    </p:extLst>
-  </p:cSld>
-  <p:clrMapOvr>
-    <a:masterClrMapping/>
-  </p:clrMapOvr>
-  <mc:AlternateContent xmlns:mc="http://schemas.openxmlformats.org/markup-compatibility/2006">
-    <mc:Choice xmlns:p159="http://schemas.microsoft.com/office/powerpoint/2015/09/main" Requires="p159">
-      <p:transition xmlns:p14="http://schemas.microsoft.com/office/powerpoint/2010/main" spd="slow" p14:dur="2000">
-        <p159:morph option="byObject"/>
-      </p:transition>
-    </mc:Choice>
-    <mc:Fallback>
-      <p:transition spd="slow">
-        <p:fade/>
-      </p:transition>
-    </mc:Fallback>
-  </mc:AlternateContent>
-</p:sld>
-</file>
-
-<file path=ppt/slides/slide6.xml><?xml version="1.0" encoding="utf-8"?>
-<p:sld xmlns:a="http://schemas.openxmlformats.org/drawingml/2006/main" xmlns:r="http://schemas.openxmlformats.org/officeDocument/2006/relationships" xmlns:p="http://schemas.openxmlformats.org/presentationml/2006/main">
-  <p:cSld>
-    <p:spTree>
-      <p:nvGrpSpPr>
-        <p:cNvPr id="1" name=""/>
-        <p:cNvGrpSpPr/>
-        <p:nvPr/>
-      </p:nvGrpSpPr>
-      <p:grpSpPr>
-        <a:xfrm>
-          <a:off x="0" y="0"/>
-          <a:ext cx="0" cy="0"/>
-          <a:chOff x="0" y="0"/>
-          <a:chExt cx="0" cy="0"/>
-        </a:xfrm>
-      </p:grpSpPr>
-      <p:sp>
-        <p:nvSpPr>
-          <p:cNvPr id="2" name="Título 1">
-            <a:extLst>
-              <a:ext uri="{FF2B5EF4-FFF2-40B4-BE49-F238E27FC236}">
-                <a16:creationId xmlns:a16="http://schemas.microsoft.com/office/drawing/2014/main" id="{9607353C-C075-7C4B-E676-445D5D3CDB69}"/>
-              </a:ext>
-            </a:extLst>
-          </p:cNvPr>
-          <p:cNvSpPr>
-            <a:spLocks noGrp="1"/>
-          </p:cNvSpPr>
-          <p:nvPr>
-            <p:ph type="title"/>
-          </p:nvPr>
-        </p:nvSpPr>
-        <p:spPr/>
-        <p:txBody>
-          <a:bodyPr/>
-          <a:lstStyle/>
-          <a:p>
-            <a:r>
-              <a:rPr lang="pt-BR" dirty="0"/>
-              <a:t>Componentes Essenciais</a:t>
-            </a:r>
-          </a:p>
-        </p:txBody>
-      </p:sp>
-      <p:sp>
-        <p:nvSpPr>
-          <p:cNvPr id="4" name="Retângulo: Cantos Arredondados 3">
-            <a:extLst>
-              <a:ext uri="{FF2B5EF4-FFF2-40B4-BE49-F238E27FC236}">
-                <a16:creationId xmlns:a16="http://schemas.microsoft.com/office/drawing/2014/main" id="{CD3504C6-A233-A42F-2AE2-48CB43ED0753}"/>
-              </a:ext>
-            </a:extLst>
-          </p:cNvPr>
-          <p:cNvSpPr/>
-          <p:nvPr/>
-        </p:nvSpPr>
-        <p:spPr>
-          <a:xfrm>
-            <a:off x="1618411" y="3189352"/>
-            <a:ext cx="2130295" cy="2130295"/>
-          </a:xfrm>
-          <a:prstGeom prst="roundRect">
-            <a:avLst>
-              <a:gd name="adj" fmla="val 50000"/>
-            </a:avLst>
-          </a:prstGeom>
-          <a:ln>
-            <a:noFill/>
-          </a:ln>
-        </p:spPr>
-        <p:style>
-          <a:lnRef idx="2">
-            <a:schemeClr val="accent1">
-              <a:shade val="15000"/>
-            </a:schemeClr>
-          </a:lnRef>
-          <a:fillRef idx="1">
-            <a:schemeClr val="accent1"/>
-          </a:fillRef>
-          <a:effectRef idx="0">
-            <a:schemeClr val="accent1"/>
-          </a:effectRef>
-          <a:fontRef idx="minor">
-            <a:schemeClr val="lt1"/>
-          </a:fontRef>
-        </p:style>
-        <p:txBody>
-          <a:bodyPr rtlCol="0" anchor="ctr"/>
-          <a:lstStyle/>
-          <a:p>
-            <a:pPr algn="ctr"/>
-            <a:r>
-              <a:rPr lang="pt-BR" b="1" i="0" dirty="0">
-                <a:effectLst/>
-                <a:latin typeface="Söhne"/>
-              </a:rPr>
-              <a:t>Planejamento de Custos:</a:t>
-            </a:r>
-            <a:endParaRPr lang="pt-BR" dirty="0"/>
-          </a:p>
-        </p:txBody>
-      </p:sp>
-      <p:sp>
-        <p:nvSpPr>
-          <p:cNvPr id="5" name="Retângulo: Cantos Arredondados 4">
-            <a:extLst>
-              <a:ext uri="{FF2B5EF4-FFF2-40B4-BE49-F238E27FC236}">
-                <a16:creationId xmlns:a16="http://schemas.microsoft.com/office/drawing/2014/main" id="{7B2504EE-1407-5D7C-694B-6E8D7A5A5AB6}"/>
-              </a:ext>
-            </a:extLst>
-          </p:cNvPr>
-          <p:cNvSpPr/>
-          <p:nvPr/>
-        </p:nvSpPr>
-        <p:spPr>
-          <a:xfrm>
-            <a:off x="3945777" y="3189352"/>
-            <a:ext cx="2130295" cy="2130295"/>
-          </a:xfrm>
-          <a:prstGeom prst="roundRect">
-            <a:avLst>
-              <a:gd name="adj" fmla="val 5288"/>
-            </a:avLst>
-          </a:prstGeom>
-          <a:solidFill>
-            <a:schemeClr val="accent2"/>
-          </a:solidFill>
-          <a:ln>
-            <a:noFill/>
-          </a:ln>
-        </p:spPr>
-        <p:style>
-          <a:lnRef idx="2">
-            <a:schemeClr val="accent1">
-              <a:shade val="15000"/>
-            </a:schemeClr>
-          </a:lnRef>
-          <a:fillRef idx="1">
-            <a:schemeClr val="accent1"/>
-          </a:fillRef>
-          <a:effectRef idx="0">
-            <a:schemeClr val="accent1"/>
-          </a:effectRef>
-          <a:fontRef idx="minor">
-            <a:schemeClr val="lt1"/>
-          </a:fontRef>
-        </p:style>
-        <p:txBody>
-          <a:bodyPr rtlCol="0" anchor="ctr"/>
-          <a:lstStyle/>
-          <a:p>
-            <a:pPr algn="ctr"/>
-            <a:r>
-              <a:rPr lang="pt-BR" b="1" i="0" dirty="0">
-                <a:effectLst/>
-                <a:latin typeface="Söhne"/>
-              </a:rPr>
-              <a:t>Estimativa de Custos:</a:t>
-            </a:r>
-          </a:p>
-          <a:p>
-            <a:pPr algn="ctr"/>
-            <a:r>
-              <a:rPr lang="pt-BR" dirty="0"/>
-              <a:t>Análise de Custo-Benefício e Métodos de Estimativa.</a:t>
-            </a:r>
-          </a:p>
-        </p:txBody>
-      </p:sp>
-      <p:sp>
-        <p:nvSpPr>
-          <p:cNvPr id="9" name="Retângulo: Cantos Arredondados 8">
-            <a:extLst>
-              <a:ext uri="{FF2B5EF4-FFF2-40B4-BE49-F238E27FC236}">
-                <a16:creationId xmlns:a16="http://schemas.microsoft.com/office/drawing/2014/main" id="{F7319605-EA5B-E903-6319-EE2B9993FA06}"/>
-              </a:ext>
-            </a:extLst>
-          </p:cNvPr>
-          <p:cNvSpPr/>
-          <p:nvPr/>
-        </p:nvSpPr>
-        <p:spPr>
-          <a:xfrm>
-            <a:off x="6273143" y="3189352"/>
-            <a:ext cx="2130295" cy="2130295"/>
-          </a:xfrm>
-          <a:prstGeom prst="roundRect">
-            <a:avLst>
-              <a:gd name="adj" fmla="val 50000"/>
-            </a:avLst>
-          </a:prstGeom>
-          <a:solidFill>
-            <a:schemeClr val="accent3"/>
-          </a:solidFill>
-          <a:ln>
-            <a:noFill/>
-          </a:ln>
-        </p:spPr>
-        <p:style>
-          <a:lnRef idx="2">
-            <a:schemeClr val="accent1">
-              <a:shade val="15000"/>
-            </a:schemeClr>
-          </a:lnRef>
-          <a:fillRef idx="1">
-            <a:schemeClr val="accent1"/>
-          </a:fillRef>
-          <a:effectRef idx="0">
-            <a:schemeClr val="accent1"/>
-          </a:effectRef>
-          <a:fontRef idx="minor">
-            <a:schemeClr val="lt1"/>
-          </a:fontRef>
-        </p:style>
-        <p:txBody>
-          <a:bodyPr rtlCol="0" anchor="ctr"/>
-          <a:lstStyle/>
-          <a:p>
-            <a:pPr algn="ctr"/>
-            <a:r>
-              <a:rPr lang="pt-BR" b="1" i="0" dirty="0">
-                <a:effectLst/>
-                <a:latin typeface="Söhne"/>
-              </a:rPr>
-              <a:t>Controle de Custos:</a:t>
-            </a:r>
-            <a:endParaRPr lang="pt-BR" dirty="0"/>
-          </a:p>
-        </p:txBody>
-      </p:sp>
-      <p:sp>
-        <p:nvSpPr>
-          <p:cNvPr id="10" name="Retângulo: Cantos Arredondados 9">
-            <a:extLst>
-              <a:ext uri="{FF2B5EF4-FFF2-40B4-BE49-F238E27FC236}">
-                <a16:creationId xmlns:a16="http://schemas.microsoft.com/office/drawing/2014/main" id="{00B4B4CE-FE93-85BC-ECBB-C028DAE14A75}"/>
-              </a:ext>
-            </a:extLst>
-          </p:cNvPr>
-          <p:cNvSpPr/>
-          <p:nvPr/>
-        </p:nvSpPr>
-        <p:spPr>
-          <a:xfrm>
-            <a:off x="8600509" y="3189352"/>
-            <a:ext cx="2130295" cy="2130295"/>
-          </a:xfrm>
-          <a:prstGeom prst="roundRect">
-            <a:avLst>
-              <a:gd name="adj" fmla="val 50000"/>
-            </a:avLst>
-          </a:prstGeom>
-          <a:solidFill>
-            <a:schemeClr val="accent4"/>
-          </a:solidFill>
-          <a:ln>
-            <a:noFill/>
-          </a:ln>
-        </p:spPr>
-        <p:style>
-          <a:lnRef idx="2">
-            <a:schemeClr val="accent1">
-              <a:shade val="15000"/>
-            </a:schemeClr>
-          </a:lnRef>
-          <a:fillRef idx="1">
-            <a:schemeClr val="accent1"/>
-          </a:fillRef>
-          <a:effectRef idx="0">
-            <a:schemeClr val="accent1"/>
-          </a:effectRef>
-          <a:fontRef idx="minor">
-            <a:schemeClr val="lt1"/>
-          </a:fontRef>
-        </p:style>
-        <p:txBody>
-          <a:bodyPr rtlCol="0" anchor="ctr"/>
-          <a:lstStyle/>
-          <a:p>
-            <a:pPr algn="ctr"/>
-            <a:r>
-              <a:rPr lang="pt-BR" b="1" i="0" dirty="0">
-                <a:effectLst/>
-                <a:latin typeface="Söhne"/>
-              </a:rPr>
-              <a:t>Relatórios Financeiros:</a:t>
-            </a:r>
-            <a:endParaRPr lang="pt-BR" dirty="0"/>
-          </a:p>
-        </p:txBody>
-      </p:sp>
-    </p:spTree>
-    <p:extLst>
-      <p:ext uri="{BB962C8B-B14F-4D97-AF65-F5344CB8AC3E}">
-        <p14:creationId xmlns:p14="http://schemas.microsoft.com/office/powerpoint/2010/main" val="1940617317"/>
-      </p:ext>
-    </p:extLst>
-  </p:cSld>
-  <p:clrMapOvr>
-    <a:masterClrMapping/>
-  </p:clrMapOvr>
-  <mc:AlternateContent xmlns:mc="http://schemas.openxmlformats.org/markup-compatibility/2006">
-    <mc:Choice xmlns:p159="http://schemas.microsoft.com/office/powerpoint/2015/09/main" Requires="p159">
-      <p:transition xmlns:p14="http://schemas.microsoft.com/office/powerpoint/2010/main" spd="slow" p14:dur="2000">
-        <p159:morph option="byObject"/>
-      </p:transition>
-    </mc:Choice>
-    <mc:Fallback>
+    <mc:Fallback xmlns="">
       <p:transition spd="slow">
         <p:fade/>
       </p:transition>
@@ -7232,38 +7287,10 @@
       </p:grpSpPr>
       <p:sp>
         <p:nvSpPr>
-          <p:cNvPr id="2" name="Título 1">
-            <a:extLst>
-              <a:ext uri="{FF2B5EF4-FFF2-40B4-BE49-F238E27FC236}">
-                <a16:creationId xmlns:a16="http://schemas.microsoft.com/office/drawing/2014/main" id="{9607353C-C075-7C4B-E676-445D5D3CDB69}"/>
-              </a:ext>
-            </a:extLst>
-          </p:cNvPr>
-          <p:cNvSpPr>
-            <a:spLocks noGrp="1"/>
-          </p:cNvSpPr>
-          <p:nvPr>
-            <p:ph type="title"/>
-          </p:nvPr>
-        </p:nvSpPr>
-        <p:spPr/>
-        <p:txBody>
-          <a:bodyPr/>
-          <a:lstStyle/>
-          <a:p>
-            <a:r>
-              <a:rPr lang="pt-BR" dirty="0"/>
-              <a:t>Componentes Essenciais</a:t>
-            </a:r>
-          </a:p>
-        </p:txBody>
-      </p:sp>
-      <p:sp>
-        <p:nvSpPr>
-          <p:cNvPr id="4" name="Retângulo: Cantos Arredondados 3">
-            <a:extLst>
-              <a:ext uri="{FF2B5EF4-FFF2-40B4-BE49-F238E27FC236}">
-                <a16:creationId xmlns:a16="http://schemas.microsoft.com/office/drawing/2014/main" id="{CD3504C6-A233-A42F-2AE2-48CB43ED0753}"/>
+          <p:cNvPr id="2" name="Retângulo: Cantos Arredondados 1">
+            <a:extLst>
+              <a:ext uri="{FF2B5EF4-FFF2-40B4-BE49-F238E27FC236}">
+                <a16:creationId xmlns:a16="http://schemas.microsoft.com/office/drawing/2014/main" id="{7530B101-4FD6-43D7-8D3B-423D11E542AA}"/>
               </a:ext>
             </a:extLst>
           </p:cNvPr>
@@ -7272,74 +7299,14 @@
         </p:nvSpPr>
         <p:spPr>
           <a:xfrm>
-            <a:off x="1618411" y="3189352"/>
-            <a:ext cx="2130295" cy="2130295"/>
+            <a:off x="941034" y="630315"/>
+            <a:ext cx="4625266" cy="852256"/>
           </a:xfrm>
           <a:prstGeom prst="roundRect">
-            <a:avLst>
-              <a:gd name="adj" fmla="val 50000"/>
-            </a:avLst>
-          </a:prstGeom>
-          <a:ln>
-            <a:noFill/>
-          </a:ln>
-        </p:spPr>
-        <p:style>
-          <a:lnRef idx="2">
-            <a:schemeClr val="accent1">
-              <a:shade val="15000"/>
-            </a:schemeClr>
-          </a:lnRef>
-          <a:fillRef idx="1">
-            <a:schemeClr val="accent1"/>
-          </a:fillRef>
-          <a:effectRef idx="0">
-            <a:schemeClr val="accent1"/>
-          </a:effectRef>
-          <a:fontRef idx="minor">
-            <a:schemeClr val="lt1"/>
-          </a:fontRef>
-        </p:style>
-        <p:txBody>
-          <a:bodyPr rtlCol="0" anchor="ctr"/>
-          <a:lstStyle/>
-          <a:p>
-            <a:pPr algn="ctr"/>
-            <a:r>
-              <a:rPr lang="pt-BR" b="1" i="0" dirty="0">
-                <a:effectLst/>
-                <a:latin typeface="Söhne"/>
-              </a:rPr>
-              <a:t>Planejamento de Custos:</a:t>
-            </a:r>
-            <a:endParaRPr lang="pt-BR" dirty="0"/>
-          </a:p>
-        </p:txBody>
-      </p:sp>
-      <p:sp>
-        <p:nvSpPr>
-          <p:cNvPr id="5" name="Retângulo: Cantos Arredondados 4">
-            <a:extLst>
-              <a:ext uri="{FF2B5EF4-FFF2-40B4-BE49-F238E27FC236}">
-                <a16:creationId xmlns:a16="http://schemas.microsoft.com/office/drawing/2014/main" id="{7B2504EE-1407-5D7C-694B-6E8D7A5A5AB6}"/>
-              </a:ext>
-            </a:extLst>
-          </p:cNvPr>
-          <p:cNvSpPr/>
-          <p:nvPr/>
-        </p:nvSpPr>
-        <p:spPr>
-          <a:xfrm>
-            <a:off x="3945777" y="3189352"/>
-            <a:ext cx="2130295" cy="2130295"/>
-          </a:xfrm>
-          <a:prstGeom prst="roundRect">
-            <a:avLst>
-              <a:gd name="adj" fmla="val 50000"/>
-            </a:avLst>
+            <a:avLst/>
           </a:prstGeom>
           <a:solidFill>
-            <a:schemeClr val="accent2"/>
+            <a:schemeClr val="accent6"/>
           </a:solidFill>
           <a:ln>
             <a:noFill/>
@@ -7367,22 +7334,105 @@
           <a:p>
             <a:pPr algn="ctr"/>
             <a:r>
-              <a:rPr lang="pt-BR" b="1" i="0" dirty="0">
+              <a:rPr lang="pt-BR" sz="3600" b="1" i="0" dirty="0">
                 <a:effectLst/>
                 <a:latin typeface="Söhne"/>
               </a:rPr>
-              <a:t>Estimativa de Custos:</a:t>
-            </a:r>
-            <a:endParaRPr lang="pt-BR" dirty="0"/>
-          </a:p>
-        </p:txBody>
-      </p:sp>
-      <p:sp>
-        <p:nvSpPr>
-          <p:cNvPr id="9" name="Retângulo: Cantos Arredondados 8">
-            <a:extLst>
-              <a:ext uri="{FF2B5EF4-FFF2-40B4-BE49-F238E27FC236}">
-                <a16:creationId xmlns:a16="http://schemas.microsoft.com/office/drawing/2014/main" id="{F7319605-EA5B-E903-6319-EE2B9993FA06}"/>
+              <a:t>  </a:t>
+            </a:r>
+            <a:r>
+              <a:rPr lang="pt-BR" sz="2800" b="1" i="0" dirty="0">
+                <a:effectLst/>
+                <a:latin typeface="Söhne"/>
+              </a:rPr>
+              <a:t>Estratégias Sob Medida</a:t>
+            </a:r>
+            <a:endParaRPr lang="pt-BR" sz="2400" b="1" i="0" dirty="0">
+              <a:effectLst/>
+              <a:latin typeface="Söhne"/>
+            </a:endParaRPr>
+          </a:p>
+        </p:txBody>
+      </p:sp>
+      <p:sp>
+        <p:nvSpPr>
+          <p:cNvPr id="4" name="CaixaDeTexto 3">
+            <a:extLst>
+              <a:ext uri="{FF2B5EF4-FFF2-40B4-BE49-F238E27FC236}">
+                <a16:creationId xmlns:a16="http://schemas.microsoft.com/office/drawing/2014/main" id="{257A9F9A-AB97-0D1F-06A0-8C8BAFD0A9BB}"/>
+              </a:ext>
+            </a:extLst>
+          </p:cNvPr>
+          <p:cNvSpPr txBox="1"/>
+          <p:nvPr/>
+        </p:nvSpPr>
+        <p:spPr>
+          <a:xfrm>
+            <a:off x="941034" y="1932785"/>
+            <a:ext cx="10457279" cy="3970318"/>
+          </a:xfrm>
+          <a:prstGeom prst="rect">
+            <a:avLst/>
+          </a:prstGeom>
+          <a:noFill/>
+        </p:spPr>
+        <p:txBody>
+          <a:bodyPr wrap="square" rtlCol="0">
+            <a:spAutoFit/>
+          </a:bodyPr>
+          <a:lstStyle/>
+          <a:p>
+            <a:pPr marL="457200" indent="-457200">
+              <a:buFont typeface="Arial" panose="020B0604020202020204" pitchFamily="34" charset="0"/>
+              <a:buChar char="•"/>
+            </a:pPr>
+            <a:r>
+              <a:rPr lang="pt-BR" sz="2800" dirty="0"/>
+              <a:t>Exemplos de Estratégias Personalizadas:</a:t>
+            </a:r>
+          </a:p>
+          <a:p>
+            <a:pPr marL="457200" indent="-457200">
+              <a:buFont typeface="Arial" panose="020B0604020202020204" pitchFamily="34" charset="0"/>
+              <a:buChar char="•"/>
+            </a:pPr>
+            <a:endParaRPr lang="pt-BR" sz="2800" dirty="0"/>
+          </a:p>
+          <a:p>
+            <a:pPr marL="914400" lvl="1" indent="-457200">
+              <a:buFont typeface="Arial" panose="020B0604020202020204" pitchFamily="34" charset="0"/>
+              <a:buChar char="•"/>
+            </a:pPr>
+            <a:r>
+              <a:rPr lang="pt-BR" sz="2800" dirty="0"/>
+              <a:t>Adaptação de Comunicação: Customização da comunicação para atender aos estilos e preferências de diferentes partes interessadas.</a:t>
+            </a:r>
+          </a:p>
+          <a:p>
+            <a:pPr marL="914400" lvl="1" indent="-457200">
+              <a:buFont typeface="Arial" panose="020B0604020202020204" pitchFamily="34" charset="0"/>
+              <a:buChar char="•"/>
+            </a:pPr>
+            <a:endParaRPr lang="pt-BR" sz="2800" dirty="0"/>
+          </a:p>
+          <a:p>
+            <a:pPr marL="914400" lvl="1" indent="-457200">
+              <a:buFont typeface="Arial" panose="020B0604020202020204" pitchFamily="34" charset="0"/>
+              <a:buChar char="•"/>
+            </a:pPr>
+            <a:r>
+              <a:rPr lang="pt-BR" sz="2800" dirty="0"/>
+              <a:t>Oferta de Incentivos Específicos: Identificação de motivações individuais e personalização de incentivos para maximizar o engajamento.</a:t>
+            </a:r>
+          </a:p>
+        </p:txBody>
+      </p:sp>
+      <p:sp>
+        <p:nvSpPr>
+          <p:cNvPr id="5" name="Retângulo: Cantos Arredondados 4">
+            <a:extLst>
+              <a:ext uri="{FF2B5EF4-FFF2-40B4-BE49-F238E27FC236}">
+                <a16:creationId xmlns:a16="http://schemas.microsoft.com/office/drawing/2014/main" id="{92C0A5BF-F648-4102-2D03-4E5010F26C44}"/>
               </a:ext>
             </a:extLst>
           </p:cNvPr>
@@ -7390,17 +7440,17 @@
           <p:nvPr/>
         </p:nvSpPr>
         <p:spPr>
-          <a:xfrm>
-            <a:off x="6273143" y="3189352"/>
-            <a:ext cx="2130295" cy="2130295"/>
+          <a:xfrm flipH="1">
+            <a:off x="1202291" y="7344228"/>
+            <a:ext cx="3064909" cy="4876800"/>
           </a:xfrm>
           <a:prstGeom prst="roundRect">
             <a:avLst>
-              <a:gd name="adj" fmla="val 5288"/>
+              <a:gd name="adj" fmla="val 4828"/>
             </a:avLst>
           </a:prstGeom>
           <a:solidFill>
-            <a:schemeClr val="accent3"/>
+            <a:srgbClr val="7186C7"/>
           </a:solidFill>
           <a:ln>
             <a:noFill/>
@@ -7428,28 +7478,52 @@
           <a:p>
             <a:pPr algn="ctr"/>
             <a:r>
-              <a:rPr lang="pt-BR" b="1" i="0" dirty="0">
-                <a:effectLst/>
-                <a:latin typeface="Söhne"/>
-              </a:rPr>
-              <a:t>Controle de Custos:</a:t>
-            </a:r>
-          </a:p>
-          <a:p>
-            <a:pPr algn="ctr"/>
-            <a:r>
               <a:rPr lang="pt-BR" dirty="0"/>
-              <a:t>Monitoramento Constante e Análise de Desvios</a:t>
-            </a:r>
-          </a:p>
-        </p:txBody>
-      </p:sp>
-      <p:sp>
-        <p:nvSpPr>
-          <p:cNvPr id="10" name="Retângulo: Cantos Arredondados 9">
-            <a:extLst>
-              <a:ext uri="{FF2B5EF4-FFF2-40B4-BE49-F238E27FC236}">
-                <a16:creationId xmlns:a16="http://schemas.microsoft.com/office/drawing/2014/main" id="{00B4B4CE-FE93-85BC-ECBB-C028DAE14A75}"/>
+              <a:t>U</a:t>
+            </a:r>
+          </a:p>
+          <a:p>
+            <a:pPr algn="ctr"/>
+            <a:endParaRPr lang="pt-BR" dirty="0"/>
+          </a:p>
+          <a:p>
+            <a:pPr algn="ctr"/>
+            <a:endParaRPr lang="pt-BR" dirty="0"/>
+          </a:p>
+          <a:p>
+            <a:pPr algn="ctr"/>
+            <a:endParaRPr lang="pt-BR" dirty="0"/>
+          </a:p>
+          <a:p>
+            <a:pPr algn="ctr"/>
+            <a:endParaRPr lang="pt-BR" dirty="0"/>
+          </a:p>
+          <a:p>
+            <a:pPr algn="ctr"/>
+            <a:r>
+              <a:rPr lang="pt-BR" dirty="0"/>
+              <a:t>Utilização de ferramentas como a Matriz de Poder e Interesse para visualizar as relações de poder e interesse.</a:t>
+            </a:r>
+          </a:p>
+          <a:p>
+            <a:pPr algn="ctr"/>
+            <a:endParaRPr lang="pt-BR" dirty="0"/>
+          </a:p>
+          <a:p>
+            <a:pPr algn="ctr"/>
+            <a:r>
+              <a:rPr lang="pt-BR" dirty="0"/>
+              <a:t>Identificação das partes interessadas cruciais e compreensão de suas expectativas.</a:t>
+            </a:r>
+          </a:p>
+        </p:txBody>
+      </p:sp>
+      <p:sp>
+        <p:nvSpPr>
+          <p:cNvPr id="7" name="Forma Livre: Forma 6">
+            <a:extLst>
+              <a:ext uri="{FF2B5EF4-FFF2-40B4-BE49-F238E27FC236}">
+                <a16:creationId xmlns:a16="http://schemas.microsoft.com/office/drawing/2014/main" id="{4F99D335-8D14-ADCE-3A9B-F713EC0F7FF8}"/>
               </a:ext>
             </a:extLst>
           </p:cNvPr>
@@ -7457,17 +7531,88 @@
           <p:nvPr/>
         </p:nvSpPr>
         <p:spPr>
-          <a:xfrm>
-            <a:off x="8600509" y="3189352"/>
-            <a:ext cx="2130295" cy="2130295"/>
+          <a:xfrm flipH="1">
+            <a:off x="1202290" y="7344228"/>
+            <a:ext cx="3064909" cy="1611086"/>
           </a:xfrm>
-          <a:prstGeom prst="roundRect">
-            <a:avLst>
-              <a:gd name="adj" fmla="val 50000"/>
-            </a:avLst>
-          </a:prstGeom>
+          <a:custGeom>
+            <a:avLst/>
+            <a:gdLst>
+              <a:gd name="connsiteX0" fmla="*/ 147974 w 3064909"/>
+              <a:gd name="connsiteY0" fmla="*/ 0 h 1611086"/>
+              <a:gd name="connsiteX1" fmla="*/ 2916935 w 3064909"/>
+              <a:gd name="connsiteY1" fmla="*/ 0 h 1611086"/>
+              <a:gd name="connsiteX2" fmla="*/ 3064909 w 3064909"/>
+              <a:gd name="connsiteY2" fmla="*/ 147974 h 1611086"/>
+              <a:gd name="connsiteX3" fmla="*/ 3064909 w 3064909"/>
+              <a:gd name="connsiteY3" fmla="*/ 1611086 h 1611086"/>
+              <a:gd name="connsiteX4" fmla="*/ 0 w 3064909"/>
+              <a:gd name="connsiteY4" fmla="*/ 1611086 h 1611086"/>
+              <a:gd name="connsiteX5" fmla="*/ 0 w 3064909"/>
+              <a:gd name="connsiteY5" fmla="*/ 147974 h 1611086"/>
+              <a:gd name="connsiteX6" fmla="*/ 147974 w 3064909"/>
+              <a:gd name="connsiteY6" fmla="*/ 0 h 1611086"/>
+            </a:gdLst>
+            <a:ahLst/>
+            <a:cxnLst>
+              <a:cxn ang="0">
+                <a:pos x="connsiteX0" y="connsiteY0"/>
+              </a:cxn>
+              <a:cxn ang="0">
+                <a:pos x="connsiteX1" y="connsiteY1"/>
+              </a:cxn>
+              <a:cxn ang="0">
+                <a:pos x="connsiteX2" y="connsiteY2"/>
+              </a:cxn>
+              <a:cxn ang="0">
+                <a:pos x="connsiteX3" y="connsiteY3"/>
+              </a:cxn>
+              <a:cxn ang="0">
+                <a:pos x="connsiteX4" y="connsiteY4"/>
+              </a:cxn>
+              <a:cxn ang="0">
+                <a:pos x="connsiteX5" y="connsiteY5"/>
+              </a:cxn>
+              <a:cxn ang="0">
+                <a:pos x="connsiteX6" y="connsiteY6"/>
+              </a:cxn>
+            </a:cxnLst>
+            <a:rect l="l" t="t" r="r" b="b"/>
+            <a:pathLst>
+              <a:path w="3064909" h="1611086">
+                <a:moveTo>
+                  <a:pt x="147974" y="0"/>
+                </a:moveTo>
+                <a:lnTo>
+                  <a:pt x="2916935" y="0"/>
+                </a:lnTo>
+                <a:cubicBezTo>
+                  <a:pt x="2998659" y="0"/>
+                  <a:pt x="3064909" y="66250"/>
+                  <a:pt x="3064909" y="147974"/>
+                </a:cubicBezTo>
+                <a:lnTo>
+                  <a:pt x="3064909" y="1611086"/>
+                </a:lnTo>
+                <a:lnTo>
+                  <a:pt x="0" y="1611086"/>
+                </a:lnTo>
+                <a:lnTo>
+                  <a:pt x="0" y="147974"/>
+                </a:lnTo>
+                <a:cubicBezTo>
+                  <a:pt x="0" y="66250"/>
+                  <a:pt x="66250" y="0"/>
+                  <a:pt x="147974" y="0"/>
+                </a:cubicBezTo>
+                <a:close/>
+              </a:path>
+            </a:pathLst>
+          </a:custGeom>
           <a:solidFill>
-            <a:schemeClr val="accent4"/>
+            <a:schemeClr val="accent4">
+              <a:lumMod val="75000"/>
+            </a:schemeClr>
           </a:solidFill>
           <a:ln>
             <a:noFill/>
@@ -7490,38 +7635,482 @@
           </a:fontRef>
         </p:style>
         <p:txBody>
+          <a:bodyPr wrap="square" rtlCol="0" anchor="ctr">
+            <a:noAutofit/>
+          </a:bodyPr>
+          <a:lstStyle/>
+          <a:p>
+            <a:pPr algn="ctr"/>
+            <a:r>
+              <a:rPr lang="pt-BR" sz="2400" b="1" dirty="0"/>
+              <a:t>Identificação e Mapeamento:</a:t>
+            </a:r>
+          </a:p>
+        </p:txBody>
+      </p:sp>
+      <p:sp>
+        <p:nvSpPr>
+          <p:cNvPr id="8" name="Retângulo: Cantos Arredondados 7">
+            <a:extLst>
+              <a:ext uri="{FF2B5EF4-FFF2-40B4-BE49-F238E27FC236}">
+                <a16:creationId xmlns:a16="http://schemas.microsoft.com/office/drawing/2014/main" id="{3251F9A6-D576-4B52-4978-519E5F03EC62}"/>
+              </a:ext>
+            </a:extLst>
+          </p:cNvPr>
+          <p:cNvSpPr/>
+          <p:nvPr/>
+        </p:nvSpPr>
+        <p:spPr>
+          <a:xfrm flipH="1">
+            <a:off x="4489776" y="7344228"/>
+            <a:ext cx="3064909" cy="4876800"/>
+          </a:xfrm>
+          <a:prstGeom prst="roundRect">
+            <a:avLst>
+              <a:gd name="adj" fmla="val 4828"/>
+            </a:avLst>
+          </a:prstGeom>
+          <a:solidFill>
+            <a:srgbClr val="7186C7"/>
+          </a:solidFill>
+          <a:ln>
+            <a:noFill/>
+          </a:ln>
+        </p:spPr>
+        <p:style>
+          <a:lnRef idx="2">
+            <a:schemeClr val="accent1">
+              <a:shade val="15000"/>
+            </a:schemeClr>
+          </a:lnRef>
+          <a:fillRef idx="1">
+            <a:schemeClr val="accent1"/>
+          </a:fillRef>
+          <a:effectRef idx="0">
+            <a:schemeClr val="accent1"/>
+          </a:effectRef>
+          <a:fontRef idx="minor">
+            <a:schemeClr val="lt1"/>
+          </a:fontRef>
+        </p:style>
+        <p:txBody>
           <a:bodyPr rtlCol="0" anchor="ctr"/>
           <a:lstStyle/>
           <a:p>
             <a:pPr algn="ctr"/>
             <a:r>
-              <a:rPr lang="pt-BR" b="1" i="0" dirty="0">
-                <a:effectLst/>
-                <a:latin typeface="Söhne"/>
-              </a:rPr>
-              <a:t>Relatórios Financeiros:</a:t>
-            </a:r>
+              <a:rPr lang="pt-BR" dirty="0"/>
+              <a:t>U</a:t>
+            </a:r>
+          </a:p>
+          <a:p>
+            <a:pPr algn="ctr"/>
             <a:endParaRPr lang="pt-BR" dirty="0"/>
+          </a:p>
+          <a:p>
+            <a:pPr algn="ctr"/>
+            <a:endParaRPr lang="pt-BR" dirty="0"/>
+          </a:p>
+          <a:p>
+            <a:pPr algn="ctr"/>
+            <a:endParaRPr lang="pt-BR" dirty="0"/>
+          </a:p>
+          <a:p>
+            <a:pPr algn="ctr"/>
+            <a:endParaRPr lang="pt-BR" dirty="0"/>
+          </a:p>
+          <a:p>
+            <a:pPr algn="ctr"/>
+            <a:endParaRPr lang="pt-BR" dirty="0"/>
+          </a:p>
+          <a:p>
+            <a:pPr algn="ctr"/>
+            <a:r>
+              <a:rPr lang="pt-BR" dirty="0"/>
+              <a:t>Adaptação das abordagens com base em uma análise aprofundada das dinâmicas de poder e influência.</a:t>
+            </a:r>
+          </a:p>
+          <a:p>
+            <a:pPr algn="ctr"/>
+            <a:endParaRPr lang="pt-BR" dirty="0"/>
+          </a:p>
+          <a:p>
+            <a:pPr algn="ctr"/>
+            <a:r>
+              <a:rPr lang="pt-BR" dirty="0"/>
+              <a:t>Reconhecimento da singularidade de cada parte interessada e ajuste das estratégias de engajamento.</a:t>
+            </a:r>
+          </a:p>
+        </p:txBody>
+      </p:sp>
+      <p:sp>
+        <p:nvSpPr>
+          <p:cNvPr id="9" name="Forma Livre: Forma 8">
+            <a:extLst>
+              <a:ext uri="{FF2B5EF4-FFF2-40B4-BE49-F238E27FC236}">
+                <a16:creationId xmlns:a16="http://schemas.microsoft.com/office/drawing/2014/main" id="{0E8A4DE0-8128-E7E8-3B3D-629261D802A8}"/>
+              </a:ext>
+            </a:extLst>
+          </p:cNvPr>
+          <p:cNvSpPr/>
+          <p:nvPr/>
+        </p:nvSpPr>
+        <p:spPr>
+          <a:xfrm flipH="1">
+            <a:off x="4489775" y="7344228"/>
+            <a:ext cx="3064909" cy="1611086"/>
+          </a:xfrm>
+          <a:custGeom>
+            <a:avLst/>
+            <a:gdLst>
+              <a:gd name="connsiteX0" fmla="*/ 147974 w 3064909"/>
+              <a:gd name="connsiteY0" fmla="*/ 0 h 1611086"/>
+              <a:gd name="connsiteX1" fmla="*/ 2916935 w 3064909"/>
+              <a:gd name="connsiteY1" fmla="*/ 0 h 1611086"/>
+              <a:gd name="connsiteX2" fmla="*/ 3064909 w 3064909"/>
+              <a:gd name="connsiteY2" fmla="*/ 147974 h 1611086"/>
+              <a:gd name="connsiteX3" fmla="*/ 3064909 w 3064909"/>
+              <a:gd name="connsiteY3" fmla="*/ 1611086 h 1611086"/>
+              <a:gd name="connsiteX4" fmla="*/ 0 w 3064909"/>
+              <a:gd name="connsiteY4" fmla="*/ 1611086 h 1611086"/>
+              <a:gd name="connsiteX5" fmla="*/ 0 w 3064909"/>
+              <a:gd name="connsiteY5" fmla="*/ 147974 h 1611086"/>
+              <a:gd name="connsiteX6" fmla="*/ 147974 w 3064909"/>
+              <a:gd name="connsiteY6" fmla="*/ 0 h 1611086"/>
+            </a:gdLst>
+            <a:ahLst/>
+            <a:cxnLst>
+              <a:cxn ang="0">
+                <a:pos x="connsiteX0" y="connsiteY0"/>
+              </a:cxn>
+              <a:cxn ang="0">
+                <a:pos x="connsiteX1" y="connsiteY1"/>
+              </a:cxn>
+              <a:cxn ang="0">
+                <a:pos x="connsiteX2" y="connsiteY2"/>
+              </a:cxn>
+              <a:cxn ang="0">
+                <a:pos x="connsiteX3" y="connsiteY3"/>
+              </a:cxn>
+              <a:cxn ang="0">
+                <a:pos x="connsiteX4" y="connsiteY4"/>
+              </a:cxn>
+              <a:cxn ang="0">
+                <a:pos x="connsiteX5" y="connsiteY5"/>
+              </a:cxn>
+              <a:cxn ang="0">
+                <a:pos x="connsiteX6" y="connsiteY6"/>
+              </a:cxn>
+            </a:cxnLst>
+            <a:rect l="l" t="t" r="r" b="b"/>
+            <a:pathLst>
+              <a:path w="3064909" h="1611086">
+                <a:moveTo>
+                  <a:pt x="147974" y="0"/>
+                </a:moveTo>
+                <a:lnTo>
+                  <a:pt x="2916935" y="0"/>
+                </a:lnTo>
+                <a:cubicBezTo>
+                  <a:pt x="2998659" y="0"/>
+                  <a:pt x="3064909" y="66250"/>
+                  <a:pt x="3064909" y="147974"/>
+                </a:cubicBezTo>
+                <a:lnTo>
+                  <a:pt x="3064909" y="1611086"/>
+                </a:lnTo>
+                <a:lnTo>
+                  <a:pt x="0" y="1611086"/>
+                </a:lnTo>
+                <a:lnTo>
+                  <a:pt x="0" y="147974"/>
+                </a:lnTo>
+                <a:cubicBezTo>
+                  <a:pt x="0" y="66250"/>
+                  <a:pt x="66250" y="0"/>
+                  <a:pt x="147974" y="0"/>
+                </a:cubicBezTo>
+                <a:close/>
+              </a:path>
+            </a:pathLst>
+          </a:custGeom>
+          <a:solidFill>
+            <a:schemeClr val="accent4">
+              <a:lumMod val="75000"/>
+            </a:schemeClr>
+          </a:solidFill>
+          <a:ln>
+            <a:noFill/>
+          </a:ln>
+        </p:spPr>
+        <p:style>
+          <a:lnRef idx="2">
+            <a:schemeClr val="accent1">
+              <a:shade val="15000"/>
+            </a:schemeClr>
+          </a:lnRef>
+          <a:fillRef idx="1">
+            <a:schemeClr val="accent1"/>
+          </a:fillRef>
+          <a:effectRef idx="0">
+            <a:schemeClr val="accent1"/>
+          </a:effectRef>
+          <a:fontRef idx="minor">
+            <a:schemeClr val="lt1"/>
+          </a:fontRef>
+        </p:style>
+        <p:txBody>
+          <a:bodyPr wrap="square" rtlCol="0" anchor="ctr">
+            <a:noAutofit/>
+          </a:bodyPr>
+          <a:lstStyle/>
+          <a:p>
+            <a:pPr algn="ctr"/>
+            <a:r>
+              <a:rPr lang="pt-BR" sz="2400" b="1" dirty="0"/>
+              <a:t>Estratégias Personalizadas:</a:t>
+            </a:r>
+          </a:p>
+        </p:txBody>
+      </p:sp>
+      <p:sp>
+        <p:nvSpPr>
+          <p:cNvPr id="12" name="Retângulo: Cantos Arredondados 11">
+            <a:extLst>
+              <a:ext uri="{FF2B5EF4-FFF2-40B4-BE49-F238E27FC236}">
+                <a16:creationId xmlns:a16="http://schemas.microsoft.com/office/drawing/2014/main" id="{A7B484A8-EBDE-3E35-799E-95855CE529EA}"/>
+              </a:ext>
+            </a:extLst>
+          </p:cNvPr>
+          <p:cNvSpPr/>
+          <p:nvPr/>
+        </p:nvSpPr>
+        <p:spPr>
+          <a:xfrm flipH="1">
+            <a:off x="7777260" y="7344228"/>
+            <a:ext cx="3064909" cy="4876800"/>
+          </a:xfrm>
+          <a:prstGeom prst="roundRect">
+            <a:avLst>
+              <a:gd name="adj" fmla="val 4828"/>
+            </a:avLst>
+          </a:prstGeom>
+          <a:solidFill>
+            <a:srgbClr val="7186C7"/>
+          </a:solidFill>
+          <a:ln>
+            <a:noFill/>
+          </a:ln>
+        </p:spPr>
+        <p:style>
+          <a:lnRef idx="2">
+            <a:schemeClr val="accent1">
+              <a:shade val="15000"/>
+            </a:schemeClr>
+          </a:lnRef>
+          <a:fillRef idx="1">
+            <a:schemeClr val="accent1"/>
+          </a:fillRef>
+          <a:effectRef idx="0">
+            <a:schemeClr val="accent1"/>
+          </a:effectRef>
+          <a:fontRef idx="minor">
+            <a:schemeClr val="lt1"/>
+          </a:fontRef>
+        </p:style>
+        <p:txBody>
+          <a:bodyPr rtlCol="0" anchor="ctr"/>
+          <a:lstStyle/>
+          <a:p>
+            <a:pPr algn="ctr"/>
+            <a:r>
+              <a:rPr lang="pt-BR" dirty="0"/>
+              <a:t>U</a:t>
+            </a:r>
+          </a:p>
+          <a:p>
+            <a:pPr algn="ctr"/>
+            <a:endParaRPr lang="pt-BR" dirty="0"/>
+          </a:p>
+          <a:p>
+            <a:pPr algn="ctr"/>
+            <a:endParaRPr lang="pt-BR" dirty="0"/>
+          </a:p>
+          <a:p>
+            <a:pPr algn="ctr"/>
+            <a:endParaRPr lang="pt-BR" dirty="0"/>
+          </a:p>
+          <a:p>
+            <a:pPr algn="ctr"/>
+            <a:endParaRPr lang="pt-BR" dirty="0"/>
+          </a:p>
+          <a:p>
+            <a:pPr algn="ctr"/>
+            <a:r>
+              <a:rPr lang="pt-BR" dirty="0"/>
+              <a:t>Ajuste constante das estratégias à medida que as mudanças ocorrem no ambiente do projeto.</a:t>
+            </a:r>
+          </a:p>
+          <a:p>
+            <a:pPr algn="ctr"/>
+            <a:endParaRPr lang="pt-BR" dirty="0"/>
+          </a:p>
+          <a:p>
+            <a:pPr algn="ctr"/>
+            <a:r>
+              <a:rPr lang="pt-BR" dirty="0"/>
+              <a:t>Vigilância das alterações nas dinâmicas para garantir a relevância contínua das estratégias adotadas.</a:t>
+            </a:r>
+          </a:p>
+        </p:txBody>
+      </p:sp>
+      <p:sp>
+        <p:nvSpPr>
+          <p:cNvPr id="13" name="Forma Livre: Forma 12">
+            <a:extLst>
+              <a:ext uri="{FF2B5EF4-FFF2-40B4-BE49-F238E27FC236}">
+                <a16:creationId xmlns:a16="http://schemas.microsoft.com/office/drawing/2014/main" id="{9C10ED28-C0E2-AFE9-F3A0-9145FA0EC274}"/>
+              </a:ext>
+            </a:extLst>
+          </p:cNvPr>
+          <p:cNvSpPr/>
+          <p:nvPr/>
+        </p:nvSpPr>
+        <p:spPr>
+          <a:xfrm flipH="1">
+            <a:off x="7777259" y="7344228"/>
+            <a:ext cx="3064909" cy="1611086"/>
+          </a:xfrm>
+          <a:custGeom>
+            <a:avLst/>
+            <a:gdLst>
+              <a:gd name="connsiteX0" fmla="*/ 147974 w 3064909"/>
+              <a:gd name="connsiteY0" fmla="*/ 0 h 1611086"/>
+              <a:gd name="connsiteX1" fmla="*/ 2916935 w 3064909"/>
+              <a:gd name="connsiteY1" fmla="*/ 0 h 1611086"/>
+              <a:gd name="connsiteX2" fmla="*/ 3064909 w 3064909"/>
+              <a:gd name="connsiteY2" fmla="*/ 147974 h 1611086"/>
+              <a:gd name="connsiteX3" fmla="*/ 3064909 w 3064909"/>
+              <a:gd name="connsiteY3" fmla="*/ 1611086 h 1611086"/>
+              <a:gd name="connsiteX4" fmla="*/ 0 w 3064909"/>
+              <a:gd name="connsiteY4" fmla="*/ 1611086 h 1611086"/>
+              <a:gd name="connsiteX5" fmla="*/ 0 w 3064909"/>
+              <a:gd name="connsiteY5" fmla="*/ 147974 h 1611086"/>
+              <a:gd name="connsiteX6" fmla="*/ 147974 w 3064909"/>
+              <a:gd name="connsiteY6" fmla="*/ 0 h 1611086"/>
+            </a:gdLst>
+            <a:ahLst/>
+            <a:cxnLst>
+              <a:cxn ang="0">
+                <a:pos x="connsiteX0" y="connsiteY0"/>
+              </a:cxn>
+              <a:cxn ang="0">
+                <a:pos x="connsiteX1" y="connsiteY1"/>
+              </a:cxn>
+              <a:cxn ang="0">
+                <a:pos x="connsiteX2" y="connsiteY2"/>
+              </a:cxn>
+              <a:cxn ang="0">
+                <a:pos x="connsiteX3" y="connsiteY3"/>
+              </a:cxn>
+              <a:cxn ang="0">
+                <a:pos x="connsiteX4" y="connsiteY4"/>
+              </a:cxn>
+              <a:cxn ang="0">
+                <a:pos x="connsiteX5" y="connsiteY5"/>
+              </a:cxn>
+              <a:cxn ang="0">
+                <a:pos x="connsiteX6" y="connsiteY6"/>
+              </a:cxn>
+            </a:cxnLst>
+            <a:rect l="l" t="t" r="r" b="b"/>
+            <a:pathLst>
+              <a:path w="3064909" h="1611086">
+                <a:moveTo>
+                  <a:pt x="147974" y="0"/>
+                </a:moveTo>
+                <a:lnTo>
+                  <a:pt x="2916935" y="0"/>
+                </a:lnTo>
+                <a:cubicBezTo>
+                  <a:pt x="2998659" y="0"/>
+                  <a:pt x="3064909" y="66250"/>
+                  <a:pt x="3064909" y="147974"/>
+                </a:cubicBezTo>
+                <a:lnTo>
+                  <a:pt x="3064909" y="1611086"/>
+                </a:lnTo>
+                <a:lnTo>
+                  <a:pt x="0" y="1611086"/>
+                </a:lnTo>
+                <a:lnTo>
+                  <a:pt x="0" y="147974"/>
+                </a:lnTo>
+                <a:cubicBezTo>
+                  <a:pt x="0" y="66250"/>
+                  <a:pt x="66250" y="0"/>
+                  <a:pt x="147974" y="0"/>
+                </a:cubicBezTo>
+                <a:close/>
+              </a:path>
+            </a:pathLst>
+          </a:custGeom>
+          <a:solidFill>
+            <a:schemeClr val="accent4">
+              <a:lumMod val="75000"/>
+            </a:schemeClr>
+          </a:solidFill>
+          <a:ln>
+            <a:noFill/>
+          </a:ln>
+        </p:spPr>
+        <p:style>
+          <a:lnRef idx="2">
+            <a:schemeClr val="accent1">
+              <a:shade val="15000"/>
+            </a:schemeClr>
+          </a:lnRef>
+          <a:fillRef idx="1">
+            <a:schemeClr val="accent1"/>
+          </a:fillRef>
+          <a:effectRef idx="0">
+            <a:schemeClr val="accent1"/>
+          </a:effectRef>
+          <a:fontRef idx="minor">
+            <a:schemeClr val="lt1"/>
+          </a:fontRef>
+        </p:style>
+        <p:txBody>
+          <a:bodyPr wrap="square" rtlCol="0" anchor="ctr">
+            <a:noAutofit/>
+          </a:bodyPr>
+          <a:lstStyle/>
+          <a:p>
+            <a:pPr algn="ctr"/>
+            <a:r>
+              <a:rPr lang="pt-BR" sz="2400" b="1" dirty="0"/>
+              <a:t>Monitoramento Contínuo:</a:t>
+            </a:r>
           </a:p>
         </p:txBody>
       </p:sp>
     </p:spTree>
     <p:extLst>
       <p:ext uri="{BB962C8B-B14F-4D97-AF65-F5344CB8AC3E}">
-        <p14:creationId xmlns:p14="http://schemas.microsoft.com/office/powerpoint/2010/main" val="2578909357"/>
+        <p14:creationId xmlns:p14="http://schemas.microsoft.com/office/powerpoint/2010/main" val="1337129891"/>
       </p:ext>
     </p:extLst>
   </p:cSld>
   <p:clrMapOvr>
     <a:masterClrMapping/>
   </p:clrMapOvr>
-  <mc:AlternateContent xmlns:mc="http://schemas.openxmlformats.org/markup-compatibility/2006">
-    <mc:Choice xmlns:p159="http://schemas.microsoft.com/office/powerpoint/2015/09/main" Requires="p159">
+  <mc:AlternateContent xmlns:mc="http://schemas.openxmlformats.org/markup-compatibility/2006" xmlns:p159="http://schemas.microsoft.com/office/powerpoint/2015/09/main">
+    <mc:Choice Requires="p159">
       <p:transition xmlns:p14="http://schemas.microsoft.com/office/powerpoint/2010/main" spd="slow" p14:dur="2000">
         <p159:morph option="byObject"/>
       </p:transition>
     </mc:Choice>
-    <mc:Fallback>
+    <mc:Fallback xmlns="">
       <p:transition spd="slow">
         <p:fade/>
       </p:transition>
@@ -7549,38 +8138,10 @@
       </p:grpSpPr>
       <p:sp>
         <p:nvSpPr>
-          <p:cNvPr id="2" name="Título 1">
-            <a:extLst>
-              <a:ext uri="{FF2B5EF4-FFF2-40B4-BE49-F238E27FC236}">
-                <a16:creationId xmlns:a16="http://schemas.microsoft.com/office/drawing/2014/main" id="{9607353C-C075-7C4B-E676-445D5D3CDB69}"/>
-              </a:ext>
-            </a:extLst>
-          </p:cNvPr>
-          <p:cNvSpPr>
-            <a:spLocks noGrp="1"/>
-          </p:cNvSpPr>
-          <p:nvPr>
-            <p:ph type="title"/>
-          </p:nvPr>
-        </p:nvSpPr>
-        <p:spPr/>
-        <p:txBody>
-          <a:bodyPr/>
-          <a:lstStyle/>
-          <a:p>
-            <a:r>
-              <a:rPr lang="pt-BR" dirty="0"/>
-              <a:t>Componentes Essenciais</a:t>
-            </a:r>
-          </a:p>
-        </p:txBody>
-      </p:sp>
-      <p:sp>
-        <p:nvSpPr>
-          <p:cNvPr id="4" name="Retângulo: Cantos Arredondados 3">
-            <a:extLst>
-              <a:ext uri="{FF2B5EF4-FFF2-40B4-BE49-F238E27FC236}">
-                <a16:creationId xmlns:a16="http://schemas.microsoft.com/office/drawing/2014/main" id="{CD3504C6-A233-A42F-2AE2-48CB43ED0753}"/>
+          <p:cNvPr id="2" name="Retângulo: Cantos Arredondados 1">
+            <a:extLst>
+              <a:ext uri="{FF2B5EF4-FFF2-40B4-BE49-F238E27FC236}">
+                <a16:creationId xmlns:a16="http://schemas.microsoft.com/office/drawing/2014/main" id="{7530B101-4FD6-43D7-8D3B-423D11E542AA}"/>
               </a:ext>
             </a:extLst>
           </p:cNvPr>
@@ -7589,74 +8150,14 @@
         </p:nvSpPr>
         <p:spPr>
           <a:xfrm>
-            <a:off x="1618411" y="3189352"/>
-            <a:ext cx="2130295" cy="2130295"/>
+            <a:off x="941034" y="630315"/>
+            <a:ext cx="4625266" cy="852256"/>
           </a:xfrm>
           <a:prstGeom prst="roundRect">
-            <a:avLst>
-              <a:gd name="adj" fmla="val 50000"/>
-            </a:avLst>
-          </a:prstGeom>
-          <a:ln>
-            <a:noFill/>
-          </a:ln>
-        </p:spPr>
-        <p:style>
-          <a:lnRef idx="2">
-            <a:schemeClr val="accent1">
-              <a:shade val="15000"/>
-            </a:schemeClr>
-          </a:lnRef>
-          <a:fillRef idx="1">
-            <a:schemeClr val="accent1"/>
-          </a:fillRef>
-          <a:effectRef idx="0">
-            <a:schemeClr val="accent1"/>
-          </a:effectRef>
-          <a:fontRef idx="minor">
-            <a:schemeClr val="lt1"/>
-          </a:fontRef>
-        </p:style>
-        <p:txBody>
-          <a:bodyPr rtlCol="0" anchor="ctr"/>
-          <a:lstStyle/>
-          <a:p>
-            <a:pPr algn="ctr"/>
-            <a:r>
-              <a:rPr lang="pt-BR" b="1" i="0" dirty="0">
-                <a:effectLst/>
-                <a:latin typeface="Söhne"/>
-              </a:rPr>
-              <a:t>Planejamento de Custos:</a:t>
-            </a:r>
-            <a:endParaRPr lang="pt-BR" dirty="0"/>
-          </a:p>
-        </p:txBody>
-      </p:sp>
-      <p:sp>
-        <p:nvSpPr>
-          <p:cNvPr id="5" name="Retângulo: Cantos Arredondados 4">
-            <a:extLst>
-              <a:ext uri="{FF2B5EF4-FFF2-40B4-BE49-F238E27FC236}">
-                <a16:creationId xmlns:a16="http://schemas.microsoft.com/office/drawing/2014/main" id="{7B2504EE-1407-5D7C-694B-6E8D7A5A5AB6}"/>
-              </a:ext>
-            </a:extLst>
-          </p:cNvPr>
-          <p:cNvSpPr/>
-          <p:nvPr/>
-        </p:nvSpPr>
-        <p:spPr>
-          <a:xfrm>
-            <a:off x="3945777" y="3189352"/>
-            <a:ext cx="2130295" cy="2130295"/>
-          </a:xfrm>
-          <a:prstGeom prst="roundRect">
-            <a:avLst>
-              <a:gd name="adj" fmla="val 50000"/>
-            </a:avLst>
+            <a:avLst/>
           </a:prstGeom>
           <a:solidFill>
-            <a:schemeClr val="accent2"/>
+            <a:schemeClr val="accent6"/>
           </a:solidFill>
           <a:ln>
             <a:noFill/>
@@ -7684,168 +8185,116 @@
           <a:p>
             <a:pPr algn="ctr"/>
             <a:r>
-              <a:rPr lang="pt-BR" b="1" i="0" dirty="0">
+              <a:rPr lang="pt-BR" sz="3600" b="1" i="0" dirty="0">
                 <a:effectLst/>
                 <a:latin typeface="Söhne"/>
               </a:rPr>
-              <a:t>Estimativa de Custos:</a:t>
-            </a:r>
-            <a:endParaRPr lang="pt-BR" dirty="0"/>
-          </a:p>
-        </p:txBody>
-      </p:sp>
-      <p:sp>
-        <p:nvSpPr>
-          <p:cNvPr id="9" name="Retângulo: Cantos Arredondados 8">
-            <a:extLst>
-              <a:ext uri="{FF2B5EF4-FFF2-40B4-BE49-F238E27FC236}">
-                <a16:creationId xmlns:a16="http://schemas.microsoft.com/office/drawing/2014/main" id="{F7319605-EA5B-E903-6319-EE2B9993FA06}"/>
-              </a:ext>
-            </a:extLst>
-          </p:cNvPr>
-          <p:cNvSpPr/>
-          <p:nvPr/>
-        </p:nvSpPr>
-        <p:spPr>
-          <a:xfrm>
-            <a:off x="6273143" y="3189352"/>
-            <a:ext cx="2130295" cy="2130295"/>
-          </a:xfrm>
-          <a:prstGeom prst="roundRect">
-            <a:avLst>
-              <a:gd name="adj" fmla="val 50000"/>
-            </a:avLst>
-          </a:prstGeom>
-          <a:solidFill>
-            <a:schemeClr val="accent3"/>
-          </a:solidFill>
-          <a:ln>
-            <a:noFill/>
-          </a:ln>
-        </p:spPr>
-        <p:style>
-          <a:lnRef idx="2">
-            <a:schemeClr val="accent1">
-              <a:shade val="15000"/>
-            </a:schemeClr>
-          </a:lnRef>
-          <a:fillRef idx="1">
-            <a:schemeClr val="accent1"/>
-          </a:fillRef>
-          <a:effectRef idx="0">
-            <a:schemeClr val="accent1"/>
-          </a:effectRef>
-          <a:fontRef idx="minor">
-            <a:schemeClr val="lt1"/>
-          </a:fontRef>
-        </p:style>
-        <p:txBody>
-          <a:bodyPr rtlCol="0" anchor="ctr"/>
-          <a:lstStyle/>
-          <a:p>
-            <a:pPr algn="ctr"/>
-            <a:r>
-              <a:rPr lang="pt-BR" b="1" i="0" dirty="0">
+              <a:t>  </a:t>
+            </a:r>
+            <a:r>
+              <a:rPr lang="pt-BR" sz="2800" b="1" i="0" dirty="0">
                 <a:effectLst/>
                 <a:latin typeface="Söhne"/>
               </a:rPr>
-              <a:t>Controle de Custos:</a:t>
-            </a:r>
-            <a:endParaRPr lang="pt-BR" dirty="0"/>
-          </a:p>
-        </p:txBody>
-      </p:sp>
-      <p:sp>
-        <p:nvSpPr>
-          <p:cNvPr id="10" name="Retângulo: Cantos Arredondados 9">
-            <a:extLst>
-              <a:ext uri="{FF2B5EF4-FFF2-40B4-BE49-F238E27FC236}">
-                <a16:creationId xmlns:a16="http://schemas.microsoft.com/office/drawing/2014/main" id="{00B4B4CE-FE93-85BC-ECBB-C028DAE14A75}"/>
-              </a:ext>
-            </a:extLst>
-          </p:cNvPr>
-          <p:cNvSpPr/>
+              <a:t>Estratégias Sob Medida</a:t>
+            </a:r>
+            <a:endParaRPr lang="pt-BR" sz="2400" b="1" i="0" dirty="0">
+              <a:effectLst/>
+              <a:latin typeface="Söhne"/>
+            </a:endParaRPr>
+          </a:p>
+        </p:txBody>
+      </p:sp>
+      <p:sp>
+        <p:nvSpPr>
+          <p:cNvPr id="4" name="CaixaDeTexto 3">
+            <a:extLst>
+              <a:ext uri="{FF2B5EF4-FFF2-40B4-BE49-F238E27FC236}">
+                <a16:creationId xmlns:a16="http://schemas.microsoft.com/office/drawing/2014/main" id="{257A9F9A-AB97-0D1F-06A0-8C8BAFD0A9BB}"/>
+              </a:ext>
+            </a:extLst>
+          </p:cNvPr>
+          <p:cNvSpPr txBox="1"/>
           <p:nvPr/>
         </p:nvSpPr>
         <p:spPr>
           <a:xfrm>
-            <a:off x="8600509" y="3189352"/>
-            <a:ext cx="2130295" cy="2130295"/>
+            <a:off x="941034" y="1932785"/>
+            <a:ext cx="10457279" cy="3108543"/>
           </a:xfrm>
-          <a:prstGeom prst="roundRect">
-            <a:avLst>
-              <a:gd name="adj" fmla="val 4692"/>
-            </a:avLst>
+          <a:prstGeom prst="rect">
+            <a:avLst/>
           </a:prstGeom>
-          <a:solidFill>
-            <a:schemeClr val="accent4"/>
-          </a:solidFill>
-          <a:ln>
-            <a:noFill/>
-          </a:ln>
+          <a:noFill/>
         </p:spPr>
-        <p:style>
-          <a:lnRef idx="2">
-            <a:schemeClr val="accent1">
-              <a:shade val="15000"/>
-            </a:schemeClr>
-          </a:lnRef>
-          <a:fillRef idx="1">
-            <a:schemeClr val="accent1"/>
-          </a:fillRef>
-          <a:effectRef idx="0">
-            <a:schemeClr val="accent1"/>
-          </a:effectRef>
-          <a:fontRef idx="minor">
-            <a:schemeClr val="lt1"/>
-          </a:fontRef>
-        </p:style>
-        <p:txBody>
-          <a:bodyPr rtlCol="0" anchor="ctr"/>
-          <a:lstStyle/>
-          <a:p>
-            <a:pPr algn="ctr"/>
-            <a:r>
-              <a:rPr lang="pt-BR" b="1" i="0" dirty="0">
-                <a:effectLst/>
-                <a:latin typeface="Söhne"/>
-              </a:rPr>
-              <a:t>Relatórios Financeiros:</a:t>
-            </a:r>
-            <a:br>
-              <a:rPr lang="pt-BR" b="1" i="0" dirty="0">
-                <a:effectLst/>
-                <a:latin typeface="Söhne"/>
-              </a:rPr>
-            </a:br>
-            <a:r>
-              <a:rPr lang="pt-BR" i="0" dirty="0">
-                <a:effectLst/>
-                <a:latin typeface="Söhne"/>
-              </a:rPr>
-              <a:t>Demonstrativos de Custos e Comunicação Eficaz.</a:t>
-            </a:r>
-            <a:endParaRPr lang="pt-BR" dirty="0"/>
+        <p:txBody>
+          <a:bodyPr wrap="square" rtlCol="0">
+            <a:spAutoFit/>
+          </a:bodyPr>
+          <a:lstStyle/>
+          <a:p>
+            <a:pPr marL="457200" indent="-457200">
+              <a:buFont typeface="Arial" panose="020B0604020202020204" pitchFamily="34" charset="0"/>
+              <a:buChar char="•"/>
+            </a:pPr>
+            <a:r>
+              <a:rPr lang="pt-BR" sz="2800" dirty="0"/>
+              <a:t>Enfatizar a Ausência de uma Abordagem Única:</a:t>
+            </a:r>
+          </a:p>
+          <a:p>
+            <a:pPr marL="457200" indent="-457200">
+              <a:buFont typeface="Arial" panose="020B0604020202020204" pitchFamily="34" charset="0"/>
+              <a:buChar char="•"/>
+            </a:pPr>
+            <a:endParaRPr lang="pt-BR" sz="2800" dirty="0"/>
+          </a:p>
+          <a:p>
+            <a:pPr marL="914400" lvl="1" indent="-457200">
+              <a:buFont typeface="Arial" panose="020B0604020202020204" pitchFamily="34" charset="0"/>
+              <a:buChar char="•"/>
+            </a:pPr>
+            <a:r>
+              <a:rPr lang="pt-BR" sz="2800" dirty="0"/>
+              <a:t>Cada parte interessada é única, e não existe uma estratégia universalmente aplicável.</a:t>
+            </a:r>
+          </a:p>
+          <a:p>
+            <a:pPr marL="914400" lvl="1" indent="-457200">
+              <a:buFont typeface="Arial" panose="020B0604020202020204" pitchFamily="34" charset="0"/>
+              <a:buChar char="•"/>
+            </a:pPr>
+            <a:endParaRPr lang="pt-BR" sz="2800" dirty="0"/>
+          </a:p>
+          <a:p>
+            <a:pPr marL="914400" lvl="1" indent="-457200">
+              <a:buFont typeface="Arial" panose="020B0604020202020204" pitchFamily="34" charset="0"/>
+              <a:buChar char="•"/>
+            </a:pPr>
+            <a:r>
+              <a:rPr lang="pt-BR" sz="2800" dirty="0"/>
+              <a:t>Destaque para a importância de avaliar individualmente as necessidades e expectativas de cada parte interessada.</a:t>
+            </a:r>
           </a:p>
         </p:txBody>
       </p:sp>
     </p:spTree>
     <p:extLst>
       <p:ext uri="{BB962C8B-B14F-4D97-AF65-F5344CB8AC3E}">
-        <p14:creationId xmlns:p14="http://schemas.microsoft.com/office/powerpoint/2010/main" val="2109133810"/>
+        <p14:creationId xmlns:p14="http://schemas.microsoft.com/office/powerpoint/2010/main" val="949770484"/>
       </p:ext>
     </p:extLst>
   </p:cSld>
   <p:clrMapOvr>
     <a:masterClrMapping/>
   </p:clrMapOvr>
-  <mc:AlternateContent xmlns:mc="http://schemas.openxmlformats.org/markup-compatibility/2006">
-    <mc:Choice xmlns:p159="http://schemas.microsoft.com/office/powerpoint/2015/09/main" Requires="p159">
+  <mc:AlternateContent xmlns:mc="http://schemas.openxmlformats.org/markup-compatibility/2006" xmlns:p159="http://schemas.microsoft.com/office/powerpoint/2015/09/main">
+    <mc:Choice Requires="p159">
       <p:transition xmlns:p14="http://schemas.microsoft.com/office/powerpoint/2010/main" spd="slow" p14:dur="2000">
         <p159:morph option="byObject"/>
       </p:transition>
     </mc:Choice>
-    <mc:Fallback>
+    <mc:Fallback xmlns="">
       <p:transition spd="slow">
         <p:fade/>
       </p:transition>
@@ -7873,38 +8322,10 @@
       </p:grpSpPr>
       <p:sp>
         <p:nvSpPr>
-          <p:cNvPr id="2" name="Título 1">
-            <a:extLst>
-              <a:ext uri="{FF2B5EF4-FFF2-40B4-BE49-F238E27FC236}">
-                <a16:creationId xmlns:a16="http://schemas.microsoft.com/office/drawing/2014/main" id="{9607353C-C075-7C4B-E676-445D5D3CDB69}"/>
-              </a:ext>
-            </a:extLst>
-          </p:cNvPr>
-          <p:cNvSpPr>
-            <a:spLocks noGrp="1"/>
-          </p:cNvSpPr>
-          <p:nvPr>
-            <p:ph type="title"/>
-          </p:nvPr>
-        </p:nvSpPr>
-        <p:spPr/>
-        <p:txBody>
-          <a:bodyPr/>
-          <a:lstStyle/>
-          <a:p>
-            <a:r>
-              <a:rPr lang="pt-BR" dirty="0"/>
-              <a:t>Componentes Essenciais</a:t>
-            </a:r>
-          </a:p>
-        </p:txBody>
-      </p:sp>
-      <p:sp>
-        <p:nvSpPr>
-          <p:cNvPr id="4" name="Retângulo: Cantos Arredondados 3">
-            <a:extLst>
-              <a:ext uri="{FF2B5EF4-FFF2-40B4-BE49-F238E27FC236}">
-                <a16:creationId xmlns:a16="http://schemas.microsoft.com/office/drawing/2014/main" id="{CD3504C6-A233-A42F-2AE2-48CB43ED0753}"/>
+          <p:cNvPr id="2" name="Retângulo: Cantos Arredondados 1">
+            <a:extLst>
+              <a:ext uri="{FF2B5EF4-FFF2-40B4-BE49-F238E27FC236}">
+                <a16:creationId xmlns:a16="http://schemas.microsoft.com/office/drawing/2014/main" id="{7530B101-4FD6-43D7-8D3B-423D11E542AA}"/>
               </a:ext>
             </a:extLst>
           </p:cNvPr>
@@ -7913,74 +8334,14 @@
         </p:nvSpPr>
         <p:spPr>
           <a:xfrm>
-            <a:off x="1618411" y="3189352"/>
-            <a:ext cx="2130295" cy="2130295"/>
+            <a:off x="941034" y="630315"/>
+            <a:ext cx="4625266" cy="852256"/>
           </a:xfrm>
           <a:prstGeom prst="roundRect">
-            <a:avLst>
-              <a:gd name="adj" fmla="val 50000"/>
-            </a:avLst>
-          </a:prstGeom>
-          <a:ln>
-            <a:noFill/>
-          </a:ln>
-        </p:spPr>
-        <p:style>
-          <a:lnRef idx="2">
-            <a:schemeClr val="accent1">
-              <a:shade val="15000"/>
-            </a:schemeClr>
-          </a:lnRef>
-          <a:fillRef idx="1">
-            <a:schemeClr val="accent1"/>
-          </a:fillRef>
-          <a:effectRef idx="0">
-            <a:schemeClr val="accent1"/>
-          </a:effectRef>
-          <a:fontRef idx="minor">
-            <a:schemeClr val="lt1"/>
-          </a:fontRef>
-        </p:style>
-        <p:txBody>
-          <a:bodyPr rtlCol="0" anchor="ctr"/>
-          <a:lstStyle/>
-          <a:p>
-            <a:pPr algn="ctr"/>
-            <a:r>
-              <a:rPr lang="pt-BR" b="1" i="0" dirty="0">
-                <a:effectLst/>
-                <a:latin typeface="Söhne"/>
-              </a:rPr>
-              <a:t>Planejamento de Custos:</a:t>
-            </a:r>
-            <a:endParaRPr lang="pt-BR" dirty="0"/>
-          </a:p>
-        </p:txBody>
-      </p:sp>
-      <p:sp>
-        <p:nvSpPr>
-          <p:cNvPr id="5" name="Retângulo: Cantos Arredondados 4">
-            <a:extLst>
-              <a:ext uri="{FF2B5EF4-FFF2-40B4-BE49-F238E27FC236}">
-                <a16:creationId xmlns:a16="http://schemas.microsoft.com/office/drawing/2014/main" id="{7B2504EE-1407-5D7C-694B-6E8D7A5A5AB6}"/>
-              </a:ext>
-            </a:extLst>
-          </p:cNvPr>
-          <p:cNvSpPr/>
-          <p:nvPr/>
-        </p:nvSpPr>
-        <p:spPr>
-          <a:xfrm>
-            <a:off x="3945777" y="3189352"/>
-            <a:ext cx="2130295" cy="2130295"/>
-          </a:xfrm>
-          <a:prstGeom prst="roundRect">
-            <a:avLst>
-              <a:gd name="adj" fmla="val 50000"/>
-            </a:avLst>
+            <a:avLst/>
           </a:prstGeom>
           <a:solidFill>
-            <a:schemeClr val="accent2"/>
+            <a:schemeClr val="tx2"/>
           </a:solidFill>
           <a:ln>
             <a:noFill/>
@@ -8008,155 +8369,112 @@
           <a:p>
             <a:pPr algn="ctr"/>
             <a:r>
-              <a:rPr lang="pt-BR" b="1" i="0" dirty="0">
+              <a:rPr lang="pt-BR" sz="3600" b="1" i="0" dirty="0">
                 <a:effectLst/>
                 <a:latin typeface="Söhne"/>
               </a:rPr>
-              <a:t>Estimativa de Custos:</a:t>
-            </a:r>
-            <a:endParaRPr lang="pt-BR" dirty="0"/>
-          </a:p>
-        </p:txBody>
-      </p:sp>
-      <p:sp>
-        <p:nvSpPr>
-          <p:cNvPr id="9" name="Retângulo: Cantos Arredondados 8">
-            <a:extLst>
-              <a:ext uri="{FF2B5EF4-FFF2-40B4-BE49-F238E27FC236}">
-                <a16:creationId xmlns:a16="http://schemas.microsoft.com/office/drawing/2014/main" id="{F7319605-EA5B-E903-6319-EE2B9993FA06}"/>
-              </a:ext>
-            </a:extLst>
-          </p:cNvPr>
-          <p:cNvSpPr/>
-          <p:nvPr/>
-        </p:nvSpPr>
-        <p:spPr>
-          <a:xfrm>
-            <a:off x="6273143" y="3189352"/>
-            <a:ext cx="2130295" cy="2130295"/>
-          </a:xfrm>
-          <a:prstGeom prst="roundRect">
-            <a:avLst>
-              <a:gd name="adj" fmla="val 50000"/>
-            </a:avLst>
-          </a:prstGeom>
-          <a:solidFill>
-            <a:schemeClr val="accent3"/>
-          </a:solidFill>
-          <a:ln>
-            <a:noFill/>
-          </a:ln>
-        </p:spPr>
-        <p:style>
-          <a:lnRef idx="2">
-            <a:schemeClr val="accent1">
-              <a:shade val="15000"/>
-            </a:schemeClr>
-          </a:lnRef>
-          <a:fillRef idx="1">
-            <a:schemeClr val="accent1"/>
-          </a:fillRef>
-          <a:effectRef idx="0">
-            <a:schemeClr val="accent1"/>
-          </a:effectRef>
-          <a:fontRef idx="minor">
-            <a:schemeClr val="lt1"/>
-          </a:fontRef>
-        </p:style>
-        <p:txBody>
-          <a:bodyPr rtlCol="0" anchor="ctr"/>
-          <a:lstStyle/>
-          <a:p>
-            <a:pPr algn="ctr"/>
-            <a:r>
-              <a:rPr lang="pt-BR" b="1" i="0" dirty="0">
+              <a:t>  </a:t>
+            </a:r>
+            <a:r>
+              <a:rPr lang="pt-BR" sz="2400" b="1" i="0" dirty="0">
                 <a:effectLst/>
                 <a:latin typeface="Söhne"/>
               </a:rPr>
-              <a:t>Controle de Custos:</a:t>
-            </a:r>
-            <a:endParaRPr lang="pt-BR" dirty="0"/>
-          </a:p>
-        </p:txBody>
-      </p:sp>
-      <p:sp>
-        <p:nvSpPr>
-          <p:cNvPr id="10" name="Retângulo: Cantos Arredondados 9">
-            <a:extLst>
-              <a:ext uri="{FF2B5EF4-FFF2-40B4-BE49-F238E27FC236}">
-                <a16:creationId xmlns:a16="http://schemas.microsoft.com/office/drawing/2014/main" id="{00B4B4CE-FE93-85BC-ECBB-C028DAE14A75}"/>
-              </a:ext>
-            </a:extLst>
-          </p:cNvPr>
-          <p:cNvSpPr/>
+              <a:t>Adaptação ao Longo do Ciclo de Vida do Projeto</a:t>
+            </a:r>
+          </a:p>
+        </p:txBody>
+      </p:sp>
+      <p:sp>
+        <p:nvSpPr>
+          <p:cNvPr id="4" name="CaixaDeTexto 3">
+            <a:extLst>
+              <a:ext uri="{FF2B5EF4-FFF2-40B4-BE49-F238E27FC236}">
+                <a16:creationId xmlns:a16="http://schemas.microsoft.com/office/drawing/2014/main" id="{257A9F9A-AB97-0D1F-06A0-8C8BAFD0A9BB}"/>
+              </a:ext>
+            </a:extLst>
+          </p:cNvPr>
+          <p:cNvSpPr txBox="1"/>
           <p:nvPr/>
         </p:nvSpPr>
         <p:spPr>
           <a:xfrm>
-            <a:off x="8600509" y="3189352"/>
-            <a:ext cx="2130295" cy="2130295"/>
+            <a:off x="941034" y="1932785"/>
+            <a:ext cx="10457279" cy="3108543"/>
           </a:xfrm>
-          <a:prstGeom prst="roundRect">
-            <a:avLst>
-              <a:gd name="adj" fmla="val 50000"/>
-            </a:avLst>
+          <a:prstGeom prst="rect">
+            <a:avLst/>
           </a:prstGeom>
-          <a:solidFill>
-            <a:schemeClr val="accent4"/>
-          </a:solidFill>
-          <a:ln>
-            <a:noFill/>
-          </a:ln>
+          <a:noFill/>
         </p:spPr>
-        <p:style>
-          <a:lnRef idx="2">
-            <a:schemeClr val="accent1">
-              <a:shade val="15000"/>
-            </a:schemeClr>
-          </a:lnRef>
-          <a:fillRef idx="1">
-            <a:schemeClr val="accent1"/>
-          </a:fillRef>
-          <a:effectRef idx="0">
-            <a:schemeClr val="accent1"/>
-          </a:effectRef>
-          <a:fontRef idx="minor">
-            <a:schemeClr val="lt1"/>
-          </a:fontRef>
-        </p:style>
-        <p:txBody>
-          <a:bodyPr rtlCol="0" anchor="ctr"/>
-          <a:lstStyle/>
-          <a:p>
-            <a:pPr algn="ctr"/>
-            <a:r>
-              <a:rPr lang="pt-BR" b="1" i="0" dirty="0">
-                <a:effectLst/>
-                <a:latin typeface="Söhne"/>
-              </a:rPr>
-              <a:t>Relatórios Financeiros:</a:t>
-            </a:r>
-            <a:endParaRPr lang="pt-BR" dirty="0"/>
+        <p:txBody>
+          <a:bodyPr wrap="square" rtlCol="0">
+            <a:spAutoFit/>
+          </a:bodyPr>
+          <a:lstStyle/>
+          <a:p>
+            <a:pPr marL="457200" indent="-457200">
+              <a:buFont typeface="Arial" panose="020B0604020202020204" pitchFamily="34" charset="0"/>
+              <a:buChar char="•"/>
+            </a:pPr>
+            <a:r>
+              <a:rPr lang="pt-BR" sz="2800" dirty="0"/>
+              <a:t>Importância do Monitoramento Contínuo:</a:t>
+            </a:r>
+          </a:p>
+          <a:p>
+            <a:pPr marL="457200" indent="-457200">
+              <a:buFont typeface="Arial" panose="020B0604020202020204" pitchFamily="34" charset="0"/>
+              <a:buChar char="•"/>
+            </a:pPr>
+            <a:endParaRPr lang="pt-BR" sz="2800" dirty="0"/>
+          </a:p>
+          <a:p>
+            <a:pPr marL="914400" lvl="1" indent="-457200">
+              <a:buFont typeface="Arial" panose="020B0604020202020204" pitchFamily="34" charset="0"/>
+              <a:buChar char="•"/>
+            </a:pPr>
+            <a:r>
+              <a:rPr lang="pt-BR" sz="2800" dirty="0"/>
+              <a:t>Reconhecimento da dinâmica fluida das relações de poder e influência ao longo do projeto.</a:t>
+            </a:r>
+          </a:p>
+          <a:p>
+            <a:pPr marL="914400" lvl="1" indent="-457200">
+              <a:buFont typeface="Arial" panose="020B0604020202020204" pitchFamily="34" charset="0"/>
+              <a:buChar char="•"/>
+            </a:pPr>
+            <a:endParaRPr lang="pt-BR" sz="2800" dirty="0"/>
+          </a:p>
+          <a:p>
+            <a:pPr marL="914400" lvl="1" indent="-457200">
+              <a:buFont typeface="Arial" panose="020B0604020202020204" pitchFamily="34" charset="0"/>
+              <a:buChar char="•"/>
+            </a:pPr>
+            <a:r>
+              <a:rPr lang="pt-BR" sz="2800" dirty="0"/>
+              <a:t>Alerta para as mudanças nas prioridades e expectativas das partes interessadas.</a:t>
+            </a:r>
           </a:p>
         </p:txBody>
       </p:sp>
     </p:spTree>
     <p:extLst>
       <p:ext uri="{BB962C8B-B14F-4D97-AF65-F5344CB8AC3E}">
-        <p14:creationId xmlns:p14="http://schemas.microsoft.com/office/powerpoint/2010/main" val="4139151601"/>
+        <p14:creationId xmlns:p14="http://schemas.microsoft.com/office/powerpoint/2010/main" val="1807719163"/>
       </p:ext>
     </p:extLst>
   </p:cSld>
   <p:clrMapOvr>
     <a:masterClrMapping/>
   </p:clrMapOvr>
-  <mc:AlternateContent xmlns:mc="http://schemas.openxmlformats.org/markup-compatibility/2006">
-    <mc:Choice xmlns:p159="http://schemas.microsoft.com/office/powerpoint/2015/09/main" Requires="p159">
+  <mc:AlternateContent xmlns:mc="http://schemas.openxmlformats.org/markup-compatibility/2006" xmlns:p159="http://schemas.microsoft.com/office/powerpoint/2015/09/main">
+    <mc:Choice Requires="p159">
       <p:transition xmlns:p14="http://schemas.microsoft.com/office/powerpoint/2010/main" spd="slow" p14:dur="2000">
         <p159:morph option="byObject"/>
       </p:transition>
     </mc:Choice>
-    <mc:Fallback>
+    <mc:Fallback xmlns="">
       <p:transition spd="slow">
         <p:fade/>
       </p:transition>
